--- a/政府產業政策簡報.pptx
+++ b/政府產業政策簡報.pptx
@@ -5,13 +5,15 @@
     <p:sldMasterId id="2147483648" r:id="rId1"/>
   </p:sldMasterIdLst>
   <p:notesMasterIdLst>
-    <p:notesMasterId r:id="rId6"/>
+    <p:notesMasterId r:id="rId8"/>
   </p:notesMasterIdLst>
   <p:sldIdLst>
     <p:sldId id="256" r:id="rId2"/>
     <p:sldId id="257" r:id="rId3"/>
     <p:sldId id="258" r:id="rId4"/>
     <p:sldId id="259" r:id="rId5"/>
+    <p:sldId id="260" r:id="rId6"/>
+    <p:sldId id="261" r:id="rId7"/>
   </p:sldIdLst>
   <p:sldSz cx="12192000" cy="6858000"/>
   <p:notesSz cx="6858000" cy="9144000"/>
@@ -118,6 +120,10 @@
 </p:presentation>
 </file>
 
+<file path=ppt/revisionInfo.xml><?xml version="1.0" encoding="utf-8"?>
+<p1510:revInfo xmlns:a="http://schemas.openxmlformats.org/drawingml/2006/main" xmlns:r="http://schemas.openxmlformats.org/officeDocument/2006/relationships" xmlns:p1510="http://schemas.microsoft.com/office/powerpoint/2015/10/main"/>
+</file>
+
 <file path=ppt/charts/chart1.xml><?xml version="1.0" encoding="utf-8"?>
 <c:chartSpace xmlns:c="http://schemas.openxmlformats.org/drawingml/2006/chart" xmlns:a="http://schemas.openxmlformats.org/drawingml/2006/main" xmlns:r="http://schemas.openxmlformats.org/officeDocument/2006/relationships" xmlns:c16r2="http://schemas.microsoft.com/office/drawing/2015/06/chart">
   <c:date1904 val="0"/>
@@ -223,6 +229,11 @@
               </a:ln>
               <a:effectLst/>
             </c:spPr>
+            <c:extLst>
+              <c:ext xmlns:c16="http://schemas.microsoft.com/office/drawing/2014/chart" uri="{C3380CC4-5D6E-409C-BE32-E72D297353CC}">
+                <c16:uniqueId val="{00000001-A63C-42E5-9C5C-8FD19E788501}"/>
+              </c:ext>
+            </c:extLst>
           </c:dPt>
           <c:dPt>
             <c:idx val="1"/>
@@ -238,6 +249,11 @@
               </a:ln>
               <a:effectLst/>
             </c:spPr>
+            <c:extLst>
+              <c:ext xmlns:c16="http://schemas.microsoft.com/office/drawing/2014/chart" uri="{C3380CC4-5D6E-409C-BE32-E72D297353CC}">
+                <c16:uniqueId val="{00000003-A63C-42E5-9C5C-8FD19E788501}"/>
+              </c:ext>
+            </c:extLst>
           </c:dPt>
           <c:dPt>
             <c:idx val="2"/>
@@ -253,6 +269,11 @@
               </a:ln>
               <a:effectLst/>
             </c:spPr>
+            <c:extLst>
+              <c:ext xmlns:c16="http://schemas.microsoft.com/office/drawing/2014/chart" uri="{C3380CC4-5D6E-409C-BE32-E72D297353CC}">
+                <c16:uniqueId val="{00000005-A63C-42E5-9C5C-8FD19E788501}"/>
+              </c:ext>
+            </c:extLst>
           </c:dPt>
           <c:dPt>
             <c:idx val="3"/>
@@ -268,6 +289,11 @@
               </a:ln>
               <a:effectLst/>
             </c:spPr>
+            <c:extLst>
+              <c:ext xmlns:c16="http://schemas.microsoft.com/office/drawing/2014/chart" uri="{C3380CC4-5D6E-409C-BE32-E72D297353CC}">
+                <c16:uniqueId val="{00000007-A63C-42E5-9C5C-8FD19E788501}"/>
+              </c:ext>
+            </c:extLst>
           </c:dPt>
           <c:cat>
             <c:strRef>
@@ -1051,6 +1077,2612 @@
 </cs:chartStyle>
 </file>
 
+<file path=ppt/diagrams/colors1.xml><?xml version="1.0" encoding="utf-8"?>
+<dgm:colorsDef xmlns:dgm="http://schemas.openxmlformats.org/drawingml/2006/diagram" xmlns:a="http://schemas.openxmlformats.org/drawingml/2006/main" uniqueId="urn:microsoft.com/office/officeart/2005/8/colors/accent1_2">
+  <dgm:title val=""/>
+  <dgm:desc val=""/>
+  <dgm:catLst>
+    <dgm:cat type="accent1" pri="11200"/>
+  </dgm:catLst>
+  <dgm:styleLbl name="node0">
+    <dgm:fillClrLst meth="repeat">
+      <a:schemeClr val="accent1"/>
+    </dgm:fillClrLst>
+    <dgm:linClrLst meth="repeat">
+      <a:schemeClr val="lt1"/>
+    </dgm:linClrLst>
+    <dgm:effectClrLst/>
+    <dgm:txLinClrLst/>
+    <dgm:txFillClrLst/>
+    <dgm:txEffectClrLst/>
+  </dgm:styleLbl>
+  <dgm:styleLbl name="alignNode1">
+    <dgm:fillClrLst meth="repeat">
+      <a:schemeClr val="accent1"/>
+    </dgm:fillClrLst>
+    <dgm:linClrLst meth="repeat">
+      <a:schemeClr val="accent1"/>
+    </dgm:linClrLst>
+    <dgm:effectClrLst/>
+    <dgm:txLinClrLst/>
+    <dgm:txFillClrLst/>
+    <dgm:txEffectClrLst/>
+  </dgm:styleLbl>
+  <dgm:styleLbl name="node1">
+    <dgm:fillClrLst meth="repeat">
+      <a:schemeClr val="accent1"/>
+    </dgm:fillClrLst>
+    <dgm:linClrLst meth="repeat">
+      <a:schemeClr val="lt1"/>
+    </dgm:linClrLst>
+    <dgm:effectClrLst/>
+    <dgm:txLinClrLst/>
+    <dgm:txFillClrLst/>
+    <dgm:txEffectClrLst/>
+  </dgm:styleLbl>
+  <dgm:styleLbl name="lnNode1">
+    <dgm:fillClrLst meth="repeat">
+      <a:schemeClr val="accent1"/>
+    </dgm:fillClrLst>
+    <dgm:linClrLst meth="repeat">
+      <a:schemeClr val="lt1"/>
+    </dgm:linClrLst>
+    <dgm:effectClrLst/>
+    <dgm:txLinClrLst/>
+    <dgm:txFillClrLst/>
+    <dgm:txEffectClrLst/>
+  </dgm:styleLbl>
+  <dgm:styleLbl name="vennNode1">
+    <dgm:fillClrLst meth="repeat">
+      <a:schemeClr val="accent1">
+        <a:alpha val="50000"/>
+      </a:schemeClr>
+    </dgm:fillClrLst>
+    <dgm:linClrLst meth="repeat">
+      <a:schemeClr val="lt1"/>
+    </dgm:linClrLst>
+    <dgm:effectClrLst/>
+    <dgm:txLinClrLst/>
+    <dgm:txFillClrLst/>
+    <dgm:txEffectClrLst/>
+  </dgm:styleLbl>
+  <dgm:styleLbl name="node2">
+    <dgm:fillClrLst meth="repeat">
+      <a:schemeClr val="accent1"/>
+    </dgm:fillClrLst>
+    <dgm:linClrLst meth="repeat">
+      <a:schemeClr val="lt1"/>
+    </dgm:linClrLst>
+    <dgm:effectClrLst/>
+    <dgm:txLinClrLst/>
+    <dgm:txFillClrLst/>
+    <dgm:txEffectClrLst/>
+  </dgm:styleLbl>
+  <dgm:styleLbl name="node3">
+    <dgm:fillClrLst meth="repeat">
+      <a:schemeClr val="accent1"/>
+    </dgm:fillClrLst>
+    <dgm:linClrLst meth="repeat">
+      <a:schemeClr val="lt1"/>
+    </dgm:linClrLst>
+    <dgm:effectClrLst/>
+    <dgm:txLinClrLst/>
+    <dgm:txFillClrLst/>
+    <dgm:txEffectClrLst/>
+  </dgm:styleLbl>
+  <dgm:styleLbl name="node4">
+    <dgm:fillClrLst meth="repeat">
+      <a:schemeClr val="accent1"/>
+    </dgm:fillClrLst>
+    <dgm:linClrLst meth="repeat">
+      <a:schemeClr val="lt1"/>
+    </dgm:linClrLst>
+    <dgm:effectClrLst/>
+    <dgm:txLinClrLst/>
+    <dgm:txFillClrLst/>
+    <dgm:txEffectClrLst/>
+  </dgm:styleLbl>
+  <dgm:styleLbl name="fgImgPlace1">
+    <dgm:fillClrLst meth="repeat">
+      <a:schemeClr val="accent1">
+        <a:tint val="50000"/>
+      </a:schemeClr>
+    </dgm:fillClrLst>
+    <dgm:linClrLst meth="repeat">
+      <a:schemeClr val="lt1"/>
+    </dgm:linClrLst>
+    <dgm:effectClrLst/>
+    <dgm:txLinClrLst/>
+    <dgm:txFillClrLst meth="repeat">
+      <a:schemeClr val="lt1"/>
+    </dgm:txFillClrLst>
+    <dgm:txEffectClrLst/>
+  </dgm:styleLbl>
+  <dgm:styleLbl name="alignImgPlace1">
+    <dgm:fillClrLst meth="repeat">
+      <a:schemeClr val="accent1">
+        <a:tint val="50000"/>
+      </a:schemeClr>
+    </dgm:fillClrLst>
+    <dgm:linClrLst meth="repeat">
+      <a:schemeClr val="lt1"/>
+    </dgm:linClrLst>
+    <dgm:effectClrLst/>
+    <dgm:txLinClrLst/>
+    <dgm:txFillClrLst meth="repeat">
+      <a:schemeClr val="lt1"/>
+    </dgm:txFillClrLst>
+    <dgm:txEffectClrLst/>
+  </dgm:styleLbl>
+  <dgm:styleLbl name="bgImgPlace1">
+    <dgm:fillClrLst meth="repeat">
+      <a:schemeClr val="accent1">
+        <a:tint val="50000"/>
+      </a:schemeClr>
+    </dgm:fillClrLst>
+    <dgm:linClrLst meth="repeat">
+      <a:schemeClr val="lt1"/>
+    </dgm:linClrLst>
+    <dgm:effectClrLst/>
+    <dgm:txLinClrLst/>
+    <dgm:txFillClrLst meth="repeat">
+      <a:schemeClr val="lt1"/>
+    </dgm:txFillClrLst>
+    <dgm:txEffectClrLst/>
+  </dgm:styleLbl>
+  <dgm:styleLbl name="sibTrans2D1">
+    <dgm:fillClrLst meth="repeat">
+      <a:schemeClr val="accent1">
+        <a:tint val="60000"/>
+      </a:schemeClr>
+    </dgm:fillClrLst>
+    <dgm:linClrLst meth="repeat">
+      <a:schemeClr val="accent1">
+        <a:tint val="60000"/>
+      </a:schemeClr>
+    </dgm:linClrLst>
+    <dgm:effectClrLst/>
+    <dgm:txLinClrLst/>
+    <dgm:txFillClrLst/>
+    <dgm:txEffectClrLst/>
+  </dgm:styleLbl>
+  <dgm:styleLbl name="fgSibTrans2D1">
+    <dgm:fillClrLst meth="repeat">
+      <a:schemeClr val="accent1">
+        <a:tint val="60000"/>
+      </a:schemeClr>
+    </dgm:fillClrLst>
+    <dgm:linClrLst meth="repeat">
+      <a:schemeClr val="accent1">
+        <a:tint val="60000"/>
+      </a:schemeClr>
+    </dgm:linClrLst>
+    <dgm:effectClrLst/>
+    <dgm:txLinClrLst/>
+    <dgm:txFillClrLst/>
+    <dgm:txEffectClrLst/>
+  </dgm:styleLbl>
+  <dgm:styleLbl name="bgSibTrans2D1">
+    <dgm:fillClrLst meth="repeat">
+      <a:schemeClr val="accent1">
+        <a:tint val="60000"/>
+      </a:schemeClr>
+    </dgm:fillClrLst>
+    <dgm:linClrLst meth="repeat">
+      <a:schemeClr val="accent1">
+        <a:tint val="60000"/>
+      </a:schemeClr>
+    </dgm:linClrLst>
+    <dgm:effectClrLst/>
+    <dgm:txLinClrLst/>
+    <dgm:txFillClrLst/>
+    <dgm:txEffectClrLst/>
+  </dgm:styleLbl>
+  <dgm:styleLbl name="sibTrans1D1">
+    <dgm:fillClrLst meth="repeat">
+      <a:schemeClr val="accent1"/>
+    </dgm:fillClrLst>
+    <dgm:linClrLst meth="repeat">
+      <a:schemeClr val="accent1"/>
+    </dgm:linClrLst>
+    <dgm:effectClrLst/>
+    <dgm:txLinClrLst/>
+    <dgm:txFillClrLst meth="repeat">
+      <a:schemeClr val="tx1"/>
+    </dgm:txFillClrLst>
+    <dgm:txEffectClrLst/>
+  </dgm:styleLbl>
+  <dgm:styleLbl name="callout">
+    <dgm:fillClrLst meth="repeat">
+      <a:schemeClr val="accent1"/>
+    </dgm:fillClrLst>
+    <dgm:linClrLst meth="repeat">
+      <a:schemeClr val="accent1">
+        <a:tint val="50000"/>
+      </a:schemeClr>
+    </dgm:linClrLst>
+    <dgm:effectClrLst/>
+    <dgm:txLinClrLst/>
+    <dgm:txFillClrLst meth="repeat">
+      <a:schemeClr val="tx1"/>
+    </dgm:txFillClrLst>
+    <dgm:txEffectClrLst/>
+  </dgm:styleLbl>
+  <dgm:styleLbl name="asst0">
+    <dgm:fillClrLst meth="repeat">
+      <a:schemeClr val="accent1"/>
+    </dgm:fillClrLst>
+    <dgm:linClrLst meth="repeat">
+      <a:schemeClr val="lt1"/>
+    </dgm:linClrLst>
+    <dgm:effectClrLst/>
+    <dgm:txLinClrLst/>
+    <dgm:txFillClrLst/>
+    <dgm:txEffectClrLst/>
+  </dgm:styleLbl>
+  <dgm:styleLbl name="asst1">
+    <dgm:fillClrLst meth="repeat">
+      <a:schemeClr val="accent1"/>
+    </dgm:fillClrLst>
+    <dgm:linClrLst meth="repeat">
+      <a:schemeClr val="lt1"/>
+    </dgm:linClrLst>
+    <dgm:effectClrLst/>
+    <dgm:txLinClrLst/>
+    <dgm:txFillClrLst/>
+    <dgm:txEffectClrLst/>
+  </dgm:styleLbl>
+  <dgm:styleLbl name="asst2">
+    <dgm:fillClrLst meth="repeat">
+      <a:schemeClr val="accent1"/>
+    </dgm:fillClrLst>
+    <dgm:linClrLst meth="repeat">
+      <a:schemeClr val="lt1"/>
+    </dgm:linClrLst>
+    <dgm:effectClrLst/>
+    <dgm:txLinClrLst/>
+    <dgm:txFillClrLst/>
+    <dgm:txEffectClrLst/>
+  </dgm:styleLbl>
+  <dgm:styleLbl name="asst3">
+    <dgm:fillClrLst meth="repeat">
+      <a:schemeClr val="accent1"/>
+    </dgm:fillClrLst>
+    <dgm:linClrLst meth="repeat">
+      <a:schemeClr val="lt1"/>
+    </dgm:linClrLst>
+    <dgm:effectClrLst/>
+    <dgm:txLinClrLst/>
+    <dgm:txFillClrLst/>
+    <dgm:txEffectClrLst/>
+  </dgm:styleLbl>
+  <dgm:styleLbl name="asst4">
+    <dgm:fillClrLst meth="repeat">
+      <a:schemeClr val="accent1"/>
+    </dgm:fillClrLst>
+    <dgm:linClrLst meth="repeat">
+      <a:schemeClr val="lt1"/>
+    </dgm:linClrLst>
+    <dgm:effectClrLst/>
+    <dgm:txLinClrLst/>
+    <dgm:txFillClrLst/>
+    <dgm:txEffectClrLst/>
+  </dgm:styleLbl>
+  <dgm:styleLbl name="parChTrans2D1">
+    <dgm:fillClrLst meth="repeat">
+      <a:schemeClr val="accent1">
+        <a:tint val="60000"/>
+      </a:schemeClr>
+    </dgm:fillClrLst>
+    <dgm:linClrLst meth="repeat">
+      <a:schemeClr val="accent1">
+        <a:tint val="60000"/>
+      </a:schemeClr>
+    </dgm:linClrLst>
+    <dgm:effectClrLst/>
+    <dgm:txLinClrLst/>
+    <dgm:txFillClrLst meth="repeat">
+      <a:schemeClr val="lt1"/>
+    </dgm:txFillClrLst>
+    <dgm:txEffectClrLst/>
+  </dgm:styleLbl>
+  <dgm:styleLbl name="parChTrans2D2">
+    <dgm:fillClrLst meth="repeat">
+      <a:schemeClr val="accent1"/>
+    </dgm:fillClrLst>
+    <dgm:linClrLst meth="repeat">
+      <a:schemeClr val="accent1"/>
+    </dgm:linClrLst>
+    <dgm:effectClrLst/>
+    <dgm:txLinClrLst/>
+    <dgm:txFillClrLst meth="repeat">
+      <a:schemeClr val="lt1"/>
+    </dgm:txFillClrLst>
+    <dgm:txEffectClrLst/>
+  </dgm:styleLbl>
+  <dgm:styleLbl name="parChTrans2D3">
+    <dgm:fillClrLst meth="repeat">
+      <a:schemeClr val="accent1"/>
+    </dgm:fillClrLst>
+    <dgm:linClrLst meth="repeat">
+      <a:schemeClr val="accent1"/>
+    </dgm:linClrLst>
+    <dgm:effectClrLst/>
+    <dgm:txLinClrLst/>
+    <dgm:txFillClrLst meth="repeat">
+      <a:schemeClr val="lt1"/>
+    </dgm:txFillClrLst>
+    <dgm:txEffectClrLst/>
+  </dgm:styleLbl>
+  <dgm:styleLbl name="parChTrans2D4">
+    <dgm:fillClrLst meth="repeat">
+      <a:schemeClr val="accent1"/>
+    </dgm:fillClrLst>
+    <dgm:linClrLst meth="repeat">
+      <a:schemeClr val="accent1"/>
+    </dgm:linClrLst>
+    <dgm:effectClrLst/>
+    <dgm:txLinClrLst/>
+    <dgm:txFillClrLst meth="repeat">
+      <a:schemeClr val="lt1"/>
+    </dgm:txFillClrLst>
+    <dgm:txEffectClrLst/>
+  </dgm:styleLbl>
+  <dgm:styleLbl name="parChTrans1D1">
+    <dgm:fillClrLst meth="repeat">
+      <a:schemeClr val="accent1"/>
+    </dgm:fillClrLst>
+    <dgm:linClrLst meth="repeat">
+      <a:schemeClr val="accent1">
+        <a:shade val="60000"/>
+      </a:schemeClr>
+    </dgm:linClrLst>
+    <dgm:effectClrLst/>
+    <dgm:txLinClrLst/>
+    <dgm:txFillClrLst meth="repeat">
+      <a:schemeClr val="tx1"/>
+    </dgm:txFillClrLst>
+    <dgm:txEffectClrLst/>
+  </dgm:styleLbl>
+  <dgm:styleLbl name="parChTrans1D2">
+    <dgm:fillClrLst meth="repeat">
+      <a:schemeClr val="accent1"/>
+    </dgm:fillClrLst>
+    <dgm:linClrLst meth="repeat">
+      <a:schemeClr val="accent1">
+        <a:shade val="60000"/>
+      </a:schemeClr>
+    </dgm:linClrLst>
+    <dgm:effectClrLst/>
+    <dgm:txLinClrLst/>
+    <dgm:txFillClrLst meth="repeat">
+      <a:schemeClr val="tx1"/>
+    </dgm:txFillClrLst>
+    <dgm:txEffectClrLst/>
+  </dgm:styleLbl>
+  <dgm:styleLbl name="parChTrans1D3">
+    <dgm:fillClrLst meth="repeat">
+      <a:schemeClr val="accent1"/>
+    </dgm:fillClrLst>
+    <dgm:linClrLst meth="repeat">
+      <a:schemeClr val="accent1">
+        <a:shade val="80000"/>
+      </a:schemeClr>
+    </dgm:linClrLst>
+    <dgm:effectClrLst/>
+    <dgm:txLinClrLst/>
+    <dgm:txFillClrLst meth="repeat">
+      <a:schemeClr val="tx1"/>
+    </dgm:txFillClrLst>
+    <dgm:txEffectClrLst/>
+  </dgm:styleLbl>
+  <dgm:styleLbl name="parChTrans1D4">
+    <dgm:fillClrLst meth="repeat">
+      <a:schemeClr val="accent1"/>
+    </dgm:fillClrLst>
+    <dgm:linClrLst meth="repeat">
+      <a:schemeClr val="accent1">
+        <a:shade val="80000"/>
+      </a:schemeClr>
+    </dgm:linClrLst>
+    <dgm:effectClrLst/>
+    <dgm:txLinClrLst/>
+    <dgm:txFillClrLst meth="repeat">
+      <a:schemeClr val="tx1"/>
+    </dgm:txFillClrLst>
+    <dgm:txEffectClrLst/>
+  </dgm:styleLbl>
+  <dgm:styleLbl name="fgAcc1">
+    <dgm:fillClrLst meth="repeat">
+      <a:schemeClr val="lt1">
+        <a:alpha val="90000"/>
+      </a:schemeClr>
+    </dgm:fillClrLst>
+    <dgm:linClrLst meth="repeat">
+      <a:schemeClr val="accent1"/>
+    </dgm:linClrLst>
+    <dgm:effectClrLst/>
+    <dgm:txLinClrLst/>
+    <dgm:txFillClrLst meth="repeat">
+      <a:schemeClr val="dk1"/>
+    </dgm:txFillClrLst>
+    <dgm:txEffectClrLst/>
+  </dgm:styleLbl>
+  <dgm:styleLbl name="conFgAcc1">
+    <dgm:fillClrLst meth="repeat">
+      <a:schemeClr val="lt1">
+        <a:alpha val="90000"/>
+      </a:schemeClr>
+    </dgm:fillClrLst>
+    <dgm:linClrLst meth="repeat">
+      <a:schemeClr val="accent1"/>
+    </dgm:linClrLst>
+    <dgm:effectClrLst/>
+    <dgm:txLinClrLst/>
+    <dgm:txFillClrLst meth="repeat">
+      <a:schemeClr val="dk1"/>
+    </dgm:txFillClrLst>
+    <dgm:txEffectClrLst/>
+  </dgm:styleLbl>
+  <dgm:styleLbl name="alignAcc1">
+    <dgm:fillClrLst meth="repeat">
+      <a:schemeClr val="lt1">
+        <a:alpha val="90000"/>
+      </a:schemeClr>
+    </dgm:fillClrLst>
+    <dgm:linClrLst meth="repeat">
+      <a:schemeClr val="accent1"/>
+    </dgm:linClrLst>
+    <dgm:effectClrLst/>
+    <dgm:txLinClrLst/>
+    <dgm:txFillClrLst meth="repeat">
+      <a:schemeClr val="dk1"/>
+    </dgm:txFillClrLst>
+    <dgm:txEffectClrLst/>
+  </dgm:styleLbl>
+  <dgm:styleLbl name="trAlignAcc1">
+    <dgm:fillClrLst meth="repeat">
+      <a:schemeClr val="lt1">
+        <a:alpha val="40000"/>
+      </a:schemeClr>
+    </dgm:fillClrLst>
+    <dgm:linClrLst meth="repeat">
+      <a:schemeClr val="accent1"/>
+    </dgm:linClrLst>
+    <dgm:effectClrLst/>
+    <dgm:txLinClrLst/>
+    <dgm:txFillClrLst meth="repeat">
+      <a:schemeClr val="dk1"/>
+    </dgm:txFillClrLst>
+    <dgm:txEffectClrLst/>
+  </dgm:styleLbl>
+  <dgm:styleLbl name="bgAcc1">
+    <dgm:fillClrLst meth="repeat">
+      <a:schemeClr val="lt1">
+        <a:alpha val="90000"/>
+      </a:schemeClr>
+    </dgm:fillClrLst>
+    <dgm:linClrLst meth="repeat">
+      <a:schemeClr val="accent1"/>
+    </dgm:linClrLst>
+    <dgm:effectClrLst/>
+    <dgm:txLinClrLst/>
+    <dgm:txFillClrLst meth="repeat">
+      <a:schemeClr val="dk1"/>
+    </dgm:txFillClrLst>
+    <dgm:txEffectClrLst/>
+  </dgm:styleLbl>
+  <dgm:styleLbl name="solidFgAcc1">
+    <dgm:fillClrLst meth="repeat">
+      <a:schemeClr val="lt1"/>
+    </dgm:fillClrLst>
+    <dgm:linClrLst meth="repeat">
+      <a:schemeClr val="accent1"/>
+    </dgm:linClrLst>
+    <dgm:effectClrLst/>
+    <dgm:txLinClrLst/>
+    <dgm:txFillClrLst meth="repeat">
+      <a:schemeClr val="dk1"/>
+    </dgm:txFillClrLst>
+    <dgm:txEffectClrLst/>
+  </dgm:styleLbl>
+  <dgm:styleLbl name="solidAlignAcc1">
+    <dgm:fillClrLst meth="repeat">
+      <a:schemeClr val="lt1"/>
+    </dgm:fillClrLst>
+    <dgm:linClrLst meth="repeat">
+      <a:schemeClr val="accent1"/>
+    </dgm:linClrLst>
+    <dgm:effectClrLst/>
+    <dgm:txLinClrLst/>
+    <dgm:txFillClrLst meth="repeat">
+      <a:schemeClr val="dk1"/>
+    </dgm:txFillClrLst>
+    <dgm:txEffectClrLst/>
+  </dgm:styleLbl>
+  <dgm:styleLbl name="solidBgAcc1">
+    <dgm:fillClrLst meth="repeat">
+      <a:schemeClr val="lt1"/>
+    </dgm:fillClrLst>
+    <dgm:linClrLst meth="repeat">
+      <a:schemeClr val="accent1"/>
+    </dgm:linClrLst>
+    <dgm:effectClrLst/>
+    <dgm:txLinClrLst/>
+    <dgm:txFillClrLst meth="repeat">
+      <a:schemeClr val="dk1"/>
+    </dgm:txFillClrLst>
+    <dgm:txEffectClrLst/>
+  </dgm:styleLbl>
+  <dgm:styleLbl name="fgAccFollowNode1">
+    <dgm:fillClrLst meth="repeat">
+      <a:schemeClr val="accent1">
+        <a:alpha val="90000"/>
+        <a:tint val="40000"/>
+      </a:schemeClr>
+    </dgm:fillClrLst>
+    <dgm:linClrLst meth="repeat">
+      <a:schemeClr val="accent1">
+        <a:alpha val="90000"/>
+        <a:tint val="40000"/>
+      </a:schemeClr>
+    </dgm:linClrLst>
+    <dgm:effectClrLst/>
+    <dgm:txLinClrLst/>
+    <dgm:txFillClrLst meth="repeat">
+      <a:schemeClr val="dk1"/>
+    </dgm:txFillClrLst>
+    <dgm:txEffectClrLst/>
+  </dgm:styleLbl>
+  <dgm:styleLbl name="alignAccFollowNode1">
+    <dgm:fillClrLst meth="repeat">
+      <a:schemeClr val="accent1">
+        <a:alpha val="90000"/>
+        <a:tint val="40000"/>
+      </a:schemeClr>
+    </dgm:fillClrLst>
+    <dgm:linClrLst meth="repeat">
+      <a:schemeClr val="accent1">
+        <a:alpha val="90000"/>
+        <a:tint val="40000"/>
+      </a:schemeClr>
+    </dgm:linClrLst>
+    <dgm:effectClrLst/>
+    <dgm:txLinClrLst/>
+    <dgm:txFillClrLst meth="repeat">
+      <a:schemeClr val="dk1"/>
+    </dgm:txFillClrLst>
+    <dgm:txEffectClrLst/>
+  </dgm:styleLbl>
+  <dgm:styleLbl name="bgAccFollowNode1">
+    <dgm:fillClrLst meth="repeat">
+      <a:schemeClr val="accent1">
+        <a:alpha val="90000"/>
+        <a:tint val="40000"/>
+      </a:schemeClr>
+    </dgm:fillClrLst>
+    <dgm:linClrLst meth="repeat">
+      <a:schemeClr val="accent1">
+        <a:alpha val="90000"/>
+        <a:tint val="40000"/>
+      </a:schemeClr>
+    </dgm:linClrLst>
+    <dgm:effectClrLst/>
+    <dgm:txLinClrLst/>
+    <dgm:txFillClrLst meth="repeat">
+      <a:schemeClr val="dk1"/>
+    </dgm:txFillClrLst>
+    <dgm:txEffectClrLst/>
+  </dgm:styleLbl>
+  <dgm:styleLbl name="fgAcc0">
+    <dgm:fillClrLst meth="repeat">
+      <a:schemeClr val="lt1">
+        <a:alpha val="90000"/>
+      </a:schemeClr>
+    </dgm:fillClrLst>
+    <dgm:linClrLst meth="repeat">
+      <a:schemeClr val="accent1"/>
+    </dgm:linClrLst>
+    <dgm:effectClrLst/>
+    <dgm:txLinClrLst/>
+    <dgm:txFillClrLst meth="repeat">
+      <a:schemeClr val="dk1"/>
+    </dgm:txFillClrLst>
+    <dgm:txEffectClrLst/>
+  </dgm:styleLbl>
+  <dgm:styleLbl name="fgAcc2">
+    <dgm:fillClrLst meth="repeat">
+      <a:schemeClr val="lt1">
+        <a:alpha val="90000"/>
+      </a:schemeClr>
+    </dgm:fillClrLst>
+    <dgm:linClrLst meth="repeat">
+      <a:schemeClr val="accent1"/>
+    </dgm:linClrLst>
+    <dgm:effectClrLst/>
+    <dgm:txLinClrLst/>
+    <dgm:txFillClrLst meth="repeat">
+      <a:schemeClr val="dk1"/>
+    </dgm:txFillClrLst>
+    <dgm:txEffectClrLst/>
+  </dgm:styleLbl>
+  <dgm:styleLbl name="fgAcc3">
+    <dgm:fillClrLst meth="repeat">
+      <a:schemeClr val="lt1">
+        <a:alpha val="90000"/>
+      </a:schemeClr>
+    </dgm:fillClrLst>
+    <dgm:linClrLst meth="repeat">
+      <a:schemeClr val="accent1"/>
+    </dgm:linClrLst>
+    <dgm:effectClrLst/>
+    <dgm:txLinClrLst/>
+    <dgm:txFillClrLst meth="repeat">
+      <a:schemeClr val="dk1"/>
+    </dgm:txFillClrLst>
+    <dgm:txEffectClrLst/>
+  </dgm:styleLbl>
+  <dgm:styleLbl name="fgAcc4">
+    <dgm:fillClrLst meth="repeat">
+      <a:schemeClr val="lt1">
+        <a:alpha val="90000"/>
+      </a:schemeClr>
+    </dgm:fillClrLst>
+    <dgm:linClrLst meth="repeat">
+      <a:schemeClr val="accent1"/>
+    </dgm:linClrLst>
+    <dgm:effectClrLst/>
+    <dgm:txLinClrLst/>
+    <dgm:txFillClrLst meth="repeat">
+      <a:schemeClr val="dk1"/>
+    </dgm:txFillClrLst>
+    <dgm:txEffectClrLst/>
+  </dgm:styleLbl>
+  <dgm:styleLbl name="bgShp">
+    <dgm:fillClrLst meth="repeat">
+      <a:schemeClr val="accent1">
+        <a:tint val="40000"/>
+      </a:schemeClr>
+    </dgm:fillClrLst>
+    <dgm:linClrLst meth="repeat">
+      <a:schemeClr val="accent1"/>
+    </dgm:linClrLst>
+    <dgm:effectClrLst/>
+    <dgm:txLinClrLst/>
+    <dgm:txFillClrLst meth="repeat">
+      <a:schemeClr val="dk1"/>
+    </dgm:txFillClrLst>
+    <dgm:txEffectClrLst/>
+  </dgm:styleLbl>
+  <dgm:styleLbl name="dkBgShp">
+    <dgm:fillClrLst meth="repeat">
+      <a:schemeClr val="accent1">
+        <a:shade val="80000"/>
+      </a:schemeClr>
+    </dgm:fillClrLst>
+    <dgm:linClrLst meth="repeat">
+      <a:schemeClr val="accent1"/>
+    </dgm:linClrLst>
+    <dgm:effectClrLst/>
+    <dgm:txLinClrLst/>
+    <dgm:txFillClrLst meth="repeat">
+      <a:schemeClr val="lt1"/>
+    </dgm:txFillClrLst>
+    <dgm:txEffectClrLst/>
+  </dgm:styleLbl>
+  <dgm:styleLbl name="trBgShp">
+    <dgm:fillClrLst meth="repeat">
+      <a:schemeClr val="accent1">
+        <a:tint val="50000"/>
+        <a:alpha val="40000"/>
+      </a:schemeClr>
+    </dgm:fillClrLst>
+    <dgm:linClrLst meth="repeat">
+      <a:schemeClr val="accent1"/>
+    </dgm:linClrLst>
+    <dgm:effectClrLst/>
+    <dgm:txLinClrLst/>
+    <dgm:txFillClrLst meth="repeat">
+      <a:schemeClr val="lt1"/>
+    </dgm:txFillClrLst>
+    <dgm:txEffectClrLst/>
+  </dgm:styleLbl>
+  <dgm:styleLbl name="fgShp">
+    <dgm:fillClrLst meth="repeat">
+      <a:schemeClr val="accent1">
+        <a:tint val="60000"/>
+      </a:schemeClr>
+    </dgm:fillClrLst>
+    <dgm:linClrLst meth="repeat">
+      <a:schemeClr val="lt1"/>
+    </dgm:linClrLst>
+    <dgm:effectClrLst/>
+    <dgm:txLinClrLst/>
+    <dgm:txFillClrLst meth="repeat">
+      <a:schemeClr val="dk1"/>
+    </dgm:txFillClrLst>
+    <dgm:txEffectClrLst/>
+  </dgm:styleLbl>
+  <dgm:styleLbl name="revTx">
+    <dgm:fillClrLst meth="repeat">
+      <a:schemeClr val="lt1">
+        <a:alpha val="0"/>
+      </a:schemeClr>
+    </dgm:fillClrLst>
+    <dgm:linClrLst meth="repeat">
+      <a:schemeClr val="dk1">
+        <a:alpha val="0"/>
+      </a:schemeClr>
+    </dgm:linClrLst>
+    <dgm:effectClrLst/>
+    <dgm:txLinClrLst/>
+    <dgm:txFillClrLst meth="repeat">
+      <a:schemeClr val="tx1"/>
+    </dgm:txFillClrLst>
+    <dgm:txEffectClrLst/>
+  </dgm:styleLbl>
+</dgm:colorsDef>
+</file>
+
+<file path=ppt/diagrams/data1.xml><?xml version="1.0" encoding="utf-8"?>
+<dgm:dataModel xmlns:dgm="http://schemas.openxmlformats.org/drawingml/2006/diagram" xmlns:a="http://schemas.openxmlformats.org/drawingml/2006/main">
+  <dgm:ptLst>
+    <dgm:pt modelId="{42DE7A79-7CE1-4102-B0E9-0211BD951C8F}" type="doc">
+      <dgm:prSet loTypeId="urn:microsoft.com/office/officeart/2009/3/layout/PlusandMinus" loCatId="relationship" qsTypeId="urn:microsoft.com/office/officeart/2005/8/quickstyle/simple1" qsCatId="simple" csTypeId="urn:microsoft.com/office/officeart/2005/8/colors/accent1_2" csCatId="accent1" phldr="1"/>
+      <dgm:spPr/>
+      <dgm:t>
+        <a:bodyPr/>
+        <a:lstStyle/>
+        <a:p>
+          <a:endParaRPr lang="zh-TW" altLang="en-US"/>
+        </a:p>
+      </dgm:t>
+    </dgm:pt>
+    <dgm:pt modelId="{0AC99B93-0E69-4D76-864F-F44DB379BE23}">
+      <dgm:prSet phldrT="[文字]" custT="1"/>
+      <dgm:spPr/>
+      <dgm:t>
+        <a:bodyPr/>
+        <a:lstStyle/>
+        <a:p>
+          <a:r>
+            <a:rPr lang="zh-TW" altLang="en-US" sz="2400" dirty="0">
+              <a:latin typeface="標楷體" panose="03000509000000000000" pitchFamily="65" charset="-120"/>
+              <a:ea typeface="標楷體" panose="03000509000000000000" pitchFamily="65" charset="-120"/>
+            </a:rPr>
+            <a:t>鴻海在美設廠，獲得</a:t>
+          </a:r>
+          <a:r>
+            <a:rPr lang="en-US" altLang="zh-TW" sz="2400" dirty="0">
+              <a:latin typeface="標楷體" panose="03000509000000000000" pitchFamily="65" charset="-120"/>
+              <a:ea typeface="標楷體" panose="03000509000000000000" pitchFamily="65" charset="-120"/>
+            </a:rPr>
+            <a:t>600~900</a:t>
+          </a:r>
+          <a:r>
+            <a:rPr lang="zh-TW" altLang="en-US" sz="2400" dirty="0">
+              <a:latin typeface="標楷體" panose="03000509000000000000" pitchFamily="65" charset="-120"/>
+              <a:ea typeface="標楷體" panose="03000509000000000000" pitchFamily="65" charset="-120"/>
+            </a:rPr>
+            <a:t>億的減稅方案</a:t>
+          </a:r>
+          <a:endParaRPr lang="en-US" altLang="zh-TW" sz="2400" dirty="0">
+            <a:latin typeface="標楷體" panose="03000509000000000000" pitchFamily="65" charset="-120"/>
+            <a:ea typeface="標楷體" panose="03000509000000000000" pitchFamily="65" charset="-120"/>
+          </a:endParaRPr>
+        </a:p>
+        <a:p>
+          <a:endParaRPr lang="zh-TW" altLang="en-US" sz="2400" dirty="0">
+            <a:latin typeface="標楷體" panose="03000509000000000000" pitchFamily="65" charset="-120"/>
+            <a:ea typeface="標楷體" panose="03000509000000000000" pitchFamily="65" charset="-120"/>
+          </a:endParaRPr>
+        </a:p>
+      </dgm:t>
+    </dgm:pt>
+    <dgm:pt modelId="{DA4DE012-3837-4873-96CB-0AE188B4F2A6}" type="parTrans" cxnId="{189AD734-AD65-434D-B23D-870A66D8411E}">
+      <dgm:prSet/>
+      <dgm:spPr/>
+      <dgm:t>
+        <a:bodyPr/>
+        <a:lstStyle/>
+        <a:p>
+          <a:endParaRPr lang="zh-TW" altLang="en-US"/>
+        </a:p>
+      </dgm:t>
+    </dgm:pt>
+    <dgm:pt modelId="{BE96EB39-6B6A-42C6-BC28-D196D8E53852}" type="sibTrans" cxnId="{189AD734-AD65-434D-B23D-870A66D8411E}">
+      <dgm:prSet/>
+      <dgm:spPr/>
+      <dgm:t>
+        <a:bodyPr/>
+        <a:lstStyle/>
+        <a:p>
+          <a:endParaRPr lang="zh-TW" altLang="en-US"/>
+        </a:p>
+      </dgm:t>
+    </dgm:pt>
+    <dgm:pt modelId="{F2F31B11-5D18-46E2-8D31-C4A5B38A999C}">
+      <dgm:prSet phldrT="[文字]"/>
+      <dgm:spPr/>
+      <dgm:t>
+        <a:bodyPr/>
+        <a:lstStyle/>
+        <a:p>
+          <a:endParaRPr lang="zh-TW" altLang="en-US" dirty="0"/>
+        </a:p>
+      </dgm:t>
+    </dgm:pt>
+    <dgm:pt modelId="{D460DEB2-3995-4565-A5AF-545005B08844}" type="parTrans" cxnId="{95E87146-FB4F-48E5-8DA4-B578335C80BB}">
+      <dgm:prSet/>
+      <dgm:spPr/>
+      <dgm:t>
+        <a:bodyPr/>
+        <a:lstStyle/>
+        <a:p>
+          <a:endParaRPr lang="zh-TW" altLang="en-US"/>
+        </a:p>
+      </dgm:t>
+    </dgm:pt>
+    <dgm:pt modelId="{9DDB6236-E90F-4932-AC09-6F208F2A47F7}" type="sibTrans" cxnId="{95E87146-FB4F-48E5-8DA4-B578335C80BB}">
+      <dgm:prSet/>
+      <dgm:spPr/>
+      <dgm:t>
+        <a:bodyPr/>
+        <a:lstStyle/>
+        <a:p>
+          <a:endParaRPr lang="zh-TW" altLang="en-US"/>
+        </a:p>
+      </dgm:t>
+    </dgm:pt>
+    <dgm:pt modelId="{F4C892E9-DE13-4E1C-9946-808C92EBF880}">
+      <dgm:prSet/>
+      <dgm:spPr/>
+    </dgm:pt>
+    <dgm:pt modelId="{81176F69-DDF8-4337-966C-41C7568EDD68}" type="parTrans" cxnId="{52DFA9EE-8F1D-4EB0-81BF-270AA0F0754B}">
+      <dgm:prSet/>
+      <dgm:spPr/>
+      <dgm:t>
+        <a:bodyPr/>
+        <a:lstStyle/>
+        <a:p>
+          <a:endParaRPr lang="zh-TW" altLang="en-US"/>
+        </a:p>
+      </dgm:t>
+    </dgm:pt>
+    <dgm:pt modelId="{D979291D-A46F-4DBE-8D89-42491A0E3285}" type="sibTrans" cxnId="{52DFA9EE-8F1D-4EB0-81BF-270AA0F0754B}">
+      <dgm:prSet/>
+      <dgm:spPr/>
+      <dgm:t>
+        <a:bodyPr/>
+        <a:lstStyle/>
+        <a:p>
+          <a:endParaRPr lang="zh-TW" altLang="en-US"/>
+        </a:p>
+      </dgm:t>
+    </dgm:pt>
+    <dgm:pt modelId="{BD995939-C297-4FE6-AD59-286987579343}">
+      <dgm:prSet/>
+      <dgm:spPr/>
+      <dgm:t>
+        <a:bodyPr/>
+        <a:lstStyle/>
+        <a:p>
+          <a:endParaRPr lang="zh-TW" altLang="en-US" dirty="0">
+            <a:latin typeface="標楷體" panose="03000509000000000000" pitchFamily="65" charset="-120"/>
+            <a:ea typeface="標楷體" panose="03000509000000000000" pitchFamily="65" charset="-120"/>
+          </a:endParaRPr>
+        </a:p>
+      </dgm:t>
+    </dgm:pt>
+    <dgm:pt modelId="{747072EE-03B0-4E95-B180-E4D6D442016D}" type="parTrans" cxnId="{395DDEFC-ED44-4111-88D1-134DA3731FE1}">
+      <dgm:prSet/>
+      <dgm:spPr/>
+      <dgm:t>
+        <a:bodyPr/>
+        <a:lstStyle/>
+        <a:p>
+          <a:endParaRPr lang="zh-TW" altLang="en-US"/>
+        </a:p>
+      </dgm:t>
+    </dgm:pt>
+    <dgm:pt modelId="{92AF950C-CA41-4DC8-A4AF-6B7BB07D3588}" type="sibTrans" cxnId="{395DDEFC-ED44-4111-88D1-134DA3731FE1}">
+      <dgm:prSet/>
+      <dgm:spPr/>
+      <dgm:t>
+        <a:bodyPr/>
+        <a:lstStyle/>
+        <a:p>
+          <a:endParaRPr lang="zh-TW" altLang="en-US"/>
+        </a:p>
+      </dgm:t>
+    </dgm:pt>
+    <dgm:pt modelId="{17C72C99-5C0F-48B8-84FB-2667A4A9A919}" type="pres">
+      <dgm:prSet presAssocID="{42DE7A79-7CE1-4102-B0E9-0211BD951C8F}" presName="Name0" presStyleCnt="0">
+        <dgm:presLayoutVars>
+          <dgm:chMax val="2"/>
+          <dgm:chPref val="2"/>
+          <dgm:dir/>
+          <dgm:animOne/>
+          <dgm:resizeHandles val="exact"/>
+        </dgm:presLayoutVars>
+      </dgm:prSet>
+      <dgm:spPr/>
+    </dgm:pt>
+    <dgm:pt modelId="{7E7279DB-C5CB-46A8-8356-D08B6667CE14}" type="pres">
+      <dgm:prSet presAssocID="{42DE7A79-7CE1-4102-B0E9-0211BD951C8F}" presName="Background" presStyleLbl="bgImgPlace1" presStyleIdx="0" presStyleCnt="1" custLinFactNeighborX="-3165" custLinFactNeighborY="-1818"/>
+      <dgm:spPr/>
+    </dgm:pt>
+    <dgm:pt modelId="{BE5085B8-B214-405B-B37B-F4FE979B472E}" type="pres">
+      <dgm:prSet presAssocID="{42DE7A79-7CE1-4102-B0E9-0211BD951C8F}" presName="ParentText1" presStyleLbl="revTx" presStyleIdx="0" presStyleCnt="2">
+        <dgm:presLayoutVars>
+          <dgm:chMax val="0"/>
+          <dgm:chPref val="0"/>
+          <dgm:bulletEnabled val="1"/>
+        </dgm:presLayoutVars>
+      </dgm:prSet>
+      <dgm:spPr/>
+    </dgm:pt>
+    <dgm:pt modelId="{5BBD4BA5-AD03-4799-962E-1DE52A8A79DF}" type="pres">
+      <dgm:prSet presAssocID="{42DE7A79-7CE1-4102-B0E9-0211BD951C8F}" presName="ParentText2" presStyleLbl="revTx" presStyleIdx="1" presStyleCnt="2">
+        <dgm:presLayoutVars>
+          <dgm:chMax val="0"/>
+          <dgm:chPref val="0"/>
+          <dgm:bulletEnabled val="1"/>
+        </dgm:presLayoutVars>
+      </dgm:prSet>
+      <dgm:spPr/>
+    </dgm:pt>
+    <dgm:pt modelId="{0BBC8CA5-BAFD-4DA0-B519-9369B36E9B02}" type="pres">
+      <dgm:prSet presAssocID="{42DE7A79-7CE1-4102-B0E9-0211BD951C8F}" presName="Plus" presStyleLbl="alignNode1" presStyleIdx="0" presStyleCnt="2" custLinFactNeighborX="-19243" custLinFactNeighborY="-3436"/>
+      <dgm:spPr>
+        <a:solidFill>
+          <a:srgbClr val="FF0000"/>
+        </a:solidFill>
+      </dgm:spPr>
+    </dgm:pt>
+    <dgm:pt modelId="{074AE1D7-2952-44D8-BBDD-5AC4801FBD60}" type="pres">
+      <dgm:prSet presAssocID="{42DE7A79-7CE1-4102-B0E9-0211BD951C8F}" presName="Minus" presStyleLbl="alignNode1" presStyleIdx="1" presStyleCnt="2" custLinFactNeighborX="730" custLinFactNeighborY="-23439"/>
+      <dgm:spPr>
+        <a:solidFill>
+          <a:schemeClr val="accent6"/>
+        </a:solidFill>
+      </dgm:spPr>
+    </dgm:pt>
+    <dgm:pt modelId="{62866E7F-EE11-41EB-8DB9-3D12007C2278}" type="pres">
+      <dgm:prSet presAssocID="{42DE7A79-7CE1-4102-B0E9-0211BD951C8F}" presName="Divider" presStyleLbl="parChTrans1D1" presStyleIdx="0" presStyleCnt="1"/>
+      <dgm:spPr/>
+    </dgm:pt>
+  </dgm:ptLst>
+  <dgm:cxnLst>
+    <dgm:cxn modelId="{189AD734-AD65-434D-B23D-870A66D8411E}" srcId="{42DE7A79-7CE1-4102-B0E9-0211BD951C8F}" destId="{0AC99B93-0E69-4D76-864F-F44DB379BE23}" srcOrd="0" destOrd="0" parTransId="{DA4DE012-3837-4873-96CB-0AE188B4F2A6}" sibTransId="{BE96EB39-6B6A-42C6-BC28-D196D8E53852}"/>
+    <dgm:cxn modelId="{2DD1AA65-EFDB-4F91-AE12-E4E3736846B3}" type="presOf" srcId="{F2F31B11-5D18-46E2-8D31-C4A5B38A999C}" destId="{5BBD4BA5-AD03-4799-962E-1DE52A8A79DF}" srcOrd="0" destOrd="0" presId="urn:microsoft.com/office/officeart/2009/3/layout/PlusandMinus"/>
+    <dgm:cxn modelId="{95E87146-FB4F-48E5-8DA4-B578335C80BB}" srcId="{42DE7A79-7CE1-4102-B0E9-0211BD951C8F}" destId="{F2F31B11-5D18-46E2-8D31-C4A5B38A999C}" srcOrd="1" destOrd="0" parTransId="{D460DEB2-3995-4565-A5AF-545005B08844}" sibTransId="{9DDB6236-E90F-4932-AC09-6F208F2A47F7}"/>
+    <dgm:cxn modelId="{E4512CCB-6277-49E6-AEF6-ED2805155C2C}" type="presOf" srcId="{0AC99B93-0E69-4D76-864F-F44DB379BE23}" destId="{BE5085B8-B214-405B-B37B-F4FE979B472E}" srcOrd="0" destOrd="0" presId="urn:microsoft.com/office/officeart/2009/3/layout/PlusandMinus"/>
+    <dgm:cxn modelId="{7C068AE7-FEDC-43FA-BF1D-453DBD5D0F5E}" type="presOf" srcId="{42DE7A79-7CE1-4102-B0E9-0211BD951C8F}" destId="{17C72C99-5C0F-48B8-84FB-2667A4A9A919}" srcOrd="0" destOrd="0" presId="urn:microsoft.com/office/officeart/2009/3/layout/PlusandMinus"/>
+    <dgm:cxn modelId="{52DFA9EE-8F1D-4EB0-81BF-270AA0F0754B}" srcId="{42DE7A79-7CE1-4102-B0E9-0211BD951C8F}" destId="{F4C892E9-DE13-4E1C-9946-808C92EBF880}" srcOrd="2" destOrd="0" parTransId="{81176F69-DDF8-4337-966C-41C7568EDD68}" sibTransId="{D979291D-A46F-4DBE-8D89-42491A0E3285}"/>
+    <dgm:cxn modelId="{395DDEFC-ED44-4111-88D1-134DA3731FE1}" srcId="{42DE7A79-7CE1-4102-B0E9-0211BD951C8F}" destId="{BD995939-C297-4FE6-AD59-286987579343}" srcOrd="3" destOrd="0" parTransId="{747072EE-03B0-4E95-B180-E4D6D442016D}" sibTransId="{92AF950C-CA41-4DC8-A4AF-6B7BB07D3588}"/>
+    <dgm:cxn modelId="{7CB53E8C-C8FE-4662-90B2-A51B399685CB}" type="presParOf" srcId="{17C72C99-5C0F-48B8-84FB-2667A4A9A919}" destId="{7E7279DB-C5CB-46A8-8356-D08B6667CE14}" srcOrd="0" destOrd="0" presId="urn:microsoft.com/office/officeart/2009/3/layout/PlusandMinus"/>
+    <dgm:cxn modelId="{DEBD6B03-5ED0-4B85-B8DD-CE2A7D65522D}" type="presParOf" srcId="{17C72C99-5C0F-48B8-84FB-2667A4A9A919}" destId="{BE5085B8-B214-405B-B37B-F4FE979B472E}" srcOrd="1" destOrd="0" presId="urn:microsoft.com/office/officeart/2009/3/layout/PlusandMinus"/>
+    <dgm:cxn modelId="{ADAA44AA-731F-4381-BC78-AF413D63C414}" type="presParOf" srcId="{17C72C99-5C0F-48B8-84FB-2667A4A9A919}" destId="{5BBD4BA5-AD03-4799-962E-1DE52A8A79DF}" srcOrd="2" destOrd="0" presId="urn:microsoft.com/office/officeart/2009/3/layout/PlusandMinus"/>
+    <dgm:cxn modelId="{AD66C443-38A7-4BA3-A4DD-25C691338832}" type="presParOf" srcId="{17C72C99-5C0F-48B8-84FB-2667A4A9A919}" destId="{0BBC8CA5-BAFD-4DA0-B519-9369B36E9B02}" srcOrd="3" destOrd="0" presId="urn:microsoft.com/office/officeart/2009/3/layout/PlusandMinus"/>
+    <dgm:cxn modelId="{0A5D8E87-6B80-41B5-942F-408FFD83B39B}" type="presParOf" srcId="{17C72C99-5C0F-48B8-84FB-2667A4A9A919}" destId="{074AE1D7-2952-44D8-BBDD-5AC4801FBD60}" srcOrd="4" destOrd="0" presId="urn:microsoft.com/office/officeart/2009/3/layout/PlusandMinus"/>
+    <dgm:cxn modelId="{05973A65-B74F-462D-B489-E903E4F1E8C3}" type="presParOf" srcId="{17C72C99-5C0F-48B8-84FB-2667A4A9A919}" destId="{62866E7F-EE11-41EB-8DB9-3D12007C2278}" srcOrd="5" destOrd="0" presId="urn:microsoft.com/office/officeart/2009/3/layout/PlusandMinus"/>
+  </dgm:cxnLst>
+  <dgm:bg/>
+  <dgm:whole/>
+  <dgm:extLst>
+    <a:ext uri="http://schemas.microsoft.com/office/drawing/2008/diagram">
+      <dsp:dataModelExt xmlns:dsp="http://schemas.microsoft.com/office/drawing/2008/diagram" relId="rId6" minVer="http://schemas.openxmlformats.org/drawingml/2006/diagram"/>
+    </a:ext>
+  </dgm:extLst>
+</dgm:dataModel>
+</file>
+
+<file path=ppt/diagrams/drawing1.xml><?xml version="1.0" encoding="utf-8"?>
+<dsp:drawing xmlns:dgm="http://schemas.openxmlformats.org/drawingml/2006/diagram" xmlns:dsp="http://schemas.microsoft.com/office/drawing/2008/diagram" xmlns:a="http://schemas.openxmlformats.org/drawingml/2006/main">
+  <dsp:spTree>
+    <dsp:nvGrpSpPr>
+      <dsp:cNvPr id="0" name=""/>
+      <dsp:cNvGrpSpPr/>
+    </dsp:nvGrpSpPr>
+    <dsp:grpSpPr/>
+    <dsp:sp modelId="{7E7279DB-C5CB-46A8-8356-D08B6667CE14}">
+      <dsp:nvSpPr>
+        <dsp:cNvPr id="0" name=""/>
+        <dsp:cNvSpPr/>
+      </dsp:nvSpPr>
+      <dsp:spPr>
+        <a:xfrm>
+          <a:off x="1607177" y="766306"/>
+          <a:ext cx="7737589" cy="3998739"/>
+        </a:xfrm>
+        <a:prstGeom prst="rect">
+          <a:avLst/>
+        </a:prstGeom>
+        <a:solidFill>
+          <a:schemeClr val="accent1">
+            <a:tint val="50000"/>
+            <a:hueOff val="0"/>
+            <a:satOff val="0"/>
+            <a:lumOff val="0"/>
+            <a:alphaOff val="0"/>
+          </a:schemeClr>
+        </a:solidFill>
+        <a:ln w="12700" cap="flat" cmpd="sng" algn="ctr">
+          <a:solidFill>
+            <a:schemeClr val="lt1">
+              <a:hueOff val="0"/>
+              <a:satOff val="0"/>
+              <a:lumOff val="0"/>
+              <a:alphaOff val="0"/>
+            </a:schemeClr>
+          </a:solidFill>
+          <a:prstDash val="solid"/>
+          <a:miter lim="800000"/>
+        </a:ln>
+        <a:effectLst/>
+      </dsp:spPr>
+      <dsp:style>
+        <a:lnRef idx="2">
+          <a:scrgbClr r="0" g="0" b="0"/>
+        </a:lnRef>
+        <a:fillRef idx="1">
+          <a:scrgbClr r="0" g="0" b="0"/>
+        </a:fillRef>
+        <a:effectRef idx="0">
+          <a:scrgbClr r="0" g="0" b="0"/>
+        </a:effectRef>
+        <a:fontRef idx="minor"/>
+      </dsp:style>
+    </dsp:sp>
+    <dsp:sp modelId="{BE5085B8-B214-405B-B37B-F4FE979B472E}">
+      <dsp:nvSpPr>
+        <dsp:cNvPr id="0" name=""/>
+        <dsp:cNvSpPr/>
+      </dsp:nvSpPr>
+      <dsp:spPr>
+        <a:xfrm>
+          <a:off x="2083310" y="1306661"/>
+          <a:ext cx="3593087" cy="3420872"/>
+        </a:xfrm>
+        <a:prstGeom prst="rect">
+          <a:avLst/>
+        </a:prstGeom>
+        <a:noFill/>
+        <a:ln>
+          <a:noFill/>
+        </a:ln>
+        <a:effectLst/>
+      </dsp:spPr>
+      <dsp:style>
+        <a:lnRef idx="0">
+          <a:scrgbClr r="0" g="0" b="0"/>
+        </a:lnRef>
+        <a:fillRef idx="0">
+          <a:scrgbClr r="0" g="0" b="0"/>
+        </a:fillRef>
+        <a:effectRef idx="0">
+          <a:scrgbClr r="0" g="0" b="0"/>
+        </a:effectRef>
+        <a:fontRef idx="minor"/>
+      </dsp:style>
+      <dsp:txBody>
+        <a:bodyPr spcFirstLastPara="0" vert="horz" wrap="square" lIns="45720" tIns="45720" rIns="45720" bIns="45720" numCol="1" spcCol="1270" anchor="t" anchorCtr="0">
+          <a:noAutofit/>
+        </a:bodyPr>
+        <a:lstStyle/>
+        <a:p>
+          <a:pPr marL="0" lvl="0" indent="0" algn="l" defTabSz="1066800">
+            <a:lnSpc>
+              <a:spcPct val="90000"/>
+            </a:lnSpc>
+            <a:spcBef>
+              <a:spcPct val="0"/>
+            </a:spcBef>
+            <a:spcAft>
+              <a:spcPct val="35000"/>
+            </a:spcAft>
+            <a:buNone/>
+          </a:pPr>
+          <a:r>
+            <a:rPr lang="zh-TW" altLang="en-US" sz="2400" kern="1200" dirty="0">
+              <a:latin typeface="標楷體" panose="03000509000000000000" pitchFamily="65" charset="-120"/>
+              <a:ea typeface="標楷體" panose="03000509000000000000" pitchFamily="65" charset="-120"/>
+            </a:rPr>
+            <a:t>鴻海在美設廠，獲得</a:t>
+          </a:r>
+          <a:r>
+            <a:rPr lang="en-US" altLang="zh-TW" sz="2400" kern="1200" dirty="0">
+              <a:latin typeface="標楷體" panose="03000509000000000000" pitchFamily="65" charset="-120"/>
+              <a:ea typeface="標楷體" panose="03000509000000000000" pitchFamily="65" charset="-120"/>
+            </a:rPr>
+            <a:t>600~900</a:t>
+          </a:r>
+          <a:r>
+            <a:rPr lang="zh-TW" altLang="en-US" sz="2400" kern="1200" dirty="0">
+              <a:latin typeface="標楷體" panose="03000509000000000000" pitchFamily="65" charset="-120"/>
+              <a:ea typeface="標楷體" panose="03000509000000000000" pitchFamily="65" charset="-120"/>
+            </a:rPr>
+            <a:t>億的減稅方案</a:t>
+          </a:r>
+          <a:endParaRPr lang="en-US" altLang="zh-TW" sz="2400" kern="1200" dirty="0">
+            <a:latin typeface="標楷體" panose="03000509000000000000" pitchFamily="65" charset="-120"/>
+            <a:ea typeface="標楷體" panose="03000509000000000000" pitchFamily="65" charset="-120"/>
+          </a:endParaRPr>
+        </a:p>
+        <a:p>
+          <a:pPr marL="0" lvl="0" indent="0" algn="l" defTabSz="1066800">
+            <a:lnSpc>
+              <a:spcPct val="90000"/>
+            </a:lnSpc>
+            <a:spcBef>
+              <a:spcPct val="0"/>
+            </a:spcBef>
+            <a:spcAft>
+              <a:spcPct val="35000"/>
+            </a:spcAft>
+            <a:buNone/>
+          </a:pPr>
+          <a:endParaRPr lang="zh-TW" altLang="en-US" sz="2400" kern="1200" dirty="0">
+            <a:latin typeface="標楷體" panose="03000509000000000000" pitchFamily="65" charset="-120"/>
+            <a:ea typeface="標楷體" panose="03000509000000000000" pitchFamily="65" charset="-120"/>
+          </a:endParaRPr>
+        </a:p>
+      </dsp:txBody>
+      <dsp:txXfrm>
+        <a:off x="2083310" y="1306661"/>
+        <a:ext cx="3593087" cy="3420872"/>
+      </dsp:txXfrm>
+    </dsp:sp>
+    <dsp:sp modelId="{5BBD4BA5-AD03-4799-962E-1DE52A8A79DF}">
+      <dsp:nvSpPr>
+        <dsp:cNvPr id="0" name=""/>
+        <dsp:cNvSpPr/>
+      </dsp:nvSpPr>
+      <dsp:spPr>
+        <a:xfrm>
+          <a:off x="5756442" y="1306661"/>
+          <a:ext cx="3593087" cy="3420872"/>
+        </a:xfrm>
+        <a:prstGeom prst="rect">
+          <a:avLst/>
+        </a:prstGeom>
+        <a:noFill/>
+        <a:ln>
+          <a:noFill/>
+        </a:ln>
+        <a:effectLst/>
+      </dsp:spPr>
+      <dsp:style>
+        <a:lnRef idx="0">
+          <a:scrgbClr r="0" g="0" b="0"/>
+        </a:lnRef>
+        <a:fillRef idx="0">
+          <a:scrgbClr r="0" g="0" b="0"/>
+        </a:fillRef>
+        <a:effectRef idx="0">
+          <a:scrgbClr r="0" g="0" b="0"/>
+        </a:effectRef>
+        <a:fontRef idx="minor"/>
+      </dsp:style>
+      <dsp:txBody>
+        <a:bodyPr spcFirstLastPara="0" vert="horz" wrap="square" lIns="123825" tIns="123825" rIns="123825" bIns="123825" numCol="1" spcCol="1270" anchor="t" anchorCtr="0">
+          <a:noAutofit/>
+        </a:bodyPr>
+        <a:lstStyle/>
+        <a:p>
+          <a:pPr marL="0" lvl="0" indent="0" algn="l" defTabSz="2889250">
+            <a:lnSpc>
+              <a:spcPct val="90000"/>
+            </a:lnSpc>
+            <a:spcBef>
+              <a:spcPct val="0"/>
+            </a:spcBef>
+            <a:spcAft>
+              <a:spcPct val="35000"/>
+            </a:spcAft>
+            <a:buNone/>
+          </a:pPr>
+          <a:endParaRPr lang="zh-TW" altLang="en-US" sz="6500" kern="1200" dirty="0"/>
+        </a:p>
+      </dsp:txBody>
+      <dsp:txXfrm>
+        <a:off x="5756442" y="1306661"/>
+        <a:ext cx="3593087" cy="3420872"/>
+      </dsp:txXfrm>
+    </dsp:sp>
+    <dsp:sp modelId="{0BBC8CA5-BAFD-4DA0-B519-9369B36E9B02}">
+      <dsp:nvSpPr>
+        <dsp:cNvPr id="0" name=""/>
+        <dsp:cNvSpPr/>
+      </dsp:nvSpPr>
+      <dsp:spPr>
+        <a:xfrm>
+          <a:off x="760688" y="0"/>
+          <a:ext cx="1511942" cy="1511942"/>
+        </a:xfrm>
+        <a:prstGeom prst="plus">
+          <a:avLst>
+            <a:gd name="adj" fmla="val 32810"/>
+          </a:avLst>
+        </a:prstGeom>
+        <a:solidFill>
+          <a:srgbClr val="FF0000"/>
+        </a:solidFill>
+        <a:ln w="12700" cap="flat" cmpd="sng" algn="ctr">
+          <a:solidFill>
+            <a:schemeClr val="accent1">
+              <a:hueOff val="0"/>
+              <a:satOff val="0"/>
+              <a:lumOff val="0"/>
+              <a:alphaOff val="0"/>
+            </a:schemeClr>
+          </a:solidFill>
+          <a:prstDash val="solid"/>
+          <a:miter lim="800000"/>
+        </a:ln>
+        <a:effectLst/>
+      </dsp:spPr>
+      <dsp:style>
+        <a:lnRef idx="2">
+          <a:scrgbClr r="0" g="0" b="0"/>
+        </a:lnRef>
+        <a:fillRef idx="1">
+          <a:scrgbClr r="0" g="0" b="0"/>
+        </a:fillRef>
+        <a:effectRef idx="0">
+          <a:scrgbClr r="0" g="0" b="0"/>
+        </a:effectRef>
+        <a:fontRef idx="minor">
+          <a:schemeClr val="lt1"/>
+        </a:fontRef>
+      </dsp:style>
+    </dsp:sp>
+    <dsp:sp modelId="{074AE1D7-2952-44D8-BBDD-5AC4801FBD60}">
+      <dsp:nvSpPr>
+        <dsp:cNvPr id="0" name=""/>
+        <dsp:cNvSpPr/>
+      </dsp:nvSpPr>
+      <dsp:spPr>
+        <a:xfrm>
+          <a:off x="8532795" y="468198"/>
+          <a:ext cx="1423004" cy="487651"/>
+        </a:xfrm>
+        <a:prstGeom prst="rect">
+          <a:avLst/>
+        </a:prstGeom>
+        <a:solidFill>
+          <a:schemeClr val="accent6"/>
+        </a:solidFill>
+        <a:ln w="12700" cap="flat" cmpd="sng" algn="ctr">
+          <a:solidFill>
+            <a:schemeClr val="accent1">
+              <a:hueOff val="0"/>
+              <a:satOff val="0"/>
+              <a:lumOff val="0"/>
+              <a:alphaOff val="0"/>
+            </a:schemeClr>
+          </a:solidFill>
+          <a:prstDash val="solid"/>
+          <a:miter lim="800000"/>
+        </a:ln>
+        <a:effectLst/>
+      </dsp:spPr>
+      <dsp:style>
+        <a:lnRef idx="2">
+          <a:scrgbClr r="0" g="0" b="0"/>
+        </a:lnRef>
+        <a:fillRef idx="1">
+          <a:scrgbClr r="0" g="0" b="0"/>
+        </a:fillRef>
+        <a:effectRef idx="0">
+          <a:scrgbClr r="0" g="0" b="0"/>
+        </a:effectRef>
+        <a:fontRef idx="minor">
+          <a:schemeClr val="lt1"/>
+        </a:fontRef>
+      </dsp:style>
+    </dsp:sp>
+    <dsp:sp modelId="{62866E7F-EE11-41EB-8DB9-3D12007C2278}">
+      <dsp:nvSpPr>
+        <dsp:cNvPr id="0" name=""/>
+        <dsp:cNvSpPr/>
+      </dsp:nvSpPr>
+      <dsp:spPr>
+        <a:xfrm>
+          <a:off x="5720867" y="1313975"/>
+          <a:ext cx="889" cy="3267262"/>
+        </a:xfrm>
+        <a:prstGeom prst="line">
+          <a:avLst/>
+        </a:prstGeom>
+        <a:noFill/>
+        <a:ln w="12700" cap="flat" cmpd="sng" algn="ctr">
+          <a:solidFill>
+            <a:schemeClr val="accent1">
+              <a:shade val="60000"/>
+              <a:hueOff val="0"/>
+              <a:satOff val="0"/>
+              <a:lumOff val="0"/>
+              <a:alphaOff val="0"/>
+            </a:schemeClr>
+          </a:solidFill>
+          <a:prstDash val="solid"/>
+          <a:miter lim="800000"/>
+        </a:ln>
+        <a:effectLst/>
+      </dsp:spPr>
+      <dsp:style>
+        <a:lnRef idx="2">
+          <a:scrgbClr r="0" g="0" b="0"/>
+        </a:lnRef>
+        <a:fillRef idx="0">
+          <a:scrgbClr r="0" g="0" b="0"/>
+        </a:fillRef>
+        <a:effectRef idx="0">
+          <a:scrgbClr r="0" g="0" b="0"/>
+        </a:effectRef>
+        <a:fontRef idx="minor"/>
+      </dsp:style>
+    </dsp:sp>
+  </dsp:spTree>
+</dsp:drawing>
+</file>
+
+<file path=ppt/diagrams/layout1.xml><?xml version="1.0" encoding="utf-8"?>
+<dgm:layoutDef xmlns:dgm="http://schemas.openxmlformats.org/drawingml/2006/diagram" xmlns:a="http://schemas.openxmlformats.org/drawingml/2006/main" uniqueId="urn:microsoft.com/office/officeart/2009/3/layout/PlusandMinus">
+  <dgm:title val=""/>
+  <dgm:desc val=""/>
+  <dgm:catLst>
+    <dgm:cat type="relationship" pri="3600"/>
+  </dgm:catLst>
+  <dgm:sampData>
+    <dgm:dataModel>
+      <dgm:ptLst>
+        <dgm:pt modelId="0" type="doc"/>
+        <dgm:pt modelId="10">
+          <dgm:prSet phldr="1"/>
+        </dgm:pt>
+        <dgm:pt modelId="20">
+          <dgm:prSet phldr="1"/>
+        </dgm:pt>
+      </dgm:ptLst>
+      <dgm:cxnLst>
+        <dgm:cxn modelId="30" srcId="0" destId="10" srcOrd="0" destOrd="0"/>
+        <dgm:cxn modelId="40" srcId="0" destId="20" srcOrd="1" destOrd="0"/>
+      </dgm:cxnLst>
+      <dgm:bg/>
+      <dgm:whole/>
+    </dgm:dataModel>
+  </dgm:sampData>
+  <dgm:styleData>
+    <dgm:dataModel>
+      <dgm:ptLst>
+        <dgm:pt modelId="0" type="doc"/>
+        <dgm:pt modelId="10">
+          <dgm:prSet phldr="1"/>
+        </dgm:pt>
+        <dgm:pt modelId="20">
+          <dgm:prSet phldr="1"/>
+        </dgm:pt>
+      </dgm:ptLst>
+      <dgm:cxnLst>
+        <dgm:cxn modelId="30" srcId="0" destId="10" srcOrd="0" destOrd="0"/>
+        <dgm:cxn modelId="40" srcId="0" destId="20" srcOrd="1" destOrd="0"/>
+      </dgm:cxnLst>
+      <dgm:bg/>
+      <dgm:whole/>
+    </dgm:dataModel>
+  </dgm:styleData>
+  <dgm:clrData>
+    <dgm:dataModel>
+      <dgm:ptLst>
+        <dgm:pt modelId="0" type="doc"/>
+        <dgm:pt modelId="10">
+          <dgm:prSet phldr="1"/>
+        </dgm:pt>
+        <dgm:pt modelId="20">
+          <dgm:prSet phldr="1"/>
+        </dgm:pt>
+      </dgm:ptLst>
+      <dgm:cxnLst>
+        <dgm:cxn modelId="30" srcId="0" destId="10" srcOrd="0" destOrd="0"/>
+        <dgm:cxn modelId="40" srcId="0" destId="20" srcOrd="1" destOrd="0"/>
+      </dgm:cxnLst>
+      <dgm:bg/>
+      <dgm:whole/>
+    </dgm:dataModel>
+  </dgm:clrData>
+  <dgm:layoutNode name="Name0">
+    <dgm:varLst>
+      <dgm:chMax val="2"/>
+      <dgm:chPref val="2"/>
+      <dgm:dir/>
+      <dgm:animOne/>
+      <dgm:resizeHandles val="exact"/>
+    </dgm:varLst>
+    <dgm:alg type="composite">
+      <dgm:param type="ar" val="1.8238"/>
+    </dgm:alg>
+    <dgm:shape xmlns:r="http://schemas.openxmlformats.org/officeDocument/2006/relationships" r:blip="">
+      <dgm:adjLst/>
+    </dgm:shape>
+    <dgm:choose name="Name1">
+      <dgm:if name="Name2" func="var" arg="dir" op="equ" val="norm">
+        <dgm:constrLst>
+          <dgm:constr type="primFontSz" for="des" ptType="node" op="equ" val="65"/>
+          <dgm:constr type="l" for="ch" forName="Background" refType="w" fact="0.09"/>
+          <dgm:constr type="t" for="ch" forName="Background" refType="h" fact="0.1641"/>
+          <dgm:constr type="w" for="ch" forName="Background" refType="w" fact="0.87"/>
+          <dgm:constr type="h" for="ch" forName="Background" refType="h" fact="0.82"/>
+          <dgm:constr type="l" for="ch" forName="ParentText1" refType="w" fact="0.116"/>
+          <dgm:constr type="t" for="ch" forName="ParentText1" refType="h" fact="0.26"/>
+          <dgm:constr type="w" for="ch" forName="ParentText1" refType="w" fact="0.404"/>
+          <dgm:constr type="h" for="ch" forName="ParentText1" refType="h" fact="0.7015"/>
+          <dgm:constr type="l" for="ch" forName="ParentText2" refType="w" fact="0.529"/>
+          <dgm:constr type="t" for="ch" forName="ParentText2" refType="h" fact="0.26"/>
+          <dgm:constr type="w" for="ch" forName="ParentText2" refType="w" fact="0.404"/>
+          <dgm:constr type="h" for="ch" forName="ParentText2" refType="h" fact="0.7015"/>
+          <dgm:constr type="l" for="ch" forName="Plus" refType="w" fact="0"/>
+          <dgm:constr type="t" for="ch" forName="Plus" refType="h" fact="0"/>
+          <dgm:constr type="w" for="ch" forName="Plus" refType="w" fact="0.17"/>
+          <dgm:constr type="h" for="ch" forName="Plus" refType="w" refFor="ch" refForName="Plus"/>
+          <dgm:constr type="l" for="ch" forName="Minus" refType="w" fact="0.84"/>
+          <dgm:constr type="t" for="ch" forName="Minus" refType="h" fact="0.1115"/>
+          <dgm:constr type="w" for="ch" forName="Minus" refType="w" fact="0.16"/>
+          <dgm:constr type="h" for="ch" forName="Minus" refType="h" fact="0.1"/>
+          <dgm:constr type="l" for="ch" forName="Divider" refType="w" fact="0.525"/>
+          <dgm:constr type="t" for="ch" forName="Divider" refType="h" fact="0.2615"/>
+          <dgm:constr type="w" for="ch" forName="Divider" refType="w" fact="0.0001"/>
+          <dgm:constr type="h" for="ch" forName="Divider" refType="h" fact="0.67"/>
+        </dgm:constrLst>
+      </dgm:if>
+      <dgm:else name="Name3">
+        <dgm:constrLst>
+          <dgm:constr type="primFontSz" for="des" ptType="node" op="equ" val="65"/>
+          <dgm:constr type="r" for="ch" forName="Background" refType="w" fact="-0.09"/>
+          <dgm:constr type="t" for="ch" forName="Background" refType="h" fact="0.1641"/>
+          <dgm:constr type="w" for="ch" forName="Background" refType="w" fact="0.87"/>
+          <dgm:constr type="h" for="ch" forName="Background" refType="h" fact="0.82"/>
+          <dgm:constr type="r" for="ch" forName="ParentText1" refType="w" fact="-0.116"/>
+          <dgm:constr type="t" for="ch" forName="ParentText1" refType="h" fact="0.26"/>
+          <dgm:constr type="w" for="ch" forName="ParentText1" refType="w" fact="0.404"/>
+          <dgm:constr type="h" for="ch" forName="ParentText1" refType="h" fact="0.7015"/>
+          <dgm:constr type="r" for="ch" forName="ParentText2" refType="w" fact="-0.529"/>
+          <dgm:constr type="t" for="ch" forName="ParentText2" refType="h" fact="0.26"/>
+          <dgm:constr type="w" for="ch" forName="ParentText2" refType="w" fact="0.404"/>
+          <dgm:constr type="h" for="ch" forName="ParentText2" refType="h" fact="0.7015"/>
+          <dgm:constr type="r" for="ch" forName="Plus" refType="w" fact="0"/>
+          <dgm:constr type="t" for="ch" forName="Plus" refType="h" fact="0"/>
+          <dgm:constr type="w" for="ch" forName="Plus" refType="w" fact="0.17"/>
+          <dgm:constr type="h" for="ch" forName="Plus" refType="w" refFor="ch" refForName="Plus"/>
+          <dgm:constr type="r" for="ch" forName="Minus" refType="w" fact="-0.84"/>
+          <dgm:constr type="t" for="ch" forName="Minus" refType="h" fact="0.1115"/>
+          <dgm:constr type="w" for="ch" forName="Minus" refType="w" fact="0.16"/>
+          <dgm:constr type="h" for="ch" forName="Minus" refType="h" fact="0.1"/>
+          <dgm:constr type="r" for="ch" forName="Divider" refType="w" fact="-0.525"/>
+          <dgm:constr type="t" for="ch" forName="Divider" refType="h" fact="0.2615"/>
+          <dgm:constr type="w" for="ch" forName="Divider" refType="w" fact="0.0001"/>
+          <dgm:constr type="h" for="ch" forName="Divider" refType="h" fact="0.67"/>
+        </dgm:constrLst>
+      </dgm:else>
+    </dgm:choose>
+    <dgm:layoutNode name="Background" styleLbl="bgImgPlace1">
+      <dgm:alg type="sp"/>
+      <dgm:shape xmlns:r="http://schemas.openxmlformats.org/officeDocument/2006/relationships" type="rect" r:blip="">
+        <dgm:adjLst/>
+      </dgm:shape>
+      <dgm:presOf/>
+    </dgm:layoutNode>
+    <dgm:layoutNode name="ParentText1" styleLbl="revTx">
+      <dgm:varLst>
+        <dgm:chMax val="0"/>
+        <dgm:chPref val="0"/>
+        <dgm:bulletEnabled val="1"/>
+      </dgm:varLst>
+      <dgm:alg type="tx">
+        <dgm:param type="parTxLTRAlign" val="l"/>
+        <dgm:param type="txAnchorVert" val="t"/>
+      </dgm:alg>
+      <dgm:shape xmlns:r="http://schemas.openxmlformats.org/officeDocument/2006/relationships" type="rect" r:blip="">
+        <dgm:adjLst/>
+      </dgm:shape>
+      <dgm:presOf axis="ch desOrSelf" ptType="node node" st="1 1" cnt="1 0"/>
+      <dgm:constrLst>
+        <dgm:constr type="lMarg" refType="primFontSz" fact="0.15"/>
+        <dgm:constr type="rMarg" refType="primFontSz" fact="0.15"/>
+        <dgm:constr type="tMarg" refType="primFontSz" fact="0.15"/>
+        <dgm:constr type="bMarg" refType="primFontSz" fact="0.15"/>
+      </dgm:constrLst>
+      <dgm:ruleLst>
+        <dgm:rule type="primFontSz" val="5" fact="NaN" max="NaN"/>
+      </dgm:ruleLst>
+    </dgm:layoutNode>
+    <dgm:layoutNode name="ParentText2" styleLbl="revTx">
+      <dgm:varLst>
+        <dgm:chMax val="0"/>
+        <dgm:chPref val="0"/>
+        <dgm:bulletEnabled val="1"/>
+      </dgm:varLst>
+      <dgm:alg type="tx">
+        <dgm:param type="parTxLTRAlign" val="l"/>
+        <dgm:param type="txAnchorVert" val="t"/>
+      </dgm:alg>
+      <dgm:shape xmlns:r="http://schemas.openxmlformats.org/officeDocument/2006/relationships" type="rect" r:blip="">
+        <dgm:adjLst/>
+      </dgm:shape>
+      <dgm:presOf axis="ch desOrSelf" ptType="node node" st="2 1" cnt="1 0"/>
+      <dgm:constrLst>
+        <dgm:constr type="lMarg" refType="primFontSz" fact="0.15"/>
+        <dgm:constr type="rMarg" refType="primFontSz" fact="0.15"/>
+        <dgm:constr type="tMarg" refType="primFontSz" fact="0.15"/>
+        <dgm:constr type="bMarg" refType="primFontSz" fact="0.15"/>
+      </dgm:constrLst>
+      <dgm:ruleLst>
+        <dgm:rule type="primFontSz" val="5" fact="NaN" max="NaN"/>
+      </dgm:ruleLst>
+    </dgm:layoutNode>
+    <dgm:layoutNode name="Plus" styleLbl="alignNode1">
+      <dgm:alg type="sp"/>
+      <dgm:shape xmlns:r="http://schemas.openxmlformats.org/officeDocument/2006/relationships" type="plus" r:blip="">
+        <dgm:adjLst>
+          <dgm:adj idx="1" val="0.3281"/>
+        </dgm:adjLst>
+      </dgm:shape>
+      <dgm:presOf/>
+    </dgm:layoutNode>
+    <dgm:layoutNode name="Minus" styleLbl="alignNode1">
+      <dgm:alg type="sp"/>
+      <dgm:shape xmlns:r="http://schemas.openxmlformats.org/officeDocument/2006/relationships" type="rect" r:blip="">
+        <dgm:adjLst/>
+      </dgm:shape>
+      <dgm:presOf/>
+    </dgm:layoutNode>
+    <dgm:layoutNode name="Divider" styleLbl="parChTrans1D1">
+      <dgm:alg type="sp"/>
+      <dgm:shape xmlns:r="http://schemas.openxmlformats.org/officeDocument/2006/relationships" type="line" r:blip="">
+        <dgm:adjLst/>
+      </dgm:shape>
+      <dgm:presOf/>
+    </dgm:layoutNode>
+  </dgm:layoutNode>
+</dgm:layoutDef>
+</file>
+
+<file path=ppt/diagrams/quickStyle1.xml><?xml version="1.0" encoding="utf-8"?>
+<dgm:styleDef xmlns:dgm="http://schemas.openxmlformats.org/drawingml/2006/diagram" xmlns:a="http://schemas.openxmlformats.org/drawingml/2006/main" uniqueId="urn:microsoft.com/office/officeart/2005/8/quickstyle/simple1">
+  <dgm:title val=""/>
+  <dgm:desc val=""/>
+  <dgm:catLst>
+    <dgm:cat type="simple" pri="10100"/>
+  </dgm:catLst>
+  <dgm:scene3d>
+    <a:camera prst="orthographicFront"/>
+    <a:lightRig rig="threePt" dir="t"/>
+  </dgm:scene3d>
+  <dgm:styleLbl name="node0">
+    <dgm:scene3d>
+      <a:camera prst="orthographicFront"/>
+      <a:lightRig rig="threePt" dir="t"/>
+    </dgm:scene3d>
+    <dgm:sp3d/>
+    <dgm:txPr/>
+    <dgm:style>
+      <a:lnRef idx="2">
+        <a:scrgbClr r="0" g="0" b="0"/>
+      </a:lnRef>
+      <a:fillRef idx="1">
+        <a:scrgbClr r="0" g="0" b="0"/>
+      </a:fillRef>
+      <a:effectRef idx="0">
+        <a:scrgbClr r="0" g="0" b="0"/>
+      </a:effectRef>
+      <a:fontRef idx="minor">
+        <a:schemeClr val="lt1"/>
+      </a:fontRef>
+    </dgm:style>
+  </dgm:styleLbl>
+  <dgm:styleLbl name="lnNode1">
+    <dgm:scene3d>
+      <a:camera prst="orthographicFront"/>
+      <a:lightRig rig="threePt" dir="t"/>
+    </dgm:scene3d>
+    <dgm:sp3d/>
+    <dgm:txPr/>
+    <dgm:style>
+      <a:lnRef idx="2">
+        <a:scrgbClr r="0" g="0" b="0"/>
+      </a:lnRef>
+      <a:fillRef idx="1">
+        <a:scrgbClr r="0" g="0" b="0"/>
+      </a:fillRef>
+      <a:effectRef idx="0">
+        <a:scrgbClr r="0" g="0" b="0"/>
+      </a:effectRef>
+      <a:fontRef idx="minor">
+        <a:schemeClr val="lt1"/>
+      </a:fontRef>
+    </dgm:style>
+  </dgm:styleLbl>
+  <dgm:styleLbl name="vennNode1">
+    <dgm:scene3d>
+      <a:camera prst="orthographicFront"/>
+      <a:lightRig rig="threePt" dir="t"/>
+    </dgm:scene3d>
+    <dgm:sp3d/>
+    <dgm:txPr/>
+    <dgm:style>
+      <a:lnRef idx="2">
+        <a:scrgbClr r="0" g="0" b="0"/>
+      </a:lnRef>
+      <a:fillRef idx="1">
+        <a:scrgbClr r="0" g="0" b="0"/>
+      </a:fillRef>
+      <a:effectRef idx="0">
+        <a:scrgbClr r="0" g="0" b="0"/>
+      </a:effectRef>
+      <a:fontRef idx="minor">
+        <a:schemeClr val="tx1"/>
+      </a:fontRef>
+    </dgm:style>
+  </dgm:styleLbl>
+  <dgm:styleLbl name="alignNode1">
+    <dgm:scene3d>
+      <a:camera prst="orthographicFront"/>
+      <a:lightRig rig="threePt" dir="t"/>
+    </dgm:scene3d>
+    <dgm:sp3d/>
+    <dgm:txPr/>
+    <dgm:style>
+      <a:lnRef idx="2">
+        <a:scrgbClr r="0" g="0" b="0"/>
+      </a:lnRef>
+      <a:fillRef idx="1">
+        <a:scrgbClr r="0" g="0" b="0"/>
+      </a:fillRef>
+      <a:effectRef idx="0">
+        <a:scrgbClr r="0" g="0" b="0"/>
+      </a:effectRef>
+      <a:fontRef idx="minor">
+        <a:schemeClr val="lt1"/>
+      </a:fontRef>
+    </dgm:style>
+  </dgm:styleLbl>
+  <dgm:styleLbl name="node1">
+    <dgm:scene3d>
+      <a:camera prst="orthographicFront"/>
+      <a:lightRig rig="threePt" dir="t"/>
+    </dgm:scene3d>
+    <dgm:sp3d/>
+    <dgm:txPr/>
+    <dgm:style>
+      <a:lnRef idx="2">
+        <a:scrgbClr r="0" g="0" b="0"/>
+      </a:lnRef>
+      <a:fillRef idx="1">
+        <a:scrgbClr r="0" g="0" b="0"/>
+      </a:fillRef>
+      <a:effectRef idx="0">
+        <a:scrgbClr r="0" g="0" b="0"/>
+      </a:effectRef>
+      <a:fontRef idx="minor">
+        <a:schemeClr val="lt1"/>
+      </a:fontRef>
+    </dgm:style>
+  </dgm:styleLbl>
+  <dgm:styleLbl name="node2">
+    <dgm:scene3d>
+      <a:camera prst="orthographicFront"/>
+      <a:lightRig rig="threePt" dir="t"/>
+    </dgm:scene3d>
+    <dgm:sp3d/>
+    <dgm:txPr/>
+    <dgm:style>
+      <a:lnRef idx="2">
+        <a:scrgbClr r="0" g="0" b="0"/>
+      </a:lnRef>
+      <a:fillRef idx="1">
+        <a:scrgbClr r="0" g="0" b="0"/>
+      </a:fillRef>
+      <a:effectRef idx="0">
+        <a:scrgbClr r="0" g="0" b="0"/>
+      </a:effectRef>
+      <a:fontRef idx="minor">
+        <a:schemeClr val="lt1"/>
+      </a:fontRef>
+    </dgm:style>
+  </dgm:styleLbl>
+  <dgm:styleLbl name="node3">
+    <dgm:scene3d>
+      <a:camera prst="orthographicFront"/>
+      <a:lightRig rig="threePt" dir="t"/>
+    </dgm:scene3d>
+    <dgm:sp3d/>
+    <dgm:txPr/>
+    <dgm:style>
+      <a:lnRef idx="2">
+        <a:scrgbClr r="0" g="0" b="0"/>
+      </a:lnRef>
+      <a:fillRef idx="1">
+        <a:scrgbClr r="0" g="0" b="0"/>
+      </a:fillRef>
+      <a:effectRef idx="0">
+        <a:scrgbClr r="0" g="0" b="0"/>
+      </a:effectRef>
+      <a:fontRef idx="minor">
+        <a:schemeClr val="lt1"/>
+      </a:fontRef>
+    </dgm:style>
+  </dgm:styleLbl>
+  <dgm:styleLbl name="node4">
+    <dgm:scene3d>
+      <a:camera prst="orthographicFront"/>
+      <a:lightRig rig="threePt" dir="t"/>
+    </dgm:scene3d>
+    <dgm:sp3d/>
+    <dgm:txPr/>
+    <dgm:style>
+      <a:lnRef idx="2">
+        <a:scrgbClr r="0" g="0" b="0"/>
+      </a:lnRef>
+      <a:fillRef idx="1">
+        <a:scrgbClr r="0" g="0" b="0"/>
+      </a:fillRef>
+      <a:effectRef idx="0">
+        <a:scrgbClr r="0" g="0" b="0"/>
+      </a:effectRef>
+      <a:fontRef idx="minor">
+        <a:schemeClr val="lt1"/>
+      </a:fontRef>
+    </dgm:style>
+  </dgm:styleLbl>
+  <dgm:styleLbl name="fgImgPlace1">
+    <dgm:scene3d>
+      <a:camera prst="orthographicFront"/>
+      <a:lightRig rig="threePt" dir="t"/>
+    </dgm:scene3d>
+    <dgm:sp3d/>
+    <dgm:txPr/>
+    <dgm:style>
+      <a:lnRef idx="2">
+        <a:scrgbClr r="0" g="0" b="0"/>
+      </a:lnRef>
+      <a:fillRef idx="1">
+        <a:scrgbClr r="0" g="0" b="0"/>
+      </a:fillRef>
+      <a:effectRef idx="0">
+        <a:scrgbClr r="0" g="0" b="0"/>
+      </a:effectRef>
+      <a:fontRef idx="minor"/>
+    </dgm:style>
+  </dgm:styleLbl>
+  <dgm:styleLbl name="alignImgPlace1">
+    <dgm:scene3d>
+      <a:camera prst="orthographicFront"/>
+      <a:lightRig rig="threePt" dir="t"/>
+    </dgm:scene3d>
+    <dgm:sp3d/>
+    <dgm:txPr/>
+    <dgm:style>
+      <a:lnRef idx="2">
+        <a:scrgbClr r="0" g="0" b="0"/>
+      </a:lnRef>
+      <a:fillRef idx="1">
+        <a:scrgbClr r="0" g="0" b="0"/>
+      </a:fillRef>
+      <a:effectRef idx="0">
+        <a:scrgbClr r="0" g="0" b="0"/>
+      </a:effectRef>
+      <a:fontRef idx="minor"/>
+    </dgm:style>
+  </dgm:styleLbl>
+  <dgm:styleLbl name="bgImgPlace1">
+    <dgm:scene3d>
+      <a:camera prst="orthographicFront"/>
+      <a:lightRig rig="threePt" dir="t"/>
+    </dgm:scene3d>
+    <dgm:sp3d/>
+    <dgm:txPr/>
+    <dgm:style>
+      <a:lnRef idx="2">
+        <a:scrgbClr r="0" g="0" b="0"/>
+      </a:lnRef>
+      <a:fillRef idx="1">
+        <a:scrgbClr r="0" g="0" b="0"/>
+      </a:fillRef>
+      <a:effectRef idx="0">
+        <a:scrgbClr r="0" g="0" b="0"/>
+      </a:effectRef>
+      <a:fontRef idx="minor"/>
+    </dgm:style>
+  </dgm:styleLbl>
+  <dgm:styleLbl name="sibTrans2D1">
+    <dgm:scene3d>
+      <a:camera prst="orthographicFront"/>
+      <a:lightRig rig="threePt" dir="t"/>
+    </dgm:scene3d>
+    <dgm:sp3d/>
+    <dgm:txPr/>
+    <dgm:style>
+      <a:lnRef idx="0">
+        <a:scrgbClr r="0" g="0" b="0"/>
+      </a:lnRef>
+      <a:fillRef idx="1">
+        <a:scrgbClr r="0" g="0" b="0"/>
+      </a:fillRef>
+      <a:effectRef idx="0">
+        <a:scrgbClr r="0" g="0" b="0"/>
+      </a:effectRef>
+      <a:fontRef idx="minor">
+        <a:schemeClr val="lt1"/>
+      </a:fontRef>
+    </dgm:style>
+  </dgm:styleLbl>
+  <dgm:styleLbl name="fgSibTrans2D1">
+    <dgm:scene3d>
+      <a:camera prst="orthographicFront"/>
+      <a:lightRig rig="threePt" dir="t"/>
+    </dgm:scene3d>
+    <dgm:sp3d/>
+    <dgm:txPr/>
+    <dgm:style>
+      <a:lnRef idx="0">
+        <a:scrgbClr r="0" g="0" b="0"/>
+      </a:lnRef>
+      <a:fillRef idx="1">
+        <a:scrgbClr r="0" g="0" b="0"/>
+      </a:fillRef>
+      <a:effectRef idx="0">
+        <a:scrgbClr r="0" g="0" b="0"/>
+      </a:effectRef>
+      <a:fontRef idx="minor">
+        <a:schemeClr val="lt1"/>
+      </a:fontRef>
+    </dgm:style>
+  </dgm:styleLbl>
+  <dgm:styleLbl name="bgSibTrans2D1">
+    <dgm:scene3d>
+      <a:camera prst="orthographicFront"/>
+      <a:lightRig rig="threePt" dir="t"/>
+    </dgm:scene3d>
+    <dgm:sp3d/>
+    <dgm:txPr/>
+    <dgm:style>
+      <a:lnRef idx="0">
+        <a:scrgbClr r="0" g="0" b="0"/>
+      </a:lnRef>
+      <a:fillRef idx="1">
+        <a:scrgbClr r="0" g="0" b="0"/>
+      </a:fillRef>
+      <a:effectRef idx="0">
+        <a:scrgbClr r="0" g="0" b="0"/>
+      </a:effectRef>
+      <a:fontRef idx="minor">
+        <a:schemeClr val="lt1"/>
+      </a:fontRef>
+    </dgm:style>
+  </dgm:styleLbl>
+  <dgm:styleLbl name="sibTrans1D1">
+    <dgm:scene3d>
+      <a:camera prst="orthographicFront"/>
+      <a:lightRig rig="threePt" dir="t"/>
+    </dgm:scene3d>
+    <dgm:sp3d/>
+    <dgm:txPr/>
+    <dgm:style>
+      <a:lnRef idx="1">
+        <a:scrgbClr r="0" g="0" b="0"/>
+      </a:lnRef>
+      <a:fillRef idx="0">
+        <a:scrgbClr r="0" g="0" b="0"/>
+      </a:fillRef>
+      <a:effectRef idx="0">
+        <a:scrgbClr r="0" g="0" b="0"/>
+      </a:effectRef>
+      <a:fontRef idx="minor"/>
+    </dgm:style>
+  </dgm:styleLbl>
+  <dgm:styleLbl name="callout">
+    <dgm:scene3d>
+      <a:camera prst="orthographicFront"/>
+      <a:lightRig rig="threePt" dir="t"/>
+    </dgm:scene3d>
+    <dgm:sp3d/>
+    <dgm:txPr/>
+    <dgm:style>
+      <a:lnRef idx="2">
+        <a:scrgbClr r="0" g="0" b="0"/>
+      </a:lnRef>
+      <a:fillRef idx="1">
+        <a:scrgbClr r="0" g="0" b="0"/>
+      </a:fillRef>
+      <a:effectRef idx="0">
+        <a:scrgbClr r="0" g="0" b="0"/>
+      </a:effectRef>
+      <a:fontRef idx="minor"/>
+    </dgm:style>
+  </dgm:styleLbl>
+  <dgm:styleLbl name="asst0">
+    <dgm:scene3d>
+      <a:camera prst="orthographicFront"/>
+      <a:lightRig rig="threePt" dir="t"/>
+    </dgm:scene3d>
+    <dgm:sp3d/>
+    <dgm:txPr/>
+    <dgm:style>
+      <a:lnRef idx="2">
+        <a:scrgbClr r="0" g="0" b="0"/>
+      </a:lnRef>
+      <a:fillRef idx="1">
+        <a:scrgbClr r="0" g="0" b="0"/>
+      </a:fillRef>
+      <a:effectRef idx="0">
+        <a:scrgbClr r="0" g="0" b="0"/>
+      </a:effectRef>
+      <a:fontRef idx="minor">
+        <a:schemeClr val="lt1"/>
+      </a:fontRef>
+    </dgm:style>
+  </dgm:styleLbl>
+  <dgm:styleLbl name="asst1">
+    <dgm:scene3d>
+      <a:camera prst="orthographicFront"/>
+      <a:lightRig rig="threePt" dir="t"/>
+    </dgm:scene3d>
+    <dgm:sp3d/>
+    <dgm:txPr/>
+    <dgm:style>
+      <a:lnRef idx="2">
+        <a:scrgbClr r="0" g="0" b="0"/>
+      </a:lnRef>
+      <a:fillRef idx="1">
+        <a:scrgbClr r="0" g="0" b="0"/>
+      </a:fillRef>
+      <a:effectRef idx="0">
+        <a:scrgbClr r="0" g="0" b="0"/>
+      </a:effectRef>
+      <a:fontRef idx="minor">
+        <a:schemeClr val="lt1"/>
+      </a:fontRef>
+    </dgm:style>
+  </dgm:styleLbl>
+  <dgm:styleLbl name="asst2">
+    <dgm:scene3d>
+      <a:camera prst="orthographicFront"/>
+      <a:lightRig rig="threePt" dir="t"/>
+    </dgm:scene3d>
+    <dgm:sp3d/>
+    <dgm:txPr/>
+    <dgm:style>
+      <a:lnRef idx="2">
+        <a:scrgbClr r="0" g="0" b="0"/>
+      </a:lnRef>
+      <a:fillRef idx="1">
+        <a:scrgbClr r="0" g="0" b="0"/>
+      </a:fillRef>
+      <a:effectRef idx="0">
+        <a:scrgbClr r="0" g="0" b="0"/>
+      </a:effectRef>
+      <a:fontRef idx="minor">
+        <a:schemeClr val="lt1"/>
+      </a:fontRef>
+    </dgm:style>
+  </dgm:styleLbl>
+  <dgm:styleLbl name="asst3">
+    <dgm:scene3d>
+      <a:camera prst="orthographicFront"/>
+      <a:lightRig rig="threePt" dir="t"/>
+    </dgm:scene3d>
+    <dgm:sp3d/>
+    <dgm:txPr/>
+    <dgm:style>
+      <a:lnRef idx="2">
+        <a:scrgbClr r="0" g="0" b="0"/>
+      </a:lnRef>
+      <a:fillRef idx="1">
+        <a:scrgbClr r="0" g="0" b="0"/>
+      </a:fillRef>
+      <a:effectRef idx="0">
+        <a:scrgbClr r="0" g="0" b="0"/>
+      </a:effectRef>
+      <a:fontRef idx="minor">
+        <a:schemeClr val="lt1"/>
+      </a:fontRef>
+    </dgm:style>
+  </dgm:styleLbl>
+  <dgm:styleLbl name="asst4">
+    <dgm:scene3d>
+      <a:camera prst="orthographicFront"/>
+      <a:lightRig rig="threePt" dir="t"/>
+    </dgm:scene3d>
+    <dgm:sp3d/>
+    <dgm:txPr/>
+    <dgm:style>
+      <a:lnRef idx="2">
+        <a:scrgbClr r="0" g="0" b="0"/>
+      </a:lnRef>
+      <a:fillRef idx="1">
+        <a:scrgbClr r="0" g="0" b="0"/>
+      </a:fillRef>
+      <a:effectRef idx="0">
+        <a:scrgbClr r="0" g="0" b="0"/>
+      </a:effectRef>
+      <a:fontRef idx="minor">
+        <a:schemeClr val="lt1"/>
+      </a:fontRef>
+    </dgm:style>
+  </dgm:styleLbl>
+  <dgm:styleLbl name="parChTrans2D1">
+    <dgm:scene3d>
+      <a:camera prst="orthographicFront"/>
+      <a:lightRig rig="threePt" dir="t"/>
+    </dgm:scene3d>
+    <dgm:sp3d/>
+    <dgm:txPr/>
+    <dgm:style>
+      <a:lnRef idx="2">
+        <a:scrgbClr r="0" g="0" b="0"/>
+      </a:lnRef>
+      <a:fillRef idx="1">
+        <a:scrgbClr r="0" g="0" b="0"/>
+      </a:fillRef>
+      <a:effectRef idx="0">
+        <a:scrgbClr r="0" g="0" b="0"/>
+      </a:effectRef>
+      <a:fontRef idx="minor">
+        <a:schemeClr val="lt1"/>
+      </a:fontRef>
+    </dgm:style>
+  </dgm:styleLbl>
+  <dgm:styleLbl name="parChTrans2D2">
+    <dgm:scene3d>
+      <a:camera prst="orthographicFront"/>
+      <a:lightRig rig="threePt" dir="t"/>
+    </dgm:scene3d>
+    <dgm:sp3d/>
+    <dgm:txPr/>
+    <dgm:style>
+      <a:lnRef idx="2">
+        <a:scrgbClr r="0" g="0" b="0"/>
+      </a:lnRef>
+      <a:fillRef idx="1">
+        <a:scrgbClr r="0" g="0" b="0"/>
+      </a:fillRef>
+      <a:effectRef idx="0">
+        <a:scrgbClr r="0" g="0" b="0"/>
+      </a:effectRef>
+      <a:fontRef idx="minor">
+        <a:schemeClr val="lt1"/>
+      </a:fontRef>
+    </dgm:style>
+  </dgm:styleLbl>
+  <dgm:styleLbl name="parChTrans2D3">
+    <dgm:scene3d>
+      <a:camera prst="orthographicFront"/>
+      <a:lightRig rig="threePt" dir="t"/>
+    </dgm:scene3d>
+    <dgm:sp3d/>
+    <dgm:txPr/>
+    <dgm:style>
+      <a:lnRef idx="2">
+        <a:scrgbClr r="0" g="0" b="0"/>
+      </a:lnRef>
+      <a:fillRef idx="1">
+        <a:scrgbClr r="0" g="0" b="0"/>
+      </a:fillRef>
+      <a:effectRef idx="0">
+        <a:scrgbClr r="0" g="0" b="0"/>
+      </a:effectRef>
+      <a:fontRef idx="minor">
+        <a:schemeClr val="lt1"/>
+      </a:fontRef>
+    </dgm:style>
+  </dgm:styleLbl>
+  <dgm:styleLbl name="parChTrans2D4">
+    <dgm:scene3d>
+      <a:camera prst="orthographicFront"/>
+      <a:lightRig rig="threePt" dir="t"/>
+    </dgm:scene3d>
+    <dgm:sp3d/>
+    <dgm:txPr/>
+    <dgm:style>
+      <a:lnRef idx="2">
+        <a:scrgbClr r="0" g="0" b="0"/>
+      </a:lnRef>
+      <a:fillRef idx="1">
+        <a:scrgbClr r="0" g="0" b="0"/>
+      </a:fillRef>
+      <a:effectRef idx="0">
+        <a:scrgbClr r="0" g="0" b="0"/>
+      </a:effectRef>
+      <a:fontRef idx="minor">
+        <a:schemeClr val="lt1"/>
+      </a:fontRef>
+    </dgm:style>
+  </dgm:styleLbl>
+  <dgm:styleLbl name="parChTrans1D1">
+    <dgm:scene3d>
+      <a:camera prst="orthographicFront"/>
+      <a:lightRig rig="threePt" dir="t"/>
+    </dgm:scene3d>
+    <dgm:sp3d/>
+    <dgm:txPr/>
+    <dgm:style>
+      <a:lnRef idx="2">
+        <a:scrgbClr r="0" g="0" b="0"/>
+      </a:lnRef>
+      <a:fillRef idx="0">
+        <a:scrgbClr r="0" g="0" b="0"/>
+      </a:fillRef>
+      <a:effectRef idx="0">
+        <a:scrgbClr r="0" g="0" b="0"/>
+      </a:effectRef>
+      <a:fontRef idx="minor"/>
+    </dgm:style>
+  </dgm:styleLbl>
+  <dgm:styleLbl name="parChTrans1D2">
+    <dgm:scene3d>
+      <a:camera prst="orthographicFront"/>
+      <a:lightRig rig="threePt" dir="t"/>
+    </dgm:scene3d>
+    <dgm:sp3d/>
+    <dgm:txPr/>
+    <dgm:style>
+      <a:lnRef idx="2">
+        <a:scrgbClr r="0" g="0" b="0"/>
+      </a:lnRef>
+      <a:fillRef idx="0">
+        <a:scrgbClr r="0" g="0" b="0"/>
+      </a:fillRef>
+      <a:effectRef idx="0">
+        <a:scrgbClr r="0" g="0" b="0"/>
+      </a:effectRef>
+      <a:fontRef idx="minor"/>
+    </dgm:style>
+  </dgm:styleLbl>
+  <dgm:styleLbl name="parChTrans1D3">
+    <dgm:scene3d>
+      <a:camera prst="orthographicFront"/>
+      <a:lightRig rig="threePt" dir="t"/>
+    </dgm:scene3d>
+    <dgm:sp3d/>
+    <dgm:txPr/>
+    <dgm:style>
+      <a:lnRef idx="2">
+        <a:scrgbClr r="0" g="0" b="0"/>
+      </a:lnRef>
+      <a:fillRef idx="0">
+        <a:scrgbClr r="0" g="0" b="0"/>
+      </a:fillRef>
+      <a:effectRef idx="0">
+        <a:scrgbClr r="0" g="0" b="0"/>
+      </a:effectRef>
+      <a:fontRef idx="minor"/>
+    </dgm:style>
+  </dgm:styleLbl>
+  <dgm:styleLbl name="parChTrans1D4">
+    <dgm:scene3d>
+      <a:camera prst="orthographicFront"/>
+      <a:lightRig rig="threePt" dir="t"/>
+    </dgm:scene3d>
+    <dgm:sp3d/>
+    <dgm:txPr/>
+    <dgm:style>
+      <a:lnRef idx="2">
+        <a:scrgbClr r="0" g="0" b="0"/>
+      </a:lnRef>
+      <a:fillRef idx="0">
+        <a:scrgbClr r="0" g="0" b="0"/>
+      </a:fillRef>
+      <a:effectRef idx="0">
+        <a:scrgbClr r="0" g="0" b="0"/>
+      </a:effectRef>
+      <a:fontRef idx="minor"/>
+    </dgm:style>
+  </dgm:styleLbl>
+  <dgm:styleLbl name="fgAcc1">
+    <dgm:scene3d>
+      <a:camera prst="orthographicFront"/>
+      <a:lightRig rig="threePt" dir="t"/>
+    </dgm:scene3d>
+    <dgm:sp3d/>
+    <dgm:txPr/>
+    <dgm:style>
+      <a:lnRef idx="2">
+        <a:scrgbClr r="0" g="0" b="0"/>
+      </a:lnRef>
+      <a:fillRef idx="1">
+        <a:scrgbClr r="0" g="0" b="0"/>
+      </a:fillRef>
+      <a:effectRef idx="0">
+        <a:scrgbClr r="0" g="0" b="0"/>
+      </a:effectRef>
+      <a:fontRef idx="minor"/>
+    </dgm:style>
+  </dgm:styleLbl>
+  <dgm:styleLbl name="conFgAcc1">
+    <dgm:scene3d>
+      <a:camera prst="orthographicFront"/>
+      <a:lightRig rig="threePt" dir="t"/>
+    </dgm:scene3d>
+    <dgm:sp3d/>
+    <dgm:txPr/>
+    <dgm:style>
+      <a:lnRef idx="2">
+        <a:scrgbClr r="0" g="0" b="0"/>
+      </a:lnRef>
+      <a:fillRef idx="1">
+        <a:scrgbClr r="0" g="0" b="0"/>
+      </a:fillRef>
+      <a:effectRef idx="0">
+        <a:scrgbClr r="0" g="0" b="0"/>
+      </a:effectRef>
+      <a:fontRef idx="minor"/>
+    </dgm:style>
+  </dgm:styleLbl>
+  <dgm:styleLbl name="alignAcc1">
+    <dgm:scene3d>
+      <a:camera prst="orthographicFront"/>
+      <a:lightRig rig="threePt" dir="t"/>
+    </dgm:scene3d>
+    <dgm:sp3d/>
+    <dgm:txPr/>
+    <dgm:style>
+      <a:lnRef idx="2">
+        <a:scrgbClr r="0" g="0" b="0"/>
+      </a:lnRef>
+      <a:fillRef idx="1">
+        <a:scrgbClr r="0" g="0" b="0"/>
+      </a:fillRef>
+      <a:effectRef idx="0">
+        <a:scrgbClr r="0" g="0" b="0"/>
+      </a:effectRef>
+      <a:fontRef idx="minor"/>
+    </dgm:style>
+  </dgm:styleLbl>
+  <dgm:styleLbl name="trAlignAcc1">
+    <dgm:scene3d>
+      <a:camera prst="orthographicFront"/>
+      <a:lightRig rig="threePt" dir="t"/>
+    </dgm:scene3d>
+    <dgm:sp3d/>
+    <dgm:txPr/>
+    <dgm:style>
+      <a:lnRef idx="1">
+        <a:scrgbClr r="0" g="0" b="0"/>
+      </a:lnRef>
+      <a:fillRef idx="1">
+        <a:scrgbClr r="0" g="0" b="0"/>
+      </a:fillRef>
+      <a:effectRef idx="0">
+        <a:scrgbClr r="0" g="0" b="0"/>
+      </a:effectRef>
+      <a:fontRef idx="minor"/>
+    </dgm:style>
+  </dgm:styleLbl>
+  <dgm:styleLbl name="bgAcc1">
+    <dgm:scene3d>
+      <a:camera prst="orthographicFront"/>
+      <a:lightRig rig="threePt" dir="t"/>
+    </dgm:scene3d>
+    <dgm:sp3d/>
+    <dgm:txPr/>
+    <dgm:style>
+      <a:lnRef idx="2">
+        <a:scrgbClr r="0" g="0" b="0"/>
+      </a:lnRef>
+      <a:fillRef idx="1">
+        <a:scrgbClr r="0" g="0" b="0"/>
+      </a:fillRef>
+      <a:effectRef idx="0">
+        <a:scrgbClr r="0" g="0" b="0"/>
+      </a:effectRef>
+      <a:fontRef idx="minor"/>
+    </dgm:style>
+  </dgm:styleLbl>
+  <dgm:styleLbl name="solidFgAcc1">
+    <dgm:scene3d>
+      <a:camera prst="orthographicFront"/>
+      <a:lightRig rig="threePt" dir="t"/>
+    </dgm:scene3d>
+    <dgm:sp3d/>
+    <dgm:txPr/>
+    <dgm:style>
+      <a:lnRef idx="2">
+        <a:scrgbClr r="0" g="0" b="0"/>
+      </a:lnRef>
+      <a:fillRef idx="1">
+        <a:scrgbClr r="0" g="0" b="0"/>
+      </a:fillRef>
+      <a:effectRef idx="0">
+        <a:scrgbClr r="0" g="0" b="0"/>
+      </a:effectRef>
+      <a:fontRef idx="minor"/>
+    </dgm:style>
+  </dgm:styleLbl>
+  <dgm:styleLbl name="solidAlignAcc1">
+    <dgm:scene3d>
+      <a:camera prst="orthographicFront"/>
+      <a:lightRig rig="threePt" dir="t"/>
+    </dgm:scene3d>
+    <dgm:sp3d/>
+    <dgm:txPr/>
+    <dgm:style>
+      <a:lnRef idx="2">
+        <a:scrgbClr r="0" g="0" b="0"/>
+      </a:lnRef>
+      <a:fillRef idx="1">
+        <a:scrgbClr r="0" g="0" b="0"/>
+      </a:fillRef>
+      <a:effectRef idx="0">
+        <a:scrgbClr r="0" g="0" b="0"/>
+      </a:effectRef>
+      <a:fontRef idx="minor"/>
+    </dgm:style>
+  </dgm:styleLbl>
+  <dgm:styleLbl name="solidBgAcc1">
+    <dgm:scene3d>
+      <a:camera prst="orthographicFront"/>
+      <a:lightRig rig="threePt" dir="t"/>
+    </dgm:scene3d>
+    <dgm:sp3d/>
+    <dgm:txPr/>
+    <dgm:style>
+      <a:lnRef idx="2">
+        <a:scrgbClr r="0" g="0" b="0"/>
+      </a:lnRef>
+      <a:fillRef idx="1">
+        <a:scrgbClr r="0" g="0" b="0"/>
+      </a:fillRef>
+      <a:effectRef idx="0">
+        <a:scrgbClr r="0" g="0" b="0"/>
+      </a:effectRef>
+      <a:fontRef idx="minor"/>
+    </dgm:style>
+  </dgm:styleLbl>
+  <dgm:styleLbl name="fgAccFollowNode1">
+    <dgm:scene3d>
+      <a:camera prst="orthographicFront"/>
+      <a:lightRig rig="threePt" dir="t"/>
+    </dgm:scene3d>
+    <dgm:sp3d/>
+    <dgm:txPr/>
+    <dgm:style>
+      <a:lnRef idx="2">
+        <a:scrgbClr r="0" g="0" b="0"/>
+      </a:lnRef>
+      <a:fillRef idx="1">
+        <a:scrgbClr r="0" g="0" b="0"/>
+      </a:fillRef>
+      <a:effectRef idx="0">
+        <a:scrgbClr r="0" g="0" b="0"/>
+      </a:effectRef>
+      <a:fontRef idx="minor"/>
+    </dgm:style>
+  </dgm:styleLbl>
+  <dgm:styleLbl name="alignAccFollowNode1">
+    <dgm:scene3d>
+      <a:camera prst="orthographicFront"/>
+      <a:lightRig rig="threePt" dir="t"/>
+    </dgm:scene3d>
+    <dgm:sp3d/>
+    <dgm:txPr/>
+    <dgm:style>
+      <a:lnRef idx="2">
+        <a:scrgbClr r="0" g="0" b="0"/>
+      </a:lnRef>
+      <a:fillRef idx="1">
+        <a:scrgbClr r="0" g="0" b="0"/>
+      </a:fillRef>
+      <a:effectRef idx="0">
+        <a:scrgbClr r="0" g="0" b="0"/>
+      </a:effectRef>
+      <a:fontRef idx="minor"/>
+    </dgm:style>
+  </dgm:styleLbl>
+  <dgm:styleLbl name="bgAccFollowNode1">
+    <dgm:scene3d>
+      <a:camera prst="orthographicFront"/>
+      <a:lightRig rig="threePt" dir="t"/>
+    </dgm:scene3d>
+    <dgm:sp3d/>
+    <dgm:txPr/>
+    <dgm:style>
+      <a:lnRef idx="2">
+        <a:scrgbClr r="0" g="0" b="0"/>
+      </a:lnRef>
+      <a:fillRef idx="1">
+        <a:scrgbClr r="0" g="0" b="0"/>
+      </a:fillRef>
+      <a:effectRef idx="0">
+        <a:scrgbClr r="0" g="0" b="0"/>
+      </a:effectRef>
+      <a:fontRef idx="minor"/>
+    </dgm:style>
+  </dgm:styleLbl>
+  <dgm:styleLbl name="fgAcc0">
+    <dgm:scene3d>
+      <a:camera prst="orthographicFront"/>
+      <a:lightRig rig="threePt" dir="t"/>
+    </dgm:scene3d>
+    <dgm:sp3d/>
+    <dgm:txPr/>
+    <dgm:style>
+      <a:lnRef idx="2">
+        <a:scrgbClr r="0" g="0" b="0"/>
+      </a:lnRef>
+      <a:fillRef idx="1">
+        <a:scrgbClr r="0" g="0" b="0"/>
+      </a:fillRef>
+      <a:effectRef idx="0">
+        <a:scrgbClr r="0" g="0" b="0"/>
+      </a:effectRef>
+      <a:fontRef idx="minor"/>
+    </dgm:style>
+  </dgm:styleLbl>
+  <dgm:styleLbl name="fgAcc2">
+    <dgm:scene3d>
+      <a:camera prst="orthographicFront"/>
+      <a:lightRig rig="threePt" dir="t"/>
+    </dgm:scene3d>
+    <dgm:sp3d/>
+    <dgm:txPr/>
+    <dgm:style>
+      <a:lnRef idx="2">
+        <a:scrgbClr r="0" g="0" b="0"/>
+      </a:lnRef>
+      <a:fillRef idx="1">
+        <a:scrgbClr r="0" g="0" b="0"/>
+      </a:fillRef>
+      <a:effectRef idx="0">
+        <a:scrgbClr r="0" g="0" b="0"/>
+      </a:effectRef>
+      <a:fontRef idx="minor"/>
+    </dgm:style>
+  </dgm:styleLbl>
+  <dgm:styleLbl name="fgAcc3">
+    <dgm:scene3d>
+      <a:camera prst="orthographicFront"/>
+      <a:lightRig rig="threePt" dir="t"/>
+    </dgm:scene3d>
+    <dgm:sp3d/>
+    <dgm:txPr/>
+    <dgm:style>
+      <a:lnRef idx="2">
+        <a:scrgbClr r="0" g="0" b="0"/>
+      </a:lnRef>
+      <a:fillRef idx="1">
+        <a:scrgbClr r="0" g="0" b="0"/>
+      </a:fillRef>
+      <a:effectRef idx="0">
+        <a:scrgbClr r="0" g="0" b="0"/>
+      </a:effectRef>
+      <a:fontRef idx="minor"/>
+    </dgm:style>
+  </dgm:styleLbl>
+  <dgm:styleLbl name="fgAcc4">
+    <dgm:scene3d>
+      <a:camera prst="orthographicFront"/>
+      <a:lightRig rig="threePt" dir="t"/>
+    </dgm:scene3d>
+    <dgm:sp3d/>
+    <dgm:txPr/>
+    <dgm:style>
+      <a:lnRef idx="2">
+        <a:scrgbClr r="0" g="0" b="0"/>
+      </a:lnRef>
+      <a:fillRef idx="1">
+        <a:scrgbClr r="0" g="0" b="0"/>
+      </a:fillRef>
+      <a:effectRef idx="0">
+        <a:scrgbClr r="0" g="0" b="0"/>
+      </a:effectRef>
+      <a:fontRef idx="minor"/>
+    </dgm:style>
+  </dgm:styleLbl>
+  <dgm:styleLbl name="bgShp">
+    <dgm:scene3d>
+      <a:camera prst="orthographicFront"/>
+      <a:lightRig rig="threePt" dir="t"/>
+    </dgm:scene3d>
+    <dgm:sp3d/>
+    <dgm:txPr/>
+    <dgm:style>
+      <a:lnRef idx="0">
+        <a:scrgbClr r="0" g="0" b="0"/>
+      </a:lnRef>
+      <a:fillRef idx="1">
+        <a:scrgbClr r="0" g="0" b="0"/>
+      </a:fillRef>
+      <a:effectRef idx="0">
+        <a:scrgbClr r="0" g="0" b="0"/>
+      </a:effectRef>
+      <a:fontRef idx="minor"/>
+    </dgm:style>
+  </dgm:styleLbl>
+  <dgm:styleLbl name="dkBgShp">
+    <dgm:scene3d>
+      <a:camera prst="orthographicFront"/>
+      <a:lightRig rig="threePt" dir="t"/>
+    </dgm:scene3d>
+    <dgm:sp3d/>
+    <dgm:txPr/>
+    <dgm:style>
+      <a:lnRef idx="0">
+        <a:scrgbClr r="0" g="0" b="0"/>
+      </a:lnRef>
+      <a:fillRef idx="1">
+        <a:scrgbClr r="0" g="0" b="0"/>
+      </a:fillRef>
+      <a:effectRef idx="0">
+        <a:scrgbClr r="0" g="0" b="0"/>
+      </a:effectRef>
+      <a:fontRef idx="minor"/>
+    </dgm:style>
+  </dgm:styleLbl>
+  <dgm:styleLbl name="trBgShp">
+    <dgm:scene3d>
+      <a:camera prst="orthographicFront"/>
+      <a:lightRig rig="threePt" dir="t"/>
+    </dgm:scene3d>
+    <dgm:sp3d/>
+    <dgm:txPr/>
+    <dgm:style>
+      <a:lnRef idx="0">
+        <a:scrgbClr r="0" g="0" b="0"/>
+      </a:lnRef>
+      <a:fillRef idx="1">
+        <a:scrgbClr r="0" g="0" b="0"/>
+      </a:fillRef>
+      <a:effectRef idx="0">
+        <a:scrgbClr r="0" g="0" b="0"/>
+      </a:effectRef>
+      <a:fontRef idx="minor"/>
+    </dgm:style>
+  </dgm:styleLbl>
+  <dgm:styleLbl name="fgShp">
+    <dgm:scene3d>
+      <a:camera prst="orthographicFront"/>
+      <a:lightRig rig="threePt" dir="t"/>
+    </dgm:scene3d>
+    <dgm:sp3d/>
+    <dgm:txPr/>
+    <dgm:style>
+      <a:lnRef idx="2">
+        <a:scrgbClr r="0" g="0" b="0"/>
+      </a:lnRef>
+      <a:fillRef idx="1">
+        <a:scrgbClr r="0" g="0" b="0"/>
+      </a:fillRef>
+      <a:effectRef idx="0">
+        <a:scrgbClr r="0" g="0" b="0"/>
+      </a:effectRef>
+      <a:fontRef idx="minor"/>
+    </dgm:style>
+  </dgm:styleLbl>
+  <dgm:styleLbl name="revTx">
+    <dgm:scene3d>
+      <a:camera prst="orthographicFront"/>
+      <a:lightRig rig="threePt" dir="t"/>
+    </dgm:scene3d>
+    <dgm:sp3d/>
+    <dgm:txPr/>
+    <dgm:style>
+      <a:lnRef idx="0">
+        <a:scrgbClr r="0" g="0" b="0"/>
+      </a:lnRef>
+      <a:fillRef idx="0">
+        <a:scrgbClr r="0" g="0" b="0"/>
+      </a:fillRef>
+      <a:effectRef idx="0">
+        <a:scrgbClr r="0" g="0" b="0"/>
+      </a:effectRef>
+      <a:fontRef idx="minor"/>
+    </dgm:style>
+  </dgm:styleLbl>
+</dgm:styleDef>
+</file>
+
 <file path=ppt/notesMasters/notesMaster1.xml><?xml version="1.0" encoding="utf-8"?>
 <p:notesMaster xmlns:a="http://schemas.openxmlformats.org/drawingml/2006/main" xmlns:r="http://schemas.openxmlformats.org/officeDocument/2006/relationships" xmlns:p="http://schemas.openxmlformats.org/presentationml/2006/main">
   <p:cSld>
@@ -1133,7 +3765,7 @@
           <a:p>
             <a:fld id="{36029EE1-9DFC-4898-B056-1769C4735C9A}" type="datetimeFigureOut">
               <a:rPr lang="zh-TW" altLang="en-US" smtClean="0"/>
-              <a:t>2017/10/24</a:t>
+              <a:t>2017/10/25</a:t>
             </a:fld>
             <a:endParaRPr lang="zh-TW" altLang="en-US"/>
           </a:p>
@@ -1762,6 +4394,93 @@
 </p:notes>
 </file>
 
+<file path=ppt/notesSlides/notesSlide3.xml><?xml version="1.0" encoding="utf-8"?>
+<p:notes xmlns:a="http://schemas.openxmlformats.org/drawingml/2006/main" xmlns:r="http://schemas.openxmlformats.org/officeDocument/2006/relationships" xmlns:p="http://schemas.openxmlformats.org/presentationml/2006/main">
+  <p:cSld>
+    <p:spTree>
+      <p:nvGrpSpPr>
+        <p:cNvPr id="1" name=""/>
+        <p:cNvGrpSpPr/>
+        <p:nvPr/>
+      </p:nvGrpSpPr>
+      <p:grpSpPr>
+        <a:xfrm>
+          <a:off x="0" y="0"/>
+          <a:ext cx="0" cy="0"/>
+          <a:chOff x="0" y="0"/>
+          <a:chExt cx="0" cy="0"/>
+        </a:xfrm>
+      </p:grpSpPr>
+      <p:sp>
+        <p:nvSpPr>
+          <p:cNvPr id="2" name="投影片影像版面配置區 1"/>
+          <p:cNvSpPr>
+            <a:spLocks noGrp="1" noRot="1" noChangeAspect="1"/>
+          </p:cNvSpPr>
+          <p:nvPr>
+            <p:ph type="sldImg"/>
+          </p:nvPr>
+        </p:nvSpPr>
+        <p:spPr/>
+      </p:sp>
+      <p:sp>
+        <p:nvSpPr>
+          <p:cNvPr id="3" name="備忘稿版面配置區 2"/>
+          <p:cNvSpPr>
+            <a:spLocks noGrp="1"/>
+          </p:cNvSpPr>
+          <p:nvPr>
+            <p:ph type="body" idx="1"/>
+          </p:nvPr>
+        </p:nvSpPr>
+        <p:spPr/>
+        <p:txBody>
+          <a:bodyPr/>
+          <a:lstStyle/>
+          <a:p>
+            <a:r>
+              <a:rPr lang="zh-TW" altLang="en-US" dirty="0"/>
+              <a:t>世界第一座水力發電廠。</a:t>
+            </a:r>
+          </a:p>
+        </p:txBody>
+      </p:sp>
+      <p:sp>
+        <p:nvSpPr>
+          <p:cNvPr id="4" name="投影片編號版面配置區 3"/>
+          <p:cNvSpPr>
+            <a:spLocks noGrp="1"/>
+          </p:cNvSpPr>
+          <p:nvPr>
+            <p:ph type="sldNum" sz="quarter" idx="10"/>
+          </p:nvPr>
+        </p:nvSpPr>
+        <p:spPr/>
+        <p:txBody>
+          <a:bodyPr/>
+          <a:lstStyle/>
+          <a:p>
+            <a:fld id="{0236D9B0-CA5C-45AB-BF9A-C0BCA89437F0}" type="slidenum">
+              <a:rPr lang="zh-TW" altLang="en-US" smtClean="0"/>
+              <a:t>5</a:t>
+            </a:fld>
+            <a:endParaRPr lang="zh-TW" altLang="en-US"/>
+          </a:p>
+        </p:txBody>
+      </p:sp>
+    </p:spTree>
+    <p:extLst>
+      <p:ext uri="{BB962C8B-B14F-4D97-AF65-F5344CB8AC3E}">
+        <p14:creationId xmlns:p14="http://schemas.microsoft.com/office/powerpoint/2010/main" val="1033206566"/>
+      </p:ext>
+    </p:extLst>
+  </p:cSld>
+  <p:clrMapOvr>
+    <a:masterClrMapping/>
+  </p:clrMapOvr>
+</p:notes>
+</file>
+
 <file path=ppt/slideLayouts/slideLayout1.xml><?xml version="1.0" encoding="utf-8"?>
 <p:sldLayout xmlns:a="http://schemas.openxmlformats.org/drawingml/2006/main" xmlns:r="http://schemas.openxmlformats.org/officeDocument/2006/relationships" xmlns:p="http://schemas.openxmlformats.org/presentationml/2006/main" type="title" preserve="1">
   <p:cSld name="標題投影片">
@@ -1909,7 +4628,7 @@
           <a:p>
             <a:fld id="{8F36CA70-87DC-4D2A-89D4-B7AC723C2037}" type="datetimeFigureOut">
               <a:rPr lang="zh-TW" altLang="en-US" smtClean="0"/>
-              <a:t>2017/10/24</a:t>
+              <a:t>2017/10/25</a:t>
             </a:fld>
             <a:endParaRPr lang="zh-TW" altLang="en-US"/>
           </a:p>
@@ -2107,7 +4826,7 @@
           <a:p>
             <a:fld id="{8F36CA70-87DC-4D2A-89D4-B7AC723C2037}" type="datetimeFigureOut">
               <a:rPr lang="zh-TW" altLang="en-US" smtClean="0"/>
-              <a:t>2017/10/24</a:t>
+              <a:t>2017/10/25</a:t>
             </a:fld>
             <a:endParaRPr lang="zh-TW" altLang="en-US"/>
           </a:p>
@@ -2315,7 +5034,7 @@
           <a:p>
             <a:fld id="{8F36CA70-87DC-4D2A-89D4-B7AC723C2037}" type="datetimeFigureOut">
               <a:rPr lang="zh-TW" altLang="en-US" smtClean="0"/>
-              <a:t>2017/10/24</a:t>
+              <a:t>2017/10/25</a:t>
             </a:fld>
             <a:endParaRPr lang="zh-TW" altLang="en-US"/>
           </a:p>
@@ -2513,7 +5232,7 @@
           <a:p>
             <a:fld id="{8F36CA70-87DC-4D2A-89D4-B7AC723C2037}" type="datetimeFigureOut">
               <a:rPr lang="zh-TW" altLang="en-US" smtClean="0"/>
-              <a:t>2017/10/24</a:t>
+              <a:t>2017/10/25</a:t>
             </a:fld>
             <a:endParaRPr lang="zh-TW" altLang="en-US"/>
           </a:p>
@@ -2788,7 +5507,7 @@
           <a:p>
             <a:fld id="{8F36CA70-87DC-4D2A-89D4-B7AC723C2037}" type="datetimeFigureOut">
               <a:rPr lang="zh-TW" altLang="en-US" smtClean="0"/>
-              <a:t>2017/10/24</a:t>
+              <a:t>2017/10/25</a:t>
             </a:fld>
             <a:endParaRPr lang="zh-TW" altLang="en-US"/>
           </a:p>
@@ -3053,7 +5772,7 @@
           <a:p>
             <a:fld id="{8F36CA70-87DC-4D2A-89D4-B7AC723C2037}" type="datetimeFigureOut">
               <a:rPr lang="zh-TW" altLang="en-US" smtClean="0"/>
-              <a:t>2017/10/24</a:t>
+              <a:t>2017/10/25</a:t>
             </a:fld>
             <a:endParaRPr lang="zh-TW" altLang="en-US"/>
           </a:p>
@@ -3465,7 +6184,7 @@
           <a:p>
             <a:fld id="{8F36CA70-87DC-4D2A-89D4-B7AC723C2037}" type="datetimeFigureOut">
               <a:rPr lang="zh-TW" altLang="en-US" smtClean="0"/>
-              <a:t>2017/10/24</a:t>
+              <a:t>2017/10/25</a:t>
             </a:fld>
             <a:endParaRPr lang="zh-TW" altLang="en-US"/>
           </a:p>
@@ -3606,7 +6325,7 @@
           <a:p>
             <a:fld id="{8F36CA70-87DC-4D2A-89D4-B7AC723C2037}" type="datetimeFigureOut">
               <a:rPr lang="zh-TW" altLang="en-US" smtClean="0"/>
-              <a:t>2017/10/24</a:t>
+              <a:t>2017/10/25</a:t>
             </a:fld>
             <a:endParaRPr lang="zh-TW" altLang="en-US"/>
           </a:p>
@@ -3719,7 +6438,7 @@
           <a:p>
             <a:fld id="{8F36CA70-87DC-4D2A-89D4-B7AC723C2037}" type="datetimeFigureOut">
               <a:rPr lang="zh-TW" altLang="en-US" smtClean="0"/>
-              <a:t>2017/10/24</a:t>
+              <a:t>2017/10/25</a:t>
             </a:fld>
             <a:endParaRPr lang="zh-TW" altLang="en-US"/>
           </a:p>
@@ -4030,7 +6749,7 @@
           <a:p>
             <a:fld id="{8F36CA70-87DC-4D2A-89D4-B7AC723C2037}" type="datetimeFigureOut">
               <a:rPr lang="zh-TW" altLang="en-US" smtClean="0"/>
-              <a:t>2017/10/24</a:t>
+              <a:t>2017/10/25</a:t>
             </a:fld>
             <a:endParaRPr lang="zh-TW" altLang="en-US"/>
           </a:p>
@@ -4318,7 +7037,7 @@
           <a:p>
             <a:fld id="{8F36CA70-87DC-4D2A-89D4-B7AC723C2037}" type="datetimeFigureOut">
               <a:rPr lang="zh-TW" altLang="en-US" smtClean="0"/>
-              <a:t>2017/10/24</a:t>
+              <a:t>2017/10/25</a:t>
             </a:fld>
             <a:endParaRPr lang="zh-TW" altLang="en-US"/>
           </a:p>
@@ -4559,7 +7278,7 @@
           <a:p>
             <a:fld id="{8F36CA70-87DC-4D2A-89D4-B7AC723C2037}" type="datetimeFigureOut">
               <a:rPr lang="zh-TW" altLang="en-US" smtClean="0"/>
-              <a:t>2017/10/24</a:t>
+              <a:t>2017/10/25</a:t>
             </a:fld>
             <a:endParaRPr lang="zh-TW" altLang="en-US"/>
           </a:p>
@@ -5100,7 +7819,12 @@
             <p:ph type="title"/>
           </p:nvPr>
         </p:nvSpPr>
-        <p:spPr/>
+        <p:spPr>
+          <a:xfrm>
+            <a:off x="838200" y="365125"/>
+            <a:ext cx="10515600" cy="1325563"/>
+          </a:xfrm>
+        </p:spPr>
         <p:txBody>
           <a:bodyPr/>
           <a:lstStyle/>
@@ -5144,16 +7868,34 @@
         </p:nvSpPr>
         <p:spPr>
           <a:xfrm>
-            <a:off x="838200" y="1825625"/>
+            <a:off x="1804555" y="3176442"/>
             <a:ext cx="2237509" cy="948748"/>
           </a:xfrm>
+          <a:effectLst>
+            <a:outerShdw blurRad="50800" dist="38100" algn="l" rotWithShape="0">
+              <a:prstClr val="black">
+                <a:alpha val="20000"/>
+              </a:prstClr>
+            </a:outerShdw>
+          </a:effectLst>
         </p:spPr>
         <p:txBody>
-          <a:bodyPr/>
+          <a:bodyPr>
+            <a:normAutofit/>
+          </a:bodyPr>
           <a:lstStyle/>
           <a:p>
-            <a:r>
-              <a:rPr lang="zh-TW" altLang="en-US" dirty="0"/>
+            <a:pPr marL="0" indent="0">
+              <a:buNone/>
+            </a:pPr>
+            <a:r>
+              <a:rPr lang="zh-TW" altLang="en-US" sz="4800" b="1" dirty="0">
+                <a:solidFill>
+                  <a:srgbClr val="FF0000"/>
+                </a:solidFill>
+                <a:latin typeface="標楷體" panose="03000509000000000000" pitchFamily="65" charset="-120"/>
+                <a:ea typeface="標楷體" panose="03000509000000000000" pitchFamily="65" charset="-120"/>
+              </a:rPr>
               <a:t>稅負</a:t>
             </a:r>
           </a:p>
@@ -5175,12 +7917,19 @@
         </p:nvSpPr>
         <p:spPr>
           <a:xfrm>
-            <a:off x="2258291" y="3349625"/>
+            <a:off x="7038110" y="3176442"/>
             <a:ext cx="2237509" cy="948748"/>
           </a:xfrm>
           <a:prstGeom prst="rect">
             <a:avLst/>
           </a:prstGeom>
+          <a:effectLst>
+            <a:outerShdw blurRad="50800" dist="38100" algn="l" rotWithShape="0">
+              <a:prstClr val="black">
+                <a:alpha val="20000"/>
+              </a:prstClr>
+            </a:outerShdw>
+          </a:effectLst>
         </p:spPr>
         <p:txBody>
           <a:bodyPr vert="horz" lIns="91440" tIns="45720" rIns="91440" bIns="45720" rtlCol="0">
@@ -5351,11 +8100,26 @@
             </a:lvl9pPr>
           </a:lstStyle>
           <a:p>
-            <a:r>
-              <a:rPr lang="zh-TW" altLang="en-US" dirty="0"/>
+            <a:pPr marL="0" indent="0">
+              <a:buNone/>
+            </a:pPr>
+            <a:r>
+              <a:rPr lang="zh-TW" altLang="en-US" sz="4800" b="1" dirty="0">
+                <a:solidFill>
+                  <a:srgbClr val="00B050"/>
+                </a:solidFill>
+                <a:latin typeface="標楷體" panose="03000509000000000000" pitchFamily="65" charset="-120"/>
+                <a:ea typeface="標楷體" panose="03000509000000000000" pitchFamily="65" charset="-120"/>
+              </a:rPr>
               <a:t>非稅負</a:t>
             </a:r>
-            <a:endParaRPr lang="en-US" altLang="zh-TW" dirty="0"/>
+            <a:endParaRPr lang="en-US" altLang="zh-TW" sz="4800" b="1" dirty="0">
+              <a:solidFill>
+                <a:srgbClr val="00B050"/>
+              </a:solidFill>
+              <a:latin typeface="標楷體" panose="03000509000000000000" pitchFamily="65" charset="-120"/>
+              <a:ea typeface="標楷體" panose="03000509000000000000" pitchFamily="65" charset="-120"/>
+            </a:endParaRPr>
           </a:p>
         </p:txBody>
       </p:sp>
@@ -5514,20 +8278,175 @@
           <a:lstStyle/>
           <a:p>
             <a:r>
-              <a:rPr lang="zh-TW" altLang="en-US" b="1" dirty="0">
+              <a:rPr lang="zh-TW" altLang="en-US" dirty="0">
                 <a:latin typeface="標楷體" panose="03000509000000000000" pitchFamily="65" charset="-120"/>
                 <a:ea typeface="標楷體" panose="03000509000000000000" pitchFamily="65" charset="-120"/>
               </a:rPr>
               <a:t>以稅負之名</a:t>
             </a:r>
             <a:r>
-              <a:rPr lang="en-US" altLang="zh-TW" b="1" dirty="0">
+              <a:rPr lang="en-US" altLang="zh-TW" dirty="0">
                 <a:latin typeface="標楷體" panose="03000509000000000000" pitchFamily="65" charset="-120"/>
                 <a:ea typeface="標楷體" panose="03000509000000000000" pitchFamily="65" charset="-120"/>
               </a:rPr>
               <a:t>……</a:t>
             </a:r>
-            <a:endParaRPr lang="zh-TW" altLang="en-US" b="1" dirty="0">
+            <a:endParaRPr lang="zh-TW" altLang="en-US" dirty="0">
+              <a:latin typeface="標楷體" panose="03000509000000000000" pitchFamily="65" charset="-120"/>
+              <a:ea typeface="標楷體" panose="03000509000000000000" pitchFamily="65" charset="-120"/>
+            </a:endParaRPr>
+          </a:p>
+        </p:txBody>
+      </p:sp>
+      <p:graphicFrame>
+        <p:nvGraphicFramePr>
+          <p:cNvPr id="6" name="內容版面配置區 5">
+            <a:extLst>
+              <a:ext uri="{FF2B5EF4-FFF2-40B4-BE49-F238E27FC236}">
+                <a16:creationId xmlns:a16="http://schemas.microsoft.com/office/drawing/2014/main" id="{1D4DBB3F-08FF-4469-AA5B-B9638D5755FE}"/>
+              </a:ext>
+            </a:extLst>
+          </p:cNvPr>
+          <p:cNvGraphicFramePr>
+            <a:graphicFrameLocks noGrp="1"/>
+          </p:cNvGraphicFramePr>
+          <p:nvPr>
+            <p:ph idx="1"/>
+            <p:extLst>
+              <p:ext uri="{D42A27DB-BD31-4B8C-83A1-F6EECF244321}">
+                <p14:modId xmlns:p14="http://schemas.microsoft.com/office/powerpoint/2010/main" val="1944450100"/>
+              </p:ext>
+            </p:extLst>
+          </p:nvPr>
+        </p:nvGraphicFramePr>
+        <p:xfrm>
+          <a:off x="838199" y="1825624"/>
+          <a:ext cx="10997045" cy="4876511"/>
+        </p:xfrm>
+        <a:graphic>
+          <a:graphicData uri="http://schemas.openxmlformats.org/drawingml/2006/diagram">
+            <dgm:relIds xmlns:dgm="http://schemas.openxmlformats.org/drawingml/2006/diagram" xmlns:r="http://schemas.openxmlformats.org/officeDocument/2006/relationships" r:dm="rId2" r:lo="rId3" r:qs="rId4" r:cs="rId5"/>
+          </a:graphicData>
+        </a:graphic>
+      </p:graphicFrame>
+      <p:sp>
+        <p:nvSpPr>
+          <p:cNvPr id="7" name="矩形 6">
+            <a:extLst>
+              <a:ext uri="{FF2B5EF4-FFF2-40B4-BE49-F238E27FC236}">
+                <a16:creationId xmlns:a16="http://schemas.microsoft.com/office/drawing/2014/main" id="{A1328422-7F53-4376-A7FD-1002255594AE}"/>
+              </a:ext>
+            </a:extLst>
+          </p:cNvPr>
+          <p:cNvSpPr/>
+          <p:nvPr/>
+        </p:nvSpPr>
+        <p:spPr>
+          <a:xfrm>
+            <a:off x="6653647" y="3063550"/>
+            <a:ext cx="3425536" cy="1200329"/>
+          </a:xfrm>
+          <a:prstGeom prst="rect">
+            <a:avLst/>
+          </a:prstGeom>
+        </p:spPr>
+        <p:txBody>
+          <a:bodyPr wrap="square">
+            <a:spAutoFit/>
+          </a:bodyPr>
+          <a:lstStyle/>
+          <a:p>
+            <a:pPr lvl="0"/>
+            <a:r>
+              <a:rPr lang="zh-TW" altLang="en-US" sz="2400" dirty="0">
+                <a:latin typeface="標楷體" panose="03000509000000000000" pitchFamily="65" charset="-120"/>
+                <a:ea typeface="標楷體" panose="03000509000000000000" pitchFamily="65" charset="-120"/>
+              </a:rPr>
+              <a:t>股利稅太高，外資都以購買</a:t>
+            </a:r>
+            <a:r>
+              <a:rPr lang="en-US" altLang="zh-TW" sz="2400" dirty="0">
+                <a:latin typeface="標楷體" panose="03000509000000000000" pitchFamily="65" charset="-120"/>
+                <a:ea typeface="標楷體" panose="03000509000000000000" pitchFamily="65" charset="-120"/>
+              </a:rPr>
+              <a:t>ETF</a:t>
+            </a:r>
+            <a:r>
+              <a:rPr lang="zh-TW" altLang="en-US" sz="2400" dirty="0">
+                <a:latin typeface="標楷體" panose="03000509000000000000" pitchFamily="65" charset="-120"/>
+                <a:ea typeface="標楷體" panose="03000509000000000000" pitchFamily="65" charset="-120"/>
+              </a:rPr>
+              <a:t>、展延型權證來避除權息稅務</a:t>
+            </a:r>
+          </a:p>
+        </p:txBody>
+      </p:sp>
+    </p:spTree>
+    <p:extLst>
+      <p:ext uri="{BB962C8B-B14F-4D97-AF65-F5344CB8AC3E}">
+        <p14:creationId xmlns:p14="http://schemas.microsoft.com/office/powerpoint/2010/main" val="89780568"/>
+      </p:ext>
+    </p:extLst>
+  </p:cSld>
+  <p:clrMapOvr>
+    <a:masterClrMapping/>
+  </p:clrMapOvr>
+</p:sld>
+</file>
+
+<file path=ppt/slides/slide5.xml><?xml version="1.0" encoding="utf-8"?>
+<p:sld xmlns:a="http://schemas.openxmlformats.org/drawingml/2006/main" xmlns:r="http://schemas.openxmlformats.org/officeDocument/2006/relationships" xmlns:p="http://schemas.openxmlformats.org/presentationml/2006/main">
+  <p:cSld>
+    <p:spTree>
+      <p:nvGrpSpPr>
+        <p:cNvPr id="1" name=""/>
+        <p:cNvGrpSpPr/>
+        <p:nvPr/>
+      </p:nvGrpSpPr>
+      <p:grpSpPr>
+        <a:xfrm>
+          <a:off x="0" y="0"/>
+          <a:ext cx="0" cy="0"/>
+          <a:chOff x="0" y="0"/>
+          <a:chExt cx="0" cy="0"/>
+        </a:xfrm>
+      </p:grpSpPr>
+      <p:sp>
+        <p:nvSpPr>
+          <p:cNvPr id="2" name="標題 1">
+            <a:extLst>
+              <a:ext uri="{FF2B5EF4-FFF2-40B4-BE49-F238E27FC236}">
+                <a16:creationId xmlns:a16="http://schemas.microsoft.com/office/drawing/2014/main" id="{9ACFF081-D3AF-4E45-AE09-FE343AEF758E}"/>
+              </a:ext>
+            </a:extLst>
+          </p:cNvPr>
+          <p:cNvSpPr>
+            <a:spLocks noGrp="1"/>
+          </p:cNvSpPr>
+          <p:nvPr>
+            <p:ph type="title"/>
+          </p:nvPr>
+        </p:nvSpPr>
+        <p:spPr/>
+        <p:txBody>
+          <a:bodyPr/>
+          <a:lstStyle/>
+          <a:p>
+            <a:r>
+              <a:rPr lang="zh-TW" altLang="en-US" dirty="0">
+                <a:latin typeface="標楷體" panose="03000509000000000000" pitchFamily="65" charset="-120"/>
+                <a:ea typeface="標楷體" panose="03000509000000000000" pitchFamily="65" charset="-120"/>
+              </a:rPr>
+              <a:t>其他產業政策</a:t>
+            </a:r>
+            <a:r>
+              <a:rPr lang="en-US" altLang="zh-TW" dirty="0">
+                <a:latin typeface="標楷體" panose="03000509000000000000" pitchFamily="65" charset="-120"/>
+                <a:ea typeface="標楷體" panose="03000509000000000000" pitchFamily="65" charset="-120"/>
+              </a:rPr>
+              <a:t>……</a:t>
+            </a:r>
+            <a:endParaRPr lang="zh-TW" altLang="en-US" dirty="0">
               <a:latin typeface="標楷體" panose="03000509000000000000" pitchFamily="65" charset="-120"/>
               <a:ea typeface="標楷體" panose="03000509000000000000" pitchFamily="65" charset="-120"/>
             </a:endParaRPr>
@@ -5539,7 +8458,7 @@
           <p:cNvPr id="3" name="內容版面配置區 2">
             <a:extLst>
               <a:ext uri="{FF2B5EF4-FFF2-40B4-BE49-F238E27FC236}">
-                <a16:creationId xmlns:a16="http://schemas.microsoft.com/office/drawing/2014/main" id="{2BCF9F0E-9CC9-4CEE-8420-85CCABFFC6B4}"/>
+                <a16:creationId xmlns:a16="http://schemas.microsoft.com/office/drawing/2014/main" id="{1FC094E6-B6B3-49A5-9130-3E03D8256DB9}"/>
               </a:ext>
             </a:extLst>
           </p:cNvPr>
@@ -5555,6 +8474,45 @@
           <a:bodyPr/>
           <a:lstStyle/>
           <a:p>
+            <a:pPr marL="0" indent="0">
+              <a:buNone/>
+            </a:pPr>
+            <a:r>
+              <a:rPr lang="zh-TW" altLang="en-US" dirty="0"/>
+              <a:t>鴻海在美設廠，必須雇用當地勞工</a:t>
+            </a:r>
+            <a:endParaRPr lang="en-US" altLang="zh-TW" dirty="0"/>
+          </a:p>
+          <a:p>
+            <a:pPr marL="0" indent="0">
+              <a:buNone/>
+            </a:pPr>
+            <a:r>
+              <a:rPr lang="zh-TW" altLang="en-US" dirty="0"/>
+              <a:t>強大的水力資源</a:t>
+            </a:r>
+            <a:endParaRPr lang="en-US" altLang="zh-TW" dirty="0"/>
+          </a:p>
+          <a:p>
+            <a:pPr marL="0" indent="0">
+              <a:buNone/>
+            </a:pPr>
+            <a:endParaRPr lang="en-US" altLang="zh-TW" dirty="0"/>
+          </a:p>
+          <a:p>
+            <a:pPr marL="0" indent="0">
+              <a:buNone/>
+            </a:pPr>
+            <a:r>
+              <a:rPr lang="zh-TW" altLang="en-US" dirty="0"/>
+              <a:t>一例一休政策  搭配台幣匯率高使台股破萬點</a:t>
+            </a:r>
+            <a:endParaRPr lang="en-US" altLang="zh-TW" dirty="0"/>
+          </a:p>
+          <a:p>
+            <a:pPr marL="0" indent="0">
+              <a:buNone/>
+            </a:pPr>
             <a:endParaRPr lang="zh-TW" altLang="en-US" dirty="0"/>
           </a:p>
         </p:txBody>
@@ -5562,7 +8520,87 @@
     </p:spTree>
     <p:extLst>
       <p:ext uri="{BB962C8B-B14F-4D97-AF65-F5344CB8AC3E}">
-        <p14:creationId xmlns:p14="http://schemas.microsoft.com/office/powerpoint/2010/main" val="89780568"/>
+        <p14:creationId xmlns:p14="http://schemas.microsoft.com/office/powerpoint/2010/main" val="3890385118"/>
+      </p:ext>
+    </p:extLst>
+  </p:cSld>
+  <p:clrMapOvr>
+    <a:masterClrMapping/>
+  </p:clrMapOvr>
+</p:sld>
+</file>
+
+<file path=ppt/slides/slide6.xml><?xml version="1.0" encoding="utf-8"?>
+<p:sld xmlns:a="http://schemas.openxmlformats.org/drawingml/2006/main" xmlns:r="http://schemas.openxmlformats.org/officeDocument/2006/relationships" xmlns:p="http://schemas.openxmlformats.org/presentationml/2006/main">
+  <p:cSld>
+    <p:spTree>
+      <p:nvGrpSpPr>
+        <p:cNvPr id="1" name=""/>
+        <p:cNvGrpSpPr/>
+        <p:nvPr/>
+      </p:nvGrpSpPr>
+      <p:grpSpPr>
+        <a:xfrm>
+          <a:off x="0" y="0"/>
+          <a:ext cx="0" cy="0"/>
+          <a:chOff x="0" y="0"/>
+          <a:chExt cx="0" cy="0"/>
+        </a:xfrm>
+      </p:grpSpPr>
+      <p:sp>
+        <p:nvSpPr>
+          <p:cNvPr id="2" name="標題 1">
+            <a:extLst>
+              <a:ext uri="{FF2B5EF4-FFF2-40B4-BE49-F238E27FC236}">
+                <a16:creationId xmlns:a16="http://schemas.microsoft.com/office/drawing/2014/main" id="{9C9C104B-CD64-439E-B0D6-4CB95072C567}"/>
+              </a:ext>
+            </a:extLst>
+          </p:cNvPr>
+          <p:cNvSpPr>
+            <a:spLocks noGrp="1"/>
+          </p:cNvSpPr>
+          <p:nvPr>
+            <p:ph type="title"/>
+          </p:nvPr>
+        </p:nvSpPr>
+        <p:spPr/>
+        <p:txBody>
+          <a:bodyPr/>
+          <a:lstStyle/>
+          <a:p>
+            <a:endParaRPr lang="zh-TW" altLang="en-US" dirty="0"/>
+          </a:p>
+        </p:txBody>
+      </p:sp>
+      <p:sp>
+        <p:nvSpPr>
+          <p:cNvPr id="3" name="內容版面配置區 2">
+            <a:extLst>
+              <a:ext uri="{FF2B5EF4-FFF2-40B4-BE49-F238E27FC236}">
+                <a16:creationId xmlns:a16="http://schemas.microsoft.com/office/drawing/2014/main" id="{A3EF6D01-6240-4885-85AE-EFFD441AE5D1}"/>
+              </a:ext>
+            </a:extLst>
+          </p:cNvPr>
+          <p:cNvSpPr>
+            <a:spLocks noGrp="1"/>
+          </p:cNvSpPr>
+          <p:nvPr>
+            <p:ph idx="1"/>
+          </p:nvPr>
+        </p:nvSpPr>
+        <p:spPr/>
+        <p:txBody>
+          <a:bodyPr/>
+          <a:lstStyle/>
+          <a:p>
+            <a:endParaRPr lang="zh-TW" altLang="en-US" dirty="0"/>
+          </a:p>
+        </p:txBody>
+      </p:sp>
+    </p:spTree>
+    <p:extLst>
+      <p:ext uri="{BB962C8B-B14F-4D97-AF65-F5344CB8AC3E}">
+        <p14:creationId xmlns:p14="http://schemas.microsoft.com/office/powerpoint/2010/main" val="856038022"/>
       </p:ext>
     </p:extLst>
   </p:cSld>

--- a/政府產業政策簡報.pptx
+++ b/政府產業政策簡報.pptx
@@ -5,7 +5,7 @@
     <p:sldMasterId id="2147483648" r:id="rId1"/>
   </p:sldMasterIdLst>
   <p:notesMasterIdLst>
-    <p:notesMasterId r:id="rId8"/>
+    <p:notesMasterId r:id="rId7"/>
   </p:notesMasterIdLst>
   <p:sldIdLst>
     <p:sldId id="256" r:id="rId2"/>
@@ -13,7 +13,6 @@
     <p:sldId id="258" r:id="rId4"/>
     <p:sldId id="259" r:id="rId5"/>
     <p:sldId id="260" r:id="rId6"/>
-    <p:sldId id="261" r:id="rId7"/>
   </p:sldIdLst>
   <p:sldSz cx="12192000" cy="6858000"/>
   <p:notesSz cx="6858000" cy="9144000"/>
@@ -1937,6 +1936,13 @@
     <dgm:pt modelId="{F4C892E9-DE13-4E1C-9946-808C92EBF880}">
       <dgm:prSet/>
       <dgm:spPr/>
+      <dgm:t>
+        <a:bodyPr/>
+        <a:lstStyle/>
+        <a:p>
+          <a:endParaRPr lang="zh-TW" altLang="en-US"/>
+        </a:p>
+      </dgm:t>
     </dgm:pt>
     <dgm:pt modelId="{81176F69-DDF8-4337-966C-41C7568EDD68}" type="parTrans" cxnId="{52DFA9EE-8F1D-4EB0-81BF-270AA0F0754B}">
       <dgm:prSet/>
@@ -3765,7 +3771,7 @@
           <a:p>
             <a:fld id="{36029EE1-9DFC-4898-B056-1769C4735C9A}" type="datetimeFigureOut">
               <a:rPr lang="zh-TW" altLang="en-US" smtClean="0"/>
-              <a:t>2017/10/25</a:t>
+              <a:t>2017/10/26</a:t>
             </a:fld>
             <a:endParaRPr lang="zh-TW" altLang="en-US"/>
           </a:p>
@@ -4628,7 +4634,7 @@
           <a:p>
             <a:fld id="{8F36CA70-87DC-4D2A-89D4-B7AC723C2037}" type="datetimeFigureOut">
               <a:rPr lang="zh-TW" altLang="en-US" smtClean="0"/>
-              <a:t>2017/10/25</a:t>
+              <a:t>2017/10/26</a:t>
             </a:fld>
             <a:endParaRPr lang="zh-TW" altLang="en-US"/>
           </a:p>
@@ -4826,7 +4832,7 @@
           <a:p>
             <a:fld id="{8F36CA70-87DC-4D2A-89D4-B7AC723C2037}" type="datetimeFigureOut">
               <a:rPr lang="zh-TW" altLang="en-US" smtClean="0"/>
-              <a:t>2017/10/25</a:t>
+              <a:t>2017/10/26</a:t>
             </a:fld>
             <a:endParaRPr lang="zh-TW" altLang="en-US"/>
           </a:p>
@@ -5034,7 +5040,7 @@
           <a:p>
             <a:fld id="{8F36CA70-87DC-4D2A-89D4-B7AC723C2037}" type="datetimeFigureOut">
               <a:rPr lang="zh-TW" altLang="en-US" smtClean="0"/>
-              <a:t>2017/10/25</a:t>
+              <a:t>2017/10/26</a:t>
             </a:fld>
             <a:endParaRPr lang="zh-TW" altLang="en-US"/>
           </a:p>
@@ -5232,7 +5238,7 @@
           <a:p>
             <a:fld id="{8F36CA70-87DC-4D2A-89D4-B7AC723C2037}" type="datetimeFigureOut">
               <a:rPr lang="zh-TW" altLang="en-US" smtClean="0"/>
-              <a:t>2017/10/25</a:t>
+              <a:t>2017/10/26</a:t>
             </a:fld>
             <a:endParaRPr lang="zh-TW" altLang="en-US"/>
           </a:p>
@@ -5507,7 +5513,7 @@
           <a:p>
             <a:fld id="{8F36CA70-87DC-4D2A-89D4-B7AC723C2037}" type="datetimeFigureOut">
               <a:rPr lang="zh-TW" altLang="en-US" smtClean="0"/>
-              <a:t>2017/10/25</a:t>
+              <a:t>2017/10/26</a:t>
             </a:fld>
             <a:endParaRPr lang="zh-TW" altLang="en-US"/>
           </a:p>
@@ -5772,7 +5778,7 @@
           <a:p>
             <a:fld id="{8F36CA70-87DC-4D2A-89D4-B7AC723C2037}" type="datetimeFigureOut">
               <a:rPr lang="zh-TW" altLang="en-US" smtClean="0"/>
-              <a:t>2017/10/25</a:t>
+              <a:t>2017/10/26</a:t>
             </a:fld>
             <a:endParaRPr lang="zh-TW" altLang="en-US"/>
           </a:p>
@@ -6184,7 +6190,7 @@
           <a:p>
             <a:fld id="{8F36CA70-87DC-4D2A-89D4-B7AC723C2037}" type="datetimeFigureOut">
               <a:rPr lang="zh-TW" altLang="en-US" smtClean="0"/>
-              <a:t>2017/10/25</a:t>
+              <a:t>2017/10/26</a:t>
             </a:fld>
             <a:endParaRPr lang="zh-TW" altLang="en-US"/>
           </a:p>
@@ -6325,7 +6331,7 @@
           <a:p>
             <a:fld id="{8F36CA70-87DC-4D2A-89D4-B7AC723C2037}" type="datetimeFigureOut">
               <a:rPr lang="zh-TW" altLang="en-US" smtClean="0"/>
-              <a:t>2017/10/25</a:t>
+              <a:t>2017/10/26</a:t>
             </a:fld>
             <a:endParaRPr lang="zh-TW" altLang="en-US"/>
           </a:p>
@@ -6438,7 +6444,7 @@
           <a:p>
             <a:fld id="{8F36CA70-87DC-4D2A-89D4-B7AC723C2037}" type="datetimeFigureOut">
               <a:rPr lang="zh-TW" altLang="en-US" smtClean="0"/>
-              <a:t>2017/10/25</a:t>
+              <a:t>2017/10/26</a:t>
             </a:fld>
             <a:endParaRPr lang="zh-TW" altLang="en-US"/>
           </a:p>
@@ -6749,7 +6755,7 @@
           <a:p>
             <a:fld id="{8F36CA70-87DC-4D2A-89D4-B7AC723C2037}" type="datetimeFigureOut">
               <a:rPr lang="zh-TW" altLang="en-US" smtClean="0"/>
-              <a:t>2017/10/25</a:t>
+              <a:t>2017/10/26</a:t>
             </a:fld>
             <a:endParaRPr lang="zh-TW" altLang="en-US"/>
           </a:p>
@@ -7037,7 +7043,7 @@
           <a:p>
             <a:fld id="{8F36CA70-87DC-4D2A-89D4-B7AC723C2037}" type="datetimeFigureOut">
               <a:rPr lang="zh-TW" altLang="en-US" smtClean="0"/>
-              <a:t>2017/10/25</a:t>
+              <a:t>2017/10/26</a:t>
             </a:fld>
             <a:endParaRPr lang="zh-TW" altLang="en-US"/>
           </a:p>
@@ -7278,7 +7284,7 @@
           <a:p>
             <a:fld id="{8F36CA70-87DC-4D2A-89D4-B7AC723C2037}" type="datetimeFigureOut">
               <a:rPr lang="zh-TW" altLang="en-US" smtClean="0"/>
-              <a:t>2017/10/25</a:t>
+              <a:t>2017/10/26</a:t>
             </a:fld>
             <a:endParaRPr lang="zh-TW" altLang="en-US"/>
           </a:p>
@@ -7713,7 +7719,7 @@
         </p:nvSpPr>
         <p:spPr>
           <a:xfrm>
-            <a:off x="1452439" y="1655100"/>
+            <a:off x="0" y="1738228"/>
             <a:ext cx="9144000" cy="2387600"/>
           </a:xfrm>
         </p:spPr>
@@ -7761,15 +7767,90 @@
         </p:nvSpPr>
         <p:spPr>
           <a:xfrm>
-            <a:off x="1317267" y="3482769"/>
-            <a:ext cx="9144000" cy="1655762"/>
+            <a:off x="2491440" y="3482769"/>
+            <a:ext cx="9125596" cy="943758"/>
           </a:xfrm>
         </p:spPr>
         <p:txBody>
           <a:bodyPr/>
           <a:lstStyle/>
           <a:p>
-            <a:endParaRPr lang="zh-TW" altLang="en-US" dirty="0"/>
+            <a:r>
+              <a:rPr lang="zh-TW" altLang="en-US" dirty="0">
+                <a:solidFill>
+                  <a:schemeClr val="tx2">
+                    <a:lumMod val="50000"/>
+                  </a:schemeClr>
+                </a:solidFill>
+                <a:effectLst>
+                  <a:outerShdw blurRad="38100" dist="38100" dir="2700000" algn="tl">
+                    <a:srgbClr val="000000">
+                      <a:alpha val="43137"/>
+                    </a:srgbClr>
+                  </a:outerShdw>
+                </a:effectLst>
+                <a:latin typeface="標楷體" panose="03000509000000000000" pitchFamily="65" charset="-120"/>
+                <a:ea typeface="標楷體" panose="03000509000000000000" pitchFamily="65" charset="-120"/>
+              </a:rPr>
+              <a:t>個人的野心往往能促使公共利益，他們甚至還打算競爭幾局</a:t>
+            </a:r>
+            <a:endParaRPr lang="en-US" altLang="zh-TW" dirty="0">
+              <a:solidFill>
+                <a:schemeClr val="tx2">
+                  <a:lumMod val="50000"/>
+                </a:schemeClr>
+              </a:solidFill>
+              <a:effectLst>
+                <a:outerShdw blurRad="38100" dist="38100" dir="2700000" algn="tl">
+                  <a:srgbClr val="000000">
+                    <a:alpha val="43137"/>
+                  </a:srgbClr>
+                </a:outerShdw>
+              </a:effectLst>
+              <a:latin typeface="標楷體" panose="03000509000000000000" pitchFamily="65" charset="-120"/>
+              <a:ea typeface="標楷體" panose="03000509000000000000" pitchFamily="65" charset="-120"/>
+            </a:endParaRPr>
+          </a:p>
+          <a:p>
+            <a:pPr algn="r"/>
+            <a:r>
+              <a:rPr lang="en-US" altLang="zh-TW" dirty="0">
+                <a:solidFill>
+                  <a:schemeClr val="tx2">
+                    <a:lumMod val="50000"/>
+                  </a:schemeClr>
+                </a:solidFill>
+                <a:effectLst>
+                  <a:outerShdw blurRad="38100" dist="38100" dir="2700000" algn="tl">
+                    <a:srgbClr val="000000">
+                      <a:alpha val="43137"/>
+                    </a:srgbClr>
+                  </a:outerShdw>
+                </a:effectLst>
+                <a:latin typeface="標楷體" panose="03000509000000000000" pitchFamily="65" charset="-120"/>
+                <a:ea typeface="標楷體" panose="03000509000000000000" pitchFamily="65" charset="-120"/>
+              </a:rPr>
+              <a:t>-</a:t>
+            </a:r>
+            <a:r>
+              <a:rPr lang="zh-TW" altLang="en-US" dirty="0">
+                <a:solidFill>
+                  <a:schemeClr val="tx2">
+                    <a:lumMod val="50000"/>
+                  </a:schemeClr>
+                </a:solidFill>
+                <a:effectLst>
+                  <a:outerShdw blurRad="38100" dist="38100" dir="2700000" algn="tl">
+                    <a:srgbClr val="000000">
+                      <a:alpha val="43137"/>
+                    </a:srgbClr>
+                  </a:outerShdw>
+                </a:effectLst>
+                <a:latin typeface="標楷體" panose="03000509000000000000" pitchFamily="65" charset="-120"/>
+                <a:ea typeface="標楷體" panose="03000509000000000000" pitchFamily="65" charset="-120"/>
+              </a:rPr>
+              <a:t>亞當斯密</a:t>
+            </a:r>
           </a:p>
         </p:txBody>
       </p:sp>
@@ -8272,7 +8353,12 @@
             <p:ph type="title"/>
           </p:nvPr>
         </p:nvSpPr>
-        <p:spPr/>
+        <p:spPr>
+          <a:xfrm>
+            <a:off x="838200" y="365125"/>
+            <a:ext cx="10515600" cy="1325563"/>
+          </a:xfrm>
+        </p:spPr>
         <p:txBody>
           <a:bodyPr/>
           <a:lstStyle/>
@@ -8314,13 +8400,13 @@
             <p:ph idx="1"/>
             <p:extLst>
               <p:ext uri="{D42A27DB-BD31-4B8C-83A1-F6EECF244321}">
-                <p14:modId xmlns:p14="http://schemas.microsoft.com/office/powerpoint/2010/main" val="1944450100"/>
+                <p14:modId xmlns:p14="http://schemas.microsoft.com/office/powerpoint/2010/main" val="1643541141"/>
               </p:ext>
             </p:extLst>
           </p:nvPr>
         </p:nvGraphicFramePr>
         <p:xfrm>
-          <a:off x="838199" y="1825624"/>
+          <a:off x="484909" y="1690688"/>
           <a:ext cx="10997045" cy="4876511"/>
         </p:xfrm>
         <a:graphic>
@@ -8343,7 +8429,7 @@
         </p:nvSpPr>
         <p:spPr>
           <a:xfrm>
-            <a:off x="6653647" y="3063550"/>
+            <a:off x="6300357" y="2928614"/>
             <a:ext cx="3425536" cy="1200329"/>
           </a:xfrm>
           <a:prstGeom prst="rect">
@@ -8478,36 +8564,57 @@
               <a:buNone/>
             </a:pPr>
             <a:r>
-              <a:rPr lang="zh-TW" altLang="en-US" dirty="0"/>
+              <a:rPr lang="zh-TW" altLang="en-US" dirty="0">
+                <a:latin typeface="標楷體" panose="03000509000000000000" pitchFamily="65" charset="-120"/>
+                <a:ea typeface="標楷體" panose="03000509000000000000" pitchFamily="65" charset="-120"/>
+              </a:rPr>
               <a:t>鴻海在美設廠，必須雇用當地勞工</a:t>
             </a:r>
-            <a:endParaRPr lang="en-US" altLang="zh-TW" dirty="0"/>
+            <a:endParaRPr lang="en-US" altLang="zh-TW" dirty="0">
+              <a:latin typeface="標楷體" panose="03000509000000000000" pitchFamily="65" charset="-120"/>
+              <a:ea typeface="標楷體" panose="03000509000000000000" pitchFamily="65" charset="-120"/>
+            </a:endParaRPr>
           </a:p>
           <a:p>
             <a:pPr marL="0" indent="0">
               <a:buNone/>
             </a:pPr>
             <a:r>
-              <a:rPr lang="zh-TW" altLang="en-US" dirty="0"/>
+              <a:rPr lang="zh-TW" altLang="en-US" dirty="0">
+                <a:latin typeface="標楷體" panose="03000509000000000000" pitchFamily="65" charset="-120"/>
+                <a:ea typeface="標楷體" panose="03000509000000000000" pitchFamily="65" charset="-120"/>
+              </a:rPr>
               <a:t>強大的水力資源</a:t>
             </a:r>
-            <a:endParaRPr lang="en-US" altLang="zh-TW" dirty="0"/>
+            <a:endParaRPr lang="en-US" altLang="zh-TW" dirty="0">
+              <a:latin typeface="標楷體" panose="03000509000000000000" pitchFamily="65" charset="-120"/>
+              <a:ea typeface="標楷體" panose="03000509000000000000" pitchFamily="65" charset="-120"/>
+            </a:endParaRPr>
           </a:p>
           <a:p>
             <a:pPr marL="0" indent="0">
               <a:buNone/>
             </a:pPr>
-            <a:endParaRPr lang="en-US" altLang="zh-TW" dirty="0"/>
+            <a:endParaRPr lang="en-US" altLang="zh-TW" dirty="0">
+              <a:latin typeface="標楷體" panose="03000509000000000000" pitchFamily="65" charset="-120"/>
+              <a:ea typeface="標楷體" panose="03000509000000000000" pitchFamily="65" charset="-120"/>
+            </a:endParaRPr>
           </a:p>
           <a:p>
             <a:pPr marL="0" indent="0">
               <a:buNone/>
             </a:pPr>
             <a:r>
-              <a:rPr lang="zh-TW" altLang="en-US" dirty="0"/>
+              <a:rPr lang="zh-TW" altLang="en-US" dirty="0">
+                <a:latin typeface="標楷體" panose="03000509000000000000" pitchFamily="65" charset="-120"/>
+                <a:ea typeface="標楷體" panose="03000509000000000000" pitchFamily="65" charset="-120"/>
+              </a:rPr>
               <a:t>一例一休政策  搭配台幣匯率高使台股破萬點</a:t>
             </a:r>
-            <a:endParaRPr lang="en-US" altLang="zh-TW" dirty="0"/>
+            <a:endParaRPr lang="en-US" altLang="zh-TW" dirty="0">
+              <a:latin typeface="標楷體" panose="03000509000000000000" pitchFamily="65" charset="-120"/>
+              <a:ea typeface="標楷體" panose="03000509000000000000" pitchFamily="65" charset="-120"/>
+            </a:endParaRPr>
           </a:p>
           <a:p>
             <a:pPr marL="0" indent="0">
@@ -8521,86 +8628,6 @@
     <p:extLst>
       <p:ext uri="{BB962C8B-B14F-4D97-AF65-F5344CB8AC3E}">
         <p14:creationId xmlns:p14="http://schemas.microsoft.com/office/powerpoint/2010/main" val="3890385118"/>
-      </p:ext>
-    </p:extLst>
-  </p:cSld>
-  <p:clrMapOvr>
-    <a:masterClrMapping/>
-  </p:clrMapOvr>
-</p:sld>
-</file>
-
-<file path=ppt/slides/slide6.xml><?xml version="1.0" encoding="utf-8"?>
-<p:sld xmlns:a="http://schemas.openxmlformats.org/drawingml/2006/main" xmlns:r="http://schemas.openxmlformats.org/officeDocument/2006/relationships" xmlns:p="http://schemas.openxmlformats.org/presentationml/2006/main">
-  <p:cSld>
-    <p:spTree>
-      <p:nvGrpSpPr>
-        <p:cNvPr id="1" name=""/>
-        <p:cNvGrpSpPr/>
-        <p:nvPr/>
-      </p:nvGrpSpPr>
-      <p:grpSpPr>
-        <a:xfrm>
-          <a:off x="0" y="0"/>
-          <a:ext cx="0" cy="0"/>
-          <a:chOff x="0" y="0"/>
-          <a:chExt cx="0" cy="0"/>
-        </a:xfrm>
-      </p:grpSpPr>
-      <p:sp>
-        <p:nvSpPr>
-          <p:cNvPr id="2" name="標題 1">
-            <a:extLst>
-              <a:ext uri="{FF2B5EF4-FFF2-40B4-BE49-F238E27FC236}">
-                <a16:creationId xmlns:a16="http://schemas.microsoft.com/office/drawing/2014/main" id="{9C9C104B-CD64-439E-B0D6-4CB95072C567}"/>
-              </a:ext>
-            </a:extLst>
-          </p:cNvPr>
-          <p:cNvSpPr>
-            <a:spLocks noGrp="1"/>
-          </p:cNvSpPr>
-          <p:nvPr>
-            <p:ph type="title"/>
-          </p:nvPr>
-        </p:nvSpPr>
-        <p:spPr/>
-        <p:txBody>
-          <a:bodyPr/>
-          <a:lstStyle/>
-          <a:p>
-            <a:endParaRPr lang="zh-TW" altLang="en-US" dirty="0"/>
-          </a:p>
-        </p:txBody>
-      </p:sp>
-      <p:sp>
-        <p:nvSpPr>
-          <p:cNvPr id="3" name="內容版面配置區 2">
-            <a:extLst>
-              <a:ext uri="{FF2B5EF4-FFF2-40B4-BE49-F238E27FC236}">
-                <a16:creationId xmlns:a16="http://schemas.microsoft.com/office/drawing/2014/main" id="{A3EF6D01-6240-4885-85AE-EFFD441AE5D1}"/>
-              </a:ext>
-            </a:extLst>
-          </p:cNvPr>
-          <p:cNvSpPr>
-            <a:spLocks noGrp="1"/>
-          </p:cNvSpPr>
-          <p:nvPr>
-            <p:ph idx="1"/>
-          </p:nvPr>
-        </p:nvSpPr>
-        <p:spPr/>
-        <p:txBody>
-          <a:bodyPr/>
-          <a:lstStyle/>
-          <a:p>
-            <a:endParaRPr lang="zh-TW" altLang="en-US" dirty="0"/>
-          </a:p>
-        </p:txBody>
-      </p:sp>
-    </p:spTree>
-    <p:extLst>
-      <p:ext uri="{BB962C8B-B14F-4D97-AF65-F5344CB8AC3E}">
-        <p14:creationId xmlns:p14="http://schemas.microsoft.com/office/powerpoint/2010/main" val="856038022"/>
       </p:ext>
     </p:extLst>
   </p:cSld>

--- a/政府產業政策簡報.pptx
+++ b/政府產業政策簡報.pptx
@@ -5,7 +5,7 @@
     <p:sldMasterId id="2147483648" r:id="rId1"/>
   </p:sldMasterIdLst>
   <p:notesMasterIdLst>
-    <p:notesMasterId r:id="rId7"/>
+    <p:notesMasterId r:id="rId9"/>
   </p:notesMasterIdLst>
   <p:sldIdLst>
     <p:sldId id="256" r:id="rId2"/>
@@ -13,6 +13,8 @@
     <p:sldId id="258" r:id="rId4"/>
     <p:sldId id="259" r:id="rId5"/>
     <p:sldId id="260" r:id="rId6"/>
+    <p:sldId id="261" r:id="rId7"/>
+    <p:sldId id="262" r:id="rId8"/>
   </p:sldIdLst>
   <p:sldSz cx="12192000" cy="6858000"/>
   <p:notesSz cx="6858000" cy="9144000"/>
@@ -3771,7 +3773,7 @@
           <a:p>
             <a:fld id="{36029EE1-9DFC-4898-B056-1769C4735C9A}" type="datetimeFigureOut">
               <a:rPr lang="zh-TW" altLang="en-US" smtClean="0"/>
-              <a:t>2017/10/26</a:t>
+              <a:t>2017/10/27</a:t>
             </a:fld>
             <a:endParaRPr lang="zh-TW" altLang="en-US"/>
           </a:p>
@@ -4487,6 +4489,174 @@
 </p:notes>
 </file>
 
+<file path=ppt/notesSlides/notesSlide4.xml><?xml version="1.0" encoding="utf-8"?>
+<p:notes xmlns:a="http://schemas.openxmlformats.org/drawingml/2006/main" xmlns:r="http://schemas.openxmlformats.org/officeDocument/2006/relationships" xmlns:p="http://schemas.openxmlformats.org/presentationml/2006/main">
+  <p:cSld>
+    <p:spTree>
+      <p:nvGrpSpPr>
+        <p:cNvPr id="1" name=""/>
+        <p:cNvGrpSpPr/>
+        <p:nvPr/>
+      </p:nvGrpSpPr>
+      <p:grpSpPr>
+        <a:xfrm>
+          <a:off x="0" y="0"/>
+          <a:ext cx="0" cy="0"/>
+          <a:chOff x="0" y="0"/>
+          <a:chExt cx="0" cy="0"/>
+        </a:xfrm>
+      </p:grpSpPr>
+      <p:sp>
+        <p:nvSpPr>
+          <p:cNvPr id="2" name="投影片影像版面配置區 1"/>
+          <p:cNvSpPr>
+            <a:spLocks noGrp="1" noRot="1" noChangeAspect="1"/>
+          </p:cNvSpPr>
+          <p:nvPr>
+            <p:ph type="sldImg"/>
+          </p:nvPr>
+        </p:nvSpPr>
+        <p:spPr/>
+      </p:sp>
+      <p:sp>
+        <p:nvSpPr>
+          <p:cNvPr id="3" name="備忘稿版面配置區 2"/>
+          <p:cNvSpPr>
+            <a:spLocks noGrp="1"/>
+          </p:cNvSpPr>
+          <p:nvPr>
+            <p:ph type="body" idx="1"/>
+          </p:nvPr>
+        </p:nvSpPr>
+        <p:spPr/>
+        <p:txBody>
+          <a:bodyPr/>
+          <a:lstStyle/>
+          <a:p>
+            <a:endParaRPr lang="zh-TW" altLang="en-US" dirty="0"/>
+          </a:p>
+        </p:txBody>
+      </p:sp>
+      <p:sp>
+        <p:nvSpPr>
+          <p:cNvPr id="4" name="投影片編號版面配置區 3"/>
+          <p:cNvSpPr>
+            <a:spLocks noGrp="1"/>
+          </p:cNvSpPr>
+          <p:nvPr>
+            <p:ph type="sldNum" sz="quarter" idx="10"/>
+          </p:nvPr>
+        </p:nvSpPr>
+        <p:spPr/>
+        <p:txBody>
+          <a:bodyPr/>
+          <a:lstStyle/>
+          <a:p>
+            <a:fld id="{0236D9B0-CA5C-45AB-BF9A-C0BCA89437F0}" type="slidenum">
+              <a:rPr lang="zh-TW" altLang="en-US" smtClean="0"/>
+              <a:t>6</a:t>
+            </a:fld>
+            <a:endParaRPr lang="zh-TW" altLang="en-US"/>
+          </a:p>
+        </p:txBody>
+      </p:sp>
+    </p:spTree>
+    <p:extLst>
+      <p:ext uri="{BB962C8B-B14F-4D97-AF65-F5344CB8AC3E}">
+        <p14:creationId xmlns:p14="http://schemas.microsoft.com/office/powerpoint/2010/main" val="4287202837"/>
+      </p:ext>
+    </p:extLst>
+  </p:cSld>
+  <p:clrMapOvr>
+    <a:masterClrMapping/>
+  </p:clrMapOvr>
+</p:notes>
+</file>
+
+<file path=ppt/notesSlides/notesSlide5.xml><?xml version="1.0" encoding="utf-8"?>
+<p:notes xmlns:a="http://schemas.openxmlformats.org/drawingml/2006/main" xmlns:r="http://schemas.openxmlformats.org/officeDocument/2006/relationships" xmlns:p="http://schemas.openxmlformats.org/presentationml/2006/main">
+  <p:cSld>
+    <p:spTree>
+      <p:nvGrpSpPr>
+        <p:cNvPr id="1" name=""/>
+        <p:cNvGrpSpPr/>
+        <p:nvPr/>
+      </p:nvGrpSpPr>
+      <p:grpSpPr>
+        <a:xfrm>
+          <a:off x="0" y="0"/>
+          <a:ext cx="0" cy="0"/>
+          <a:chOff x="0" y="0"/>
+          <a:chExt cx="0" cy="0"/>
+        </a:xfrm>
+      </p:grpSpPr>
+      <p:sp>
+        <p:nvSpPr>
+          <p:cNvPr id="2" name="投影片影像版面配置區 1"/>
+          <p:cNvSpPr>
+            <a:spLocks noGrp="1" noRot="1" noChangeAspect="1"/>
+          </p:cNvSpPr>
+          <p:nvPr>
+            <p:ph type="sldImg"/>
+          </p:nvPr>
+        </p:nvSpPr>
+        <p:spPr/>
+      </p:sp>
+      <p:sp>
+        <p:nvSpPr>
+          <p:cNvPr id="3" name="備忘稿版面配置區 2"/>
+          <p:cNvSpPr>
+            <a:spLocks noGrp="1"/>
+          </p:cNvSpPr>
+          <p:nvPr>
+            <p:ph type="body" idx="1"/>
+          </p:nvPr>
+        </p:nvSpPr>
+        <p:spPr/>
+        <p:txBody>
+          <a:bodyPr/>
+          <a:lstStyle/>
+          <a:p>
+            <a:endParaRPr lang="zh-TW" altLang="en-US" dirty="0"/>
+          </a:p>
+        </p:txBody>
+      </p:sp>
+      <p:sp>
+        <p:nvSpPr>
+          <p:cNvPr id="4" name="投影片編號版面配置區 3"/>
+          <p:cNvSpPr>
+            <a:spLocks noGrp="1"/>
+          </p:cNvSpPr>
+          <p:nvPr>
+            <p:ph type="sldNum" sz="quarter" idx="10"/>
+          </p:nvPr>
+        </p:nvSpPr>
+        <p:spPr/>
+        <p:txBody>
+          <a:bodyPr/>
+          <a:lstStyle/>
+          <a:p>
+            <a:fld id="{0236D9B0-CA5C-45AB-BF9A-C0BCA89437F0}" type="slidenum">
+              <a:rPr lang="zh-TW" altLang="en-US" smtClean="0"/>
+              <a:t>7</a:t>
+            </a:fld>
+            <a:endParaRPr lang="zh-TW" altLang="en-US"/>
+          </a:p>
+        </p:txBody>
+      </p:sp>
+    </p:spTree>
+    <p:extLst>
+      <p:ext uri="{BB962C8B-B14F-4D97-AF65-F5344CB8AC3E}">
+        <p14:creationId xmlns:p14="http://schemas.microsoft.com/office/powerpoint/2010/main" val="3694496135"/>
+      </p:ext>
+    </p:extLst>
+  </p:cSld>
+  <p:clrMapOvr>
+    <a:masterClrMapping/>
+  </p:clrMapOvr>
+</p:notes>
+</file>
+
 <file path=ppt/slideLayouts/slideLayout1.xml><?xml version="1.0" encoding="utf-8"?>
 <p:sldLayout xmlns:a="http://schemas.openxmlformats.org/drawingml/2006/main" xmlns:r="http://schemas.openxmlformats.org/officeDocument/2006/relationships" xmlns:p="http://schemas.openxmlformats.org/presentationml/2006/main" type="title" preserve="1">
   <p:cSld name="標題投影片">
@@ -4634,7 +4804,7 @@
           <a:p>
             <a:fld id="{8F36CA70-87DC-4D2A-89D4-B7AC723C2037}" type="datetimeFigureOut">
               <a:rPr lang="zh-TW" altLang="en-US" smtClean="0"/>
-              <a:t>2017/10/26</a:t>
+              <a:t>2017/10/27</a:t>
             </a:fld>
             <a:endParaRPr lang="zh-TW" altLang="en-US"/>
           </a:p>
@@ -4832,7 +5002,7 @@
           <a:p>
             <a:fld id="{8F36CA70-87DC-4D2A-89D4-B7AC723C2037}" type="datetimeFigureOut">
               <a:rPr lang="zh-TW" altLang="en-US" smtClean="0"/>
-              <a:t>2017/10/26</a:t>
+              <a:t>2017/10/27</a:t>
             </a:fld>
             <a:endParaRPr lang="zh-TW" altLang="en-US"/>
           </a:p>
@@ -5040,7 +5210,7 @@
           <a:p>
             <a:fld id="{8F36CA70-87DC-4D2A-89D4-B7AC723C2037}" type="datetimeFigureOut">
               <a:rPr lang="zh-TW" altLang="en-US" smtClean="0"/>
-              <a:t>2017/10/26</a:t>
+              <a:t>2017/10/27</a:t>
             </a:fld>
             <a:endParaRPr lang="zh-TW" altLang="en-US"/>
           </a:p>
@@ -5238,7 +5408,7 @@
           <a:p>
             <a:fld id="{8F36CA70-87DC-4D2A-89D4-B7AC723C2037}" type="datetimeFigureOut">
               <a:rPr lang="zh-TW" altLang="en-US" smtClean="0"/>
-              <a:t>2017/10/26</a:t>
+              <a:t>2017/10/27</a:t>
             </a:fld>
             <a:endParaRPr lang="zh-TW" altLang="en-US"/>
           </a:p>
@@ -5513,7 +5683,7 @@
           <a:p>
             <a:fld id="{8F36CA70-87DC-4D2A-89D4-B7AC723C2037}" type="datetimeFigureOut">
               <a:rPr lang="zh-TW" altLang="en-US" smtClean="0"/>
-              <a:t>2017/10/26</a:t>
+              <a:t>2017/10/27</a:t>
             </a:fld>
             <a:endParaRPr lang="zh-TW" altLang="en-US"/>
           </a:p>
@@ -5778,7 +5948,7 @@
           <a:p>
             <a:fld id="{8F36CA70-87DC-4D2A-89D4-B7AC723C2037}" type="datetimeFigureOut">
               <a:rPr lang="zh-TW" altLang="en-US" smtClean="0"/>
-              <a:t>2017/10/26</a:t>
+              <a:t>2017/10/27</a:t>
             </a:fld>
             <a:endParaRPr lang="zh-TW" altLang="en-US"/>
           </a:p>
@@ -6190,7 +6360,7 @@
           <a:p>
             <a:fld id="{8F36CA70-87DC-4D2A-89D4-B7AC723C2037}" type="datetimeFigureOut">
               <a:rPr lang="zh-TW" altLang="en-US" smtClean="0"/>
-              <a:t>2017/10/26</a:t>
+              <a:t>2017/10/27</a:t>
             </a:fld>
             <a:endParaRPr lang="zh-TW" altLang="en-US"/>
           </a:p>
@@ -6331,7 +6501,7 @@
           <a:p>
             <a:fld id="{8F36CA70-87DC-4D2A-89D4-B7AC723C2037}" type="datetimeFigureOut">
               <a:rPr lang="zh-TW" altLang="en-US" smtClean="0"/>
-              <a:t>2017/10/26</a:t>
+              <a:t>2017/10/27</a:t>
             </a:fld>
             <a:endParaRPr lang="zh-TW" altLang="en-US"/>
           </a:p>
@@ -6444,7 +6614,7 @@
           <a:p>
             <a:fld id="{8F36CA70-87DC-4D2A-89D4-B7AC723C2037}" type="datetimeFigureOut">
               <a:rPr lang="zh-TW" altLang="en-US" smtClean="0"/>
-              <a:t>2017/10/26</a:t>
+              <a:t>2017/10/27</a:t>
             </a:fld>
             <a:endParaRPr lang="zh-TW" altLang="en-US"/>
           </a:p>
@@ -6755,7 +6925,7 @@
           <a:p>
             <a:fld id="{8F36CA70-87DC-4D2A-89D4-B7AC723C2037}" type="datetimeFigureOut">
               <a:rPr lang="zh-TW" altLang="en-US" smtClean="0"/>
-              <a:t>2017/10/26</a:t>
+              <a:t>2017/10/27</a:t>
             </a:fld>
             <a:endParaRPr lang="zh-TW" altLang="en-US"/>
           </a:p>
@@ -7043,7 +7213,7 @@
           <a:p>
             <a:fld id="{8F36CA70-87DC-4D2A-89D4-B7AC723C2037}" type="datetimeFigureOut">
               <a:rPr lang="zh-TW" altLang="en-US" smtClean="0"/>
-              <a:t>2017/10/26</a:t>
+              <a:t>2017/10/27</a:t>
             </a:fld>
             <a:endParaRPr lang="zh-TW" altLang="en-US"/>
           </a:p>
@@ -7284,7 +7454,7 @@
           <a:p>
             <a:fld id="{8F36CA70-87DC-4D2A-89D4-B7AC723C2037}" type="datetimeFigureOut">
               <a:rPr lang="zh-TW" altLang="en-US" smtClean="0"/>
-              <a:t>2017/10/26</a:t>
+              <a:t>2017/10/27</a:t>
             </a:fld>
             <a:endParaRPr lang="zh-TW" altLang="en-US"/>
           </a:p>
@@ -7812,7 +7982,25 @@
             </a:endParaRPr>
           </a:p>
           <a:p>
-            <a:pPr algn="r"/>
+            <a:r>
+              <a:rPr lang="zh-TW" altLang="en-US" dirty="0">
+                <a:solidFill>
+                  <a:schemeClr val="tx2">
+                    <a:lumMod val="50000"/>
+                  </a:schemeClr>
+                </a:solidFill>
+                <a:effectLst>
+                  <a:outerShdw blurRad="38100" dist="38100" dir="2700000" algn="tl">
+                    <a:srgbClr val="000000">
+                      <a:alpha val="43137"/>
+                    </a:srgbClr>
+                  </a:outerShdw>
+                </a:effectLst>
+                <a:latin typeface="標楷體" panose="03000509000000000000" pitchFamily="65" charset="-120"/>
+                <a:ea typeface="標楷體" panose="03000509000000000000" pitchFamily="65" charset="-120"/>
+              </a:rPr>
+              <a:t>                                           </a:t>
+            </a:r>
             <a:r>
               <a:rPr lang="en-US" altLang="zh-TW" dirty="0">
                 <a:solidFill>
@@ -7851,6 +8039,121 @@
               </a:rPr>
               <a:t>亞當斯密</a:t>
             </a:r>
+          </a:p>
+        </p:txBody>
+      </p:sp>
+      <p:sp>
+        <p:nvSpPr>
+          <p:cNvPr id="4" name="矩形 3">
+            <a:extLst>
+              <a:ext uri="{FF2B5EF4-FFF2-40B4-BE49-F238E27FC236}">
+                <a16:creationId xmlns:a16="http://schemas.microsoft.com/office/drawing/2014/main" id="{07D07BDD-2F6C-431A-B600-55BAFEA7E7A9}"/>
+              </a:ext>
+            </a:extLst>
+          </p:cNvPr>
+          <p:cNvSpPr/>
+          <p:nvPr/>
+        </p:nvSpPr>
+        <p:spPr>
+          <a:xfrm>
+            <a:off x="9121929" y="6488668"/>
+            <a:ext cx="2749471" cy="338554"/>
+          </a:xfrm>
+          <a:prstGeom prst="rect">
+            <a:avLst/>
+          </a:prstGeom>
+        </p:spPr>
+        <p:txBody>
+          <a:bodyPr wrap="none">
+            <a:spAutoFit/>
+          </a:bodyPr>
+          <a:lstStyle/>
+          <a:p>
+            <a:r>
+              <a:rPr lang="en-US" altLang="zh-TW" sz="1600" dirty="0">
+                <a:solidFill>
+                  <a:schemeClr val="tx2">
+                    <a:lumMod val="50000"/>
+                  </a:schemeClr>
+                </a:solidFill>
+                <a:effectLst>
+                  <a:outerShdw blurRad="38100" dist="38100" dir="2700000" algn="tl">
+                    <a:srgbClr val="000000">
+                      <a:alpha val="43137"/>
+                    </a:srgbClr>
+                  </a:outerShdw>
+                </a:effectLst>
+                <a:latin typeface="標楷體" panose="03000509000000000000" pitchFamily="65" charset="-120"/>
+                <a:ea typeface="標楷體" panose="03000509000000000000" pitchFamily="65" charset="-120"/>
+              </a:rPr>
+              <a:t>2310602031</a:t>
+            </a:r>
+            <a:r>
+              <a:rPr lang="zh-TW" altLang="en-US" sz="1600" dirty="0">
+                <a:solidFill>
+                  <a:schemeClr val="tx2">
+                    <a:lumMod val="50000"/>
+                  </a:schemeClr>
+                </a:solidFill>
+                <a:effectLst>
+                  <a:outerShdw blurRad="38100" dist="38100" dir="2700000" algn="tl">
+                    <a:srgbClr val="000000">
+                      <a:alpha val="43137"/>
+                    </a:srgbClr>
+                  </a:outerShdw>
+                </a:effectLst>
+                <a:latin typeface="標楷體" panose="03000509000000000000" pitchFamily="65" charset="-120"/>
+                <a:ea typeface="標楷體" panose="03000509000000000000" pitchFamily="65" charset="-120"/>
+              </a:rPr>
+              <a:t> 會資三</a:t>
+            </a:r>
+            <a:r>
+              <a:rPr lang="en-US" altLang="zh-TW" sz="1600" dirty="0">
+                <a:solidFill>
+                  <a:schemeClr val="tx2">
+                    <a:lumMod val="50000"/>
+                  </a:schemeClr>
+                </a:solidFill>
+                <a:effectLst>
+                  <a:outerShdw blurRad="38100" dist="38100" dir="2700000" algn="tl">
+                    <a:srgbClr val="000000">
+                      <a:alpha val="43137"/>
+                    </a:srgbClr>
+                  </a:outerShdw>
+                </a:effectLst>
+                <a:latin typeface="標楷體" panose="03000509000000000000" pitchFamily="65" charset="-120"/>
+                <a:ea typeface="標楷體" panose="03000509000000000000" pitchFamily="65" charset="-120"/>
+              </a:rPr>
+              <a:t>A</a:t>
+            </a:r>
+            <a:r>
+              <a:rPr lang="zh-TW" altLang="en-US" sz="1600" dirty="0">
+                <a:solidFill>
+                  <a:schemeClr val="tx2">
+                    <a:lumMod val="50000"/>
+                  </a:schemeClr>
+                </a:solidFill>
+                <a:effectLst>
+                  <a:outerShdw blurRad="38100" dist="38100" dir="2700000" algn="tl">
+                    <a:srgbClr val="000000">
+                      <a:alpha val="43137"/>
+                    </a:srgbClr>
+                  </a:outerShdw>
+                </a:effectLst>
+                <a:latin typeface="標楷體" panose="03000509000000000000" pitchFamily="65" charset="-120"/>
+                <a:ea typeface="標楷體" panose="03000509000000000000" pitchFamily="65" charset="-120"/>
+              </a:rPr>
+              <a:t> 謝嘉瑋</a:t>
+            </a:r>
+            <a:endParaRPr lang="zh-TW" altLang="en-US" sz="1600" dirty="0">
+              <a:effectLst>
+                <a:outerShdw blurRad="38100" dist="38100" dir="2700000" algn="tl">
+                  <a:srgbClr val="000000">
+                    <a:alpha val="43137"/>
+                  </a:srgbClr>
+                </a:outerShdw>
+              </a:effectLst>
+            </a:endParaRPr>
           </a:p>
         </p:txBody>
       </p:sp>
@@ -8628,6 +8931,157 @@
     <p:extLst>
       <p:ext uri="{BB962C8B-B14F-4D97-AF65-F5344CB8AC3E}">
         <p14:creationId xmlns:p14="http://schemas.microsoft.com/office/powerpoint/2010/main" val="3890385118"/>
+      </p:ext>
+    </p:extLst>
+  </p:cSld>
+  <p:clrMapOvr>
+    <a:masterClrMapping/>
+  </p:clrMapOvr>
+</p:sld>
+</file>
+
+<file path=ppt/slides/slide6.xml><?xml version="1.0" encoding="utf-8"?>
+<p:sld xmlns:a="http://schemas.openxmlformats.org/drawingml/2006/main" xmlns:r="http://schemas.openxmlformats.org/officeDocument/2006/relationships" xmlns:p="http://schemas.openxmlformats.org/presentationml/2006/main">
+  <p:cSld>
+    <p:spTree>
+      <p:nvGrpSpPr>
+        <p:cNvPr id="1" name=""/>
+        <p:cNvGrpSpPr/>
+        <p:nvPr/>
+      </p:nvGrpSpPr>
+      <p:grpSpPr>
+        <a:xfrm>
+          <a:off x="0" y="0"/>
+          <a:ext cx="0" cy="0"/>
+          <a:chOff x="0" y="0"/>
+          <a:chExt cx="0" cy="0"/>
+        </a:xfrm>
+      </p:grpSpPr>
+      <p:sp>
+        <p:nvSpPr>
+          <p:cNvPr id="3" name="內容版面配置區 2">
+            <a:extLst>
+              <a:ext uri="{FF2B5EF4-FFF2-40B4-BE49-F238E27FC236}">
+                <a16:creationId xmlns:a16="http://schemas.microsoft.com/office/drawing/2014/main" id="{82596985-1F2C-4A60-A6B4-4251A7214806}"/>
+              </a:ext>
+            </a:extLst>
+          </p:cNvPr>
+          <p:cNvSpPr>
+            <a:spLocks noGrp="1"/>
+          </p:cNvSpPr>
+          <p:nvPr>
+            <p:ph idx="1"/>
+          </p:nvPr>
+        </p:nvSpPr>
+        <p:spPr>
+          <a:xfrm>
+            <a:off x="838200" y="2760806"/>
+            <a:ext cx="10515600" cy="1042266"/>
+          </a:xfrm>
+        </p:spPr>
+        <p:txBody>
+          <a:bodyPr>
+            <a:noAutofit/>
+          </a:bodyPr>
+          <a:lstStyle/>
+          <a:p>
+            <a:pPr marL="0" indent="0" algn="ctr">
+              <a:buNone/>
+            </a:pPr>
+            <a:r>
+              <a:rPr lang="zh-TW" altLang="en-US" sz="9600" b="1" dirty="0">
+                <a:latin typeface="標楷體" panose="03000509000000000000" pitchFamily="65" charset="-120"/>
+                <a:ea typeface="標楷體" panose="03000509000000000000" pitchFamily="65" charset="-120"/>
+              </a:rPr>
+              <a:t>經典案例</a:t>
+            </a:r>
+          </a:p>
+        </p:txBody>
+      </p:sp>
+    </p:spTree>
+    <p:extLst>
+      <p:ext uri="{BB962C8B-B14F-4D97-AF65-F5344CB8AC3E}">
+        <p14:creationId xmlns:p14="http://schemas.microsoft.com/office/powerpoint/2010/main" val="4130281563"/>
+      </p:ext>
+    </p:extLst>
+  </p:cSld>
+  <p:clrMapOvr>
+    <a:masterClrMapping/>
+  </p:clrMapOvr>
+</p:sld>
+</file>
+
+<file path=ppt/slides/slide7.xml><?xml version="1.0" encoding="utf-8"?>
+<p:sld xmlns:a="http://schemas.openxmlformats.org/drawingml/2006/main" xmlns:r="http://schemas.openxmlformats.org/officeDocument/2006/relationships" xmlns:p="http://schemas.openxmlformats.org/presentationml/2006/main">
+  <p:cSld>
+    <p:spTree>
+      <p:nvGrpSpPr>
+        <p:cNvPr id="1" name=""/>
+        <p:cNvGrpSpPr/>
+        <p:nvPr/>
+      </p:nvGrpSpPr>
+      <p:grpSpPr>
+        <a:xfrm>
+          <a:off x="0" y="0"/>
+          <a:ext cx="0" cy="0"/>
+          <a:chOff x="0" y="0"/>
+          <a:chExt cx="0" cy="0"/>
+        </a:xfrm>
+      </p:grpSpPr>
+      <p:sp>
+        <p:nvSpPr>
+          <p:cNvPr id="2" name="標題 1">
+            <a:extLst>
+              <a:ext uri="{FF2B5EF4-FFF2-40B4-BE49-F238E27FC236}">
+                <a16:creationId xmlns:a16="http://schemas.microsoft.com/office/drawing/2014/main" id="{1380B149-283E-498B-8BA4-1FCB7F02C767}"/>
+              </a:ext>
+            </a:extLst>
+          </p:cNvPr>
+          <p:cNvSpPr>
+            <a:spLocks noGrp="1"/>
+          </p:cNvSpPr>
+          <p:nvPr>
+            <p:ph type="title"/>
+          </p:nvPr>
+        </p:nvSpPr>
+        <p:spPr/>
+        <p:txBody>
+          <a:bodyPr/>
+          <a:lstStyle/>
+          <a:p>
+            <a:endParaRPr lang="zh-TW" altLang="en-US"/>
+          </a:p>
+        </p:txBody>
+      </p:sp>
+      <p:sp>
+        <p:nvSpPr>
+          <p:cNvPr id="3" name="內容版面配置區 2">
+            <a:extLst>
+              <a:ext uri="{FF2B5EF4-FFF2-40B4-BE49-F238E27FC236}">
+                <a16:creationId xmlns:a16="http://schemas.microsoft.com/office/drawing/2014/main" id="{668F0366-F6AD-4DA4-93FA-AD1AF97FDDF2}"/>
+              </a:ext>
+            </a:extLst>
+          </p:cNvPr>
+          <p:cNvSpPr>
+            <a:spLocks noGrp="1"/>
+          </p:cNvSpPr>
+          <p:nvPr>
+            <p:ph idx="1"/>
+          </p:nvPr>
+        </p:nvSpPr>
+        <p:spPr/>
+        <p:txBody>
+          <a:bodyPr/>
+          <a:lstStyle/>
+          <a:p>
+            <a:endParaRPr lang="zh-TW" altLang="en-US" dirty="0"/>
+          </a:p>
+        </p:txBody>
+      </p:sp>
+    </p:spTree>
+    <p:extLst>
+      <p:ext uri="{BB962C8B-B14F-4D97-AF65-F5344CB8AC3E}">
+        <p14:creationId xmlns:p14="http://schemas.microsoft.com/office/powerpoint/2010/main" val="3084242119"/>
       </p:ext>
     </p:extLst>
   </p:cSld>

--- a/政府產業政策簡報.pptx
+++ b/政府產業政策簡報.pptx
@@ -5,7 +5,7 @@
     <p:sldMasterId id="2147483648" r:id="rId1"/>
   </p:sldMasterIdLst>
   <p:notesMasterIdLst>
-    <p:notesMasterId r:id="rId9"/>
+    <p:notesMasterId r:id="rId13"/>
   </p:notesMasterIdLst>
   <p:sldIdLst>
     <p:sldId id="256" r:id="rId2"/>
@@ -15,6 +15,10 @@
     <p:sldId id="260" r:id="rId6"/>
     <p:sldId id="261" r:id="rId7"/>
     <p:sldId id="262" r:id="rId8"/>
+    <p:sldId id="263" r:id="rId9"/>
+    <p:sldId id="264" r:id="rId10"/>
+    <p:sldId id="265" r:id="rId11"/>
+    <p:sldId id="266" r:id="rId12"/>
   </p:sldIdLst>
   <p:sldSz cx="12192000" cy="6858000"/>
   <p:notesSz cx="6858000" cy="9144000"/>
@@ -8170,6 +8174,300 @@
 </p:sld>
 </file>
 
+<file path=ppt/slides/slide10.xml><?xml version="1.0" encoding="utf-8"?>
+<p:sld xmlns:a="http://schemas.openxmlformats.org/drawingml/2006/main" xmlns:r="http://schemas.openxmlformats.org/officeDocument/2006/relationships" xmlns:p="http://schemas.openxmlformats.org/presentationml/2006/main">
+  <p:cSld>
+    <p:spTree>
+      <p:nvGrpSpPr>
+        <p:cNvPr id="1" name=""/>
+        <p:cNvGrpSpPr/>
+        <p:nvPr/>
+      </p:nvGrpSpPr>
+      <p:grpSpPr>
+        <a:xfrm>
+          <a:off x="0" y="0"/>
+          <a:ext cx="0" cy="0"/>
+          <a:chOff x="0" y="0"/>
+          <a:chExt cx="0" cy="0"/>
+        </a:xfrm>
+      </p:grpSpPr>
+      <p:sp>
+        <p:nvSpPr>
+          <p:cNvPr id="2" name="標題 1">
+            <a:extLst>
+              <a:ext uri="{FF2B5EF4-FFF2-40B4-BE49-F238E27FC236}">
+                <a16:creationId xmlns:a16="http://schemas.microsoft.com/office/drawing/2014/main" id="{DFDA35A7-0110-45F9-829D-2D3E44FA9E65}"/>
+              </a:ext>
+            </a:extLst>
+          </p:cNvPr>
+          <p:cNvSpPr>
+            <a:spLocks noGrp="1"/>
+          </p:cNvSpPr>
+          <p:nvPr>
+            <p:ph type="title"/>
+          </p:nvPr>
+        </p:nvSpPr>
+        <p:spPr>
+          <a:xfrm>
+            <a:off x="765464" y="188479"/>
+            <a:ext cx="10515600" cy="1325563"/>
+          </a:xfrm>
+        </p:spPr>
+        <p:txBody>
+          <a:bodyPr/>
+          <a:lstStyle/>
+          <a:p>
+            <a:pPr algn="ctr"/>
+            <a:r>
+              <a:rPr lang="en-US" altLang="zh-TW" b="1" dirty="0">
+                <a:latin typeface="Arial" panose="020B0604020202020204" pitchFamily="34" charset="0"/>
+                <a:cs typeface="Arial" panose="020B0604020202020204" pitchFamily="34" charset="0"/>
+              </a:rPr>
+              <a:t>AT&amp;T</a:t>
+            </a:r>
+            <a:endParaRPr lang="zh-TW" altLang="en-US" b="1" dirty="0">
+              <a:latin typeface="Arial" panose="020B0604020202020204" pitchFamily="34" charset="0"/>
+              <a:cs typeface="Arial" panose="020B0604020202020204" pitchFamily="34" charset="0"/>
+            </a:endParaRPr>
+          </a:p>
+        </p:txBody>
+      </p:sp>
+      <p:pic>
+        <p:nvPicPr>
+          <p:cNvPr id="5" name="內容版面配置區 4">
+            <a:extLst>
+              <a:ext uri="{FF2B5EF4-FFF2-40B4-BE49-F238E27FC236}">
+                <a16:creationId xmlns:a16="http://schemas.microsoft.com/office/drawing/2014/main" id="{C4E3735E-B1FE-48E1-A4B0-ED7B881035FE}"/>
+              </a:ext>
+            </a:extLst>
+          </p:cNvPr>
+          <p:cNvPicPr>
+            <a:picLocks noGrp="1" noChangeAspect="1"/>
+          </p:cNvPicPr>
+          <p:nvPr>
+            <p:ph idx="1"/>
+          </p:nvPr>
+        </p:nvPicPr>
+        <p:blipFill>
+          <a:blip r:embed="rId2">
+            <a:extLst>
+              <a:ext uri="{28A0092B-C50C-407E-A947-70E740481C1C}">
+                <a14:useLocalDpi xmlns:a14="http://schemas.microsoft.com/office/drawing/2010/main" val="0"/>
+              </a:ext>
+            </a:extLst>
+          </a:blip>
+          <a:stretch>
+            <a:fillRect/>
+          </a:stretch>
+        </p:blipFill>
+        <p:spPr>
+          <a:xfrm>
+            <a:off x="5066002" y="1313369"/>
+            <a:ext cx="1914524" cy="1914524"/>
+          </a:xfrm>
+        </p:spPr>
+      </p:pic>
+      <p:pic>
+        <p:nvPicPr>
+          <p:cNvPr id="6" name="內容版面配置區 4">
+            <a:extLst>
+              <a:ext uri="{FF2B5EF4-FFF2-40B4-BE49-F238E27FC236}">
+                <a16:creationId xmlns:a16="http://schemas.microsoft.com/office/drawing/2014/main" id="{9FEF8D00-1D65-4D61-9EEF-B19755E9701D}"/>
+              </a:ext>
+            </a:extLst>
+          </p:cNvPr>
+          <p:cNvPicPr>
+            <a:picLocks noChangeAspect="1"/>
+          </p:cNvPicPr>
+          <p:nvPr/>
+        </p:nvPicPr>
+        <p:blipFill>
+          <a:blip r:embed="rId2">
+            <a:extLst>
+              <a:ext uri="{28A0092B-C50C-407E-A947-70E740481C1C}">
+                <a14:useLocalDpi xmlns:a14="http://schemas.microsoft.com/office/drawing/2010/main" val="0"/>
+              </a:ext>
+            </a:extLst>
+          </a:blip>
+          <a:stretch>
+            <a:fillRect/>
+          </a:stretch>
+        </p:blipFill>
+        <p:spPr>
+          <a:xfrm>
+            <a:off x="1931087" y="3035874"/>
+            <a:ext cx="1924916" cy="1924916"/>
+          </a:xfrm>
+          <a:prstGeom prst="rect">
+            <a:avLst/>
+          </a:prstGeom>
+        </p:spPr>
+      </p:pic>
+      <p:pic>
+        <p:nvPicPr>
+          <p:cNvPr id="7" name="內容版面配置區 4">
+            <a:extLst>
+              <a:ext uri="{FF2B5EF4-FFF2-40B4-BE49-F238E27FC236}">
+                <a16:creationId xmlns:a16="http://schemas.microsoft.com/office/drawing/2014/main" id="{D0ED835D-C091-41D1-9DB8-586725675928}"/>
+              </a:ext>
+            </a:extLst>
+          </p:cNvPr>
+          <p:cNvPicPr>
+            <a:picLocks noChangeAspect="1"/>
+          </p:cNvPicPr>
+          <p:nvPr/>
+        </p:nvPicPr>
+        <p:blipFill>
+          <a:blip r:embed="rId2">
+            <a:extLst>
+              <a:ext uri="{28A0092B-C50C-407E-A947-70E740481C1C}">
+                <a14:useLocalDpi xmlns:a14="http://schemas.microsoft.com/office/drawing/2010/main" val="0"/>
+              </a:ext>
+            </a:extLst>
+          </a:blip>
+          <a:stretch>
+            <a:fillRect/>
+          </a:stretch>
+        </p:blipFill>
+        <p:spPr>
+          <a:xfrm>
+            <a:off x="7885186" y="3027219"/>
+            <a:ext cx="1933571" cy="1933571"/>
+          </a:xfrm>
+          <a:prstGeom prst="rect">
+            <a:avLst/>
+          </a:prstGeom>
+        </p:spPr>
+      </p:pic>
+      <p:pic>
+        <p:nvPicPr>
+          <p:cNvPr id="8" name="內容版面配置區 4">
+            <a:extLst>
+              <a:ext uri="{FF2B5EF4-FFF2-40B4-BE49-F238E27FC236}">
+                <a16:creationId xmlns:a16="http://schemas.microsoft.com/office/drawing/2014/main" id="{4BD2AB90-2F32-4AB1-A2B5-F6C69B084121}"/>
+              </a:ext>
+            </a:extLst>
+          </p:cNvPr>
+          <p:cNvPicPr>
+            <a:picLocks noChangeAspect="1"/>
+          </p:cNvPicPr>
+          <p:nvPr/>
+        </p:nvPicPr>
+        <p:blipFill>
+          <a:blip r:embed="rId2">
+            <a:extLst>
+              <a:ext uri="{28A0092B-C50C-407E-A947-70E740481C1C}">
+                <a14:useLocalDpi xmlns:a14="http://schemas.microsoft.com/office/drawing/2010/main" val="0"/>
+              </a:ext>
+            </a:extLst>
+          </a:blip>
+          <a:stretch>
+            <a:fillRect/>
+          </a:stretch>
+        </p:blipFill>
+        <p:spPr>
+          <a:xfrm>
+            <a:off x="5043814" y="4639327"/>
+            <a:ext cx="1958900" cy="1958900"/>
+          </a:xfrm>
+          <a:prstGeom prst="rect">
+            <a:avLst/>
+          </a:prstGeom>
+        </p:spPr>
+      </p:pic>
+    </p:spTree>
+    <p:extLst>
+      <p:ext uri="{BB962C8B-B14F-4D97-AF65-F5344CB8AC3E}">
+        <p14:creationId xmlns:p14="http://schemas.microsoft.com/office/powerpoint/2010/main" val="1681358231"/>
+      </p:ext>
+    </p:extLst>
+  </p:cSld>
+  <p:clrMapOvr>
+    <a:masterClrMapping/>
+  </p:clrMapOvr>
+</p:sld>
+</file>
+
+<file path=ppt/slides/slide11.xml><?xml version="1.0" encoding="utf-8"?>
+<p:sld xmlns:a="http://schemas.openxmlformats.org/drawingml/2006/main" xmlns:r="http://schemas.openxmlformats.org/officeDocument/2006/relationships" xmlns:p="http://schemas.openxmlformats.org/presentationml/2006/main">
+  <p:cSld>
+    <p:spTree>
+      <p:nvGrpSpPr>
+        <p:cNvPr id="1" name=""/>
+        <p:cNvGrpSpPr/>
+        <p:nvPr/>
+      </p:nvGrpSpPr>
+      <p:grpSpPr>
+        <a:xfrm>
+          <a:off x="0" y="0"/>
+          <a:ext cx="0" cy="0"/>
+          <a:chOff x="0" y="0"/>
+          <a:chExt cx="0" cy="0"/>
+        </a:xfrm>
+      </p:grpSpPr>
+      <p:sp>
+        <p:nvSpPr>
+          <p:cNvPr id="2" name="標題 1">
+            <a:extLst>
+              <a:ext uri="{FF2B5EF4-FFF2-40B4-BE49-F238E27FC236}">
+                <a16:creationId xmlns:a16="http://schemas.microsoft.com/office/drawing/2014/main" id="{5ADB5648-933C-4CF4-B99B-0FD8F3F773EB}"/>
+              </a:ext>
+            </a:extLst>
+          </p:cNvPr>
+          <p:cNvSpPr>
+            <a:spLocks noGrp="1"/>
+          </p:cNvSpPr>
+          <p:nvPr>
+            <p:ph type="title"/>
+          </p:nvPr>
+        </p:nvSpPr>
+        <p:spPr/>
+        <p:txBody>
+          <a:bodyPr/>
+          <a:lstStyle/>
+          <a:p>
+            <a:endParaRPr lang="zh-TW" altLang="en-US"/>
+          </a:p>
+        </p:txBody>
+      </p:sp>
+      <p:sp>
+        <p:nvSpPr>
+          <p:cNvPr id="3" name="內容版面配置區 2">
+            <a:extLst>
+              <a:ext uri="{FF2B5EF4-FFF2-40B4-BE49-F238E27FC236}">
+                <a16:creationId xmlns:a16="http://schemas.microsoft.com/office/drawing/2014/main" id="{6EAB655C-E507-4820-8F20-E3C3CCF484B6}"/>
+              </a:ext>
+            </a:extLst>
+          </p:cNvPr>
+          <p:cNvSpPr>
+            <a:spLocks noGrp="1"/>
+          </p:cNvSpPr>
+          <p:nvPr>
+            <p:ph idx="1"/>
+          </p:nvPr>
+        </p:nvSpPr>
+        <p:spPr/>
+        <p:txBody>
+          <a:bodyPr/>
+          <a:lstStyle/>
+          <a:p>
+            <a:endParaRPr lang="zh-TW" altLang="en-US"/>
+          </a:p>
+        </p:txBody>
+      </p:sp>
+    </p:spTree>
+    <p:extLst>
+      <p:ext uri="{BB962C8B-B14F-4D97-AF65-F5344CB8AC3E}">
+        <p14:creationId xmlns:p14="http://schemas.microsoft.com/office/powerpoint/2010/main" val="1654616024"/>
+      </p:ext>
+    </p:extLst>
+  </p:cSld>
+  <p:clrMapOvr>
+    <a:masterClrMapping/>
+  </p:clrMapOvr>
+</p:sld>
+</file>
+
 <file path=ppt/slides/slide2.xml><?xml version="1.0" encoding="utf-8"?>
 <p:sld xmlns:a="http://schemas.openxmlformats.org/drawingml/2006/main" xmlns:r="http://schemas.openxmlformats.org/officeDocument/2006/relationships" xmlns:p="http://schemas.openxmlformats.org/presentationml/2006/main">
   <p:cSld>
@@ -9028,12 +9326,142 @@
           <a:chExt cx="0" cy="0"/>
         </a:xfrm>
       </p:grpSpPr>
+      <p:pic>
+        <p:nvPicPr>
+          <p:cNvPr id="5" name="內容版面配置區 4">
+            <a:extLst>
+              <a:ext uri="{FF2B5EF4-FFF2-40B4-BE49-F238E27FC236}">
+                <a16:creationId xmlns:a16="http://schemas.microsoft.com/office/drawing/2014/main" id="{C9760A6D-0295-45C4-9F6A-B45D84586258}"/>
+              </a:ext>
+            </a:extLst>
+          </p:cNvPr>
+          <p:cNvPicPr>
+            <a:picLocks noGrp="1" noChangeAspect="1"/>
+          </p:cNvPicPr>
+          <p:nvPr>
+            <p:ph idx="1"/>
+          </p:nvPr>
+        </p:nvPicPr>
+        <p:blipFill>
+          <a:blip r:embed="rId3">
+            <a:extLst>
+              <a:ext uri="{28A0092B-C50C-407E-A947-70E740481C1C}">
+                <a14:useLocalDpi xmlns:a14="http://schemas.microsoft.com/office/drawing/2010/main" val="0"/>
+              </a:ext>
+            </a:extLst>
+          </a:blip>
+          <a:stretch>
+            <a:fillRect/>
+          </a:stretch>
+        </p:blipFill>
+        <p:spPr>
+          <a:xfrm>
+            <a:off x="2546061" y="904010"/>
+            <a:ext cx="7099877" cy="5324908"/>
+          </a:xfrm>
+        </p:spPr>
+      </p:pic>
+    </p:spTree>
+    <p:extLst>
+      <p:ext uri="{BB962C8B-B14F-4D97-AF65-F5344CB8AC3E}">
+        <p14:creationId xmlns:p14="http://schemas.microsoft.com/office/powerpoint/2010/main" val="3084242119"/>
+      </p:ext>
+    </p:extLst>
+  </p:cSld>
+  <p:clrMapOvr>
+    <a:masterClrMapping/>
+  </p:clrMapOvr>
+</p:sld>
+</file>
+
+<file path=ppt/slides/slide8.xml><?xml version="1.0" encoding="utf-8"?>
+<p:sld xmlns:a="http://schemas.openxmlformats.org/drawingml/2006/main" xmlns:r="http://schemas.openxmlformats.org/officeDocument/2006/relationships" xmlns:p="http://schemas.openxmlformats.org/presentationml/2006/main">
+  <p:cSld>
+    <p:spTree>
+      <p:nvGrpSpPr>
+        <p:cNvPr id="1" name=""/>
+        <p:cNvGrpSpPr/>
+        <p:nvPr/>
+      </p:nvGrpSpPr>
+      <p:grpSpPr>
+        <a:xfrm>
+          <a:off x="0" y="0"/>
+          <a:ext cx="0" cy="0"/>
+          <a:chOff x="0" y="0"/>
+          <a:chExt cx="0" cy="0"/>
+        </a:xfrm>
+      </p:grpSpPr>
+      <p:pic>
+        <p:nvPicPr>
+          <p:cNvPr id="5" name="內容版面配置區 4">
+            <a:extLst>
+              <a:ext uri="{FF2B5EF4-FFF2-40B4-BE49-F238E27FC236}">
+                <a16:creationId xmlns:a16="http://schemas.microsoft.com/office/drawing/2014/main" id="{69110F31-502D-49BE-B6EE-07E0E1FEFE29}"/>
+              </a:ext>
+            </a:extLst>
+          </p:cNvPr>
+          <p:cNvPicPr>
+            <a:picLocks noGrp="1" noChangeAspect="1"/>
+          </p:cNvPicPr>
+          <p:nvPr>
+            <p:ph idx="1"/>
+          </p:nvPr>
+        </p:nvPicPr>
+        <p:blipFill>
+          <a:blip r:embed="rId2">
+            <a:extLst>
+              <a:ext uri="{28A0092B-C50C-407E-A947-70E740481C1C}">
+                <a14:useLocalDpi xmlns:a14="http://schemas.microsoft.com/office/drawing/2010/main" val="0"/>
+              </a:ext>
+            </a:extLst>
+          </a:blip>
+          <a:stretch>
+            <a:fillRect/>
+          </a:stretch>
+        </p:blipFill>
+        <p:spPr>
+          <a:xfrm>
+            <a:off x="1663413" y="1059079"/>
+            <a:ext cx="8535998" cy="5116297"/>
+          </a:xfrm>
+        </p:spPr>
+      </p:pic>
+    </p:spTree>
+    <p:extLst>
+      <p:ext uri="{BB962C8B-B14F-4D97-AF65-F5344CB8AC3E}">
+        <p14:creationId xmlns:p14="http://schemas.microsoft.com/office/powerpoint/2010/main" val="897255801"/>
+      </p:ext>
+    </p:extLst>
+  </p:cSld>
+  <p:clrMapOvr>
+    <a:masterClrMapping/>
+  </p:clrMapOvr>
+</p:sld>
+</file>
+
+<file path=ppt/slides/slide9.xml><?xml version="1.0" encoding="utf-8"?>
+<p:sld xmlns:a="http://schemas.openxmlformats.org/drawingml/2006/main" xmlns:r="http://schemas.openxmlformats.org/officeDocument/2006/relationships" xmlns:p="http://schemas.openxmlformats.org/presentationml/2006/main">
+  <p:cSld>
+    <p:spTree>
+      <p:nvGrpSpPr>
+        <p:cNvPr id="1" name=""/>
+        <p:cNvGrpSpPr/>
+        <p:nvPr/>
+      </p:nvGrpSpPr>
+      <p:grpSpPr>
+        <a:xfrm>
+          <a:off x="0" y="0"/>
+          <a:ext cx="0" cy="0"/>
+          <a:chOff x="0" y="0"/>
+          <a:chExt cx="0" cy="0"/>
+        </a:xfrm>
+      </p:grpSpPr>
       <p:sp>
         <p:nvSpPr>
           <p:cNvPr id="2" name="標題 1">
             <a:extLst>
               <a:ext uri="{FF2B5EF4-FFF2-40B4-BE49-F238E27FC236}">
-                <a16:creationId xmlns:a16="http://schemas.microsoft.com/office/drawing/2014/main" id="{1380B149-283E-498B-8BA4-1FCB7F02C767}"/>
+                <a16:creationId xmlns:a16="http://schemas.microsoft.com/office/drawing/2014/main" id="{CBC58CE4-EC18-4A9D-AE77-092A986833BA}"/>
               </a:ext>
             </a:extLst>
           </p:cNvPr>
@@ -9044,44 +9472,94 @@
             <p:ph type="title"/>
           </p:nvPr>
         </p:nvSpPr>
-        <p:spPr/>
+        <p:spPr>
+          <a:xfrm>
+            <a:off x="869373" y="1663989"/>
+            <a:ext cx="10515600" cy="1325563"/>
+          </a:xfrm>
+        </p:spPr>
         <p:txBody>
-          <a:bodyPr/>
+          <a:bodyPr>
+            <a:normAutofit/>
+          </a:bodyPr>
           <a:lstStyle/>
           <a:p>
-            <a:endParaRPr lang="zh-TW" altLang="en-US"/>
+            <a:pPr algn="ctr"/>
+            <a:r>
+              <a:rPr lang="en-US" altLang="zh-TW" sz="4800" dirty="0">
+                <a:latin typeface="Arial" panose="020B0604020202020204" pitchFamily="34" charset="0"/>
+                <a:cs typeface="Arial" panose="020B0604020202020204" pitchFamily="34" charset="0"/>
+              </a:rPr>
+              <a:t>ANTI-TRUST</a:t>
+            </a:r>
+            <a:endParaRPr lang="zh-TW" altLang="en-US" sz="4800" dirty="0">
+              <a:latin typeface="Arial" panose="020B0604020202020204" pitchFamily="34" charset="0"/>
+              <a:cs typeface="Arial" panose="020B0604020202020204" pitchFamily="34" charset="0"/>
+            </a:endParaRPr>
           </a:p>
         </p:txBody>
       </p:sp>
       <p:sp>
         <p:nvSpPr>
-          <p:cNvPr id="3" name="內容版面配置區 2">
+          <p:cNvPr id="4" name="標題 1">
             <a:extLst>
               <a:ext uri="{FF2B5EF4-FFF2-40B4-BE49-F238E27FC236}">
-                <a16:creationId xmlns:a16="http://schemas.microsoft.com/office/drawing/2014/main" id="{668F0366-F6AD-4DA4-93FA-AD1AF97FDDF2}"/>
+                <a16:creationId xmlns:a16="http://schemas.microsoft.com/office/drawing/2014/main" id="{9F14E009-ACF1-442F-B4ED-309D783E1866}"/>
               </a:ext>
             </a:extLst>
           </p:cNvPr>
-          <p:cNvSpPr>
-            <a:spLocks noGrp="1"/>
+          <p:cNvSpPr txBox="1">
+            <a:spLocks/>
           </p:cNvSpPr>
-          <p:nvPr>
-            <p:ph idx="1"/>
-          </p:nvPr>
+          <p:nvPr/>
         </p:nvSpPr>
-        <p:spPr/>
+        <p:spPr>
+          <a:xfrm>
+            <a:off x="4689763" y="2989552"/>
+            <a:ext cx="10515600" cy="1325563"/>
+          </a:xfrm>
+          <a:prstGeom prst="rect">
+            <a:avLst/>
+          </a:prstGeom>
+        </p:spPr>
         <p:txBody>
-          <a:bodyPr/>
-          <a:lstStyle/>
-          <a:p>
-            <a:endParaRPr lang="zh-TW" altLang="en-US" dirty="0"/>
+          <a:bodyPr vert="horz" lIns="91440" tIns="45720" rIns="91440" bIns="45720" rtlCol="0" anchor="ctr">
+            <a:normAutofit/>
+          </a:bodyPr>
+          <a:lstStyle>
+            <a:lvl1pPr algn="l" defTabSz="914400" rtl="0" eaLnBrk="1" latinLnBrk="0" hangingPunct="1">
+              <a:lnSpc>
+                <a:spcPct val="90000"/>
+              </a:lnSpc>
+              <a:spcBef>
+                <a:spcPct val="0"/>
+              </a:spcBef>
+              <a:buNone/>
+              <a:defRPr sz="4400" kern="1200">
+                <a:solidFill>
+                  <a:schemeClr val="tx1"/>
+                </a:solidFill>
+                <a:latin typeface="+mj-lt"/>
+                <a:ea typeface="+mj-ea"/>
+                <a:cs typeface="+mj-cs"/>
+              </a:defRPr>
+            </a:lvl1pPr>
+          </a:lstStyle>
+          <a:p>
+            <a:r>
+              <a:rPr lang="zh-TW" altLang="en-US" dirty="0">
+                <a:latin typeface="標楷體" panose="03000509000000000000" pitchFamily="65" charset="-120"/>
+                <a:ea typeface="標楷體" panose="03000509000000000000" pitchFamily="65" charset="-120"/>
+              </a:rPr>
+              <a:t>反托拉斯法</a:t>
+            </a:r>
           </a:p>
         </p:txBody>
       </p:sp>
     </p:spTree>
     <p:extLst>
       <p:ext uri="{BB962C8B-B14F-4D97-AF65-F5344CB8AC3E}">
-        <p14:creationId xmlns:p14="http://schemas.microsoft.com/office/powerpoint/2010/main" val="3084242119"/>
+        <p14:creationId xmlns:p14="http://schemas.microsoft.com/office/powerpoint/2010/main" val="2978124300"/>
       </p:ext>
     </p:extLst>
   </p:cSld>

--- a/政府產業政策簡報.pptx
+++ b/政府產業政策簡報.pptx
@@ -5,7 +5,7 @@
     <p:sldMasterId id="2147483648" r:id="rId1"/>
   </p:sldMasterIdLst>
   <p:notesMasterIdLst>
-    <p:notesMasterId r:id="rId13"/>
+    <p:notesMasterId r:id="rId19"/>
   </p:notesMasterIdLst>
   <p:sldIdLst>
     <p:sldId id="256" r:id="rId2"/>
@@ -17,8 +17,14 @@
     <p:sldId id="262" r:id="rId8"/>
     <p:sldId id="263" r:id="rId9"/>
     <p:sldId id="264" r:id="rId10"/>
-    <p:sldId id="265" r:id="rId11"/>
-    <p:sldId id="266" r:id="rId12"/>
+    <p:sldId id="269" r:id="rId11"/>
+    <p:sldId id="265" r:id="rId12"/>
+    <p:sldId id="266" r:id="rId13"/>
+    <p:sldId id="267" r:id="rId14"/>
+    <p:sldId id="268" r:id="rId15"/>
+    <p:sldId id="270" r:id="rId16"/>
+    <p:sldId id="271" r:id="rId17"/>
+    <p:sldId id="272" r:id="rId18"/>
   </p:sldIdLst>
   <p:sldSz cx="12192000" cy="6858000"/>
   <p:notesSz cx="6858000" cy="9144000"/>
@@ -4661,6 +4667,90 @@
 </p:notes>
 </file>
 
+<file path=ppt/notesSlides/notesSlide6.xml><?xml version="1.0" encoding="utf-8"?>
+<p:notes xmlns:a="http://schemas.openxmlformats.org/drawingml/2006/main" xmlns:r="http://schemas.openxmlformats.org/officeDocument/2006/relationships" xmlns:p="http://schemas.openxmlformats.org/presentationml/2006/main">
+  <p:cSld>
+    <p:spTree>
+      <p:nvGrpSpPr>
+        <p:cNvPr id="1" name=""/>
+        <p:cNvGrpSpPr/>
+        <p:nvPr/>
+      </p:nvGrpSpPr>
+      <p:grpSpPr>
+        <a:xfrm>
+          <a:off x="0" y="0"/>
+          <a:ext cx="0" cy="0"/>
+          <a:chOff x="0" y="0"/>
+          <a:chExt cx="0" cy="0"/>
+        </a:xfrm>
+      </p:grpSpPr>
+      <p:sp>
+        <p:nvSpPr>
+          <p:cNvPr id="2" name="投影片影像版面配置區 1"/>
+          <p:cNvSpPr>
+            <a:spLocks noGrp="1" noRot="1" noChangeAspect="1"/>
+          </p:cNvSpPr>
+          <p:nvPr>
+            <p:ph type="sldImg"/>
+          </p:nvPr>
+        </p:nvSpPr>
+        <p:spPr/>
+      </p:sp>
+      <p:sp>
+        <p:nvSpPr>
+          <p:cNvPr id="3" name="備忘稿版面配置區 2"/>
+          <p:cNvSpPr>
+            <a:spLocks noGrp="1"/>
+          </p:cNvSpPr>
+          <p:nvPr>
+            <p:ph type="body" idx="1"/>
+          </p:nvPr>
+        </p:nvSpPr>
+        <p:spPr/>
+        <p:txBody>
+          <a:bodyPr/>
+          <a:lstStyle/>
+          <a:p>
+            <a:endParaRPr lang="zh-TW" altLang="en-US" dirty="0"/>
+          </a:p>
+        </p:txBody>
+      </p:sp>
+      <p:sp>
+        <p:nvSpPr>
+          <p:cNvPr id="4" name="投影片編號版面配置區 3"/>
+          <p:cNvSpPr>
+            <a:spLocks noGrp="1"/>
+          </p:cNvSpPr>
+          <p:nvPr>
+            <p:ph type="sldNum" sz="quarter" idx="10"/>
+          </p:nvPr>
+        </p:nvSpPr>
+        <p:spPr/>
+        <p:txBody>
+          <a:bodyPr/>
+          <a:lstStyle/>
+          <a:p>
+            <a:fld id="{0236D9B0-CA5C-45AB-BF9A-C0BCA89437F0}" type="slidenum">
+              <a:rPr lang="zh-TW" altLang="en-US" smtClean="0"/>
+              <a:t>12</a:t>
+            </a:fld>
+            <a:endParaRPr lang="zh-TW" altLang="en-US"/>
+          </a:p>
+        </p:txBody>
+      </p:sp>
+    </p:spTree>
+    <p:extLst>
+      <p:ext uri="{BB962C8B-B14F-4D97-AF65-F5344CB8AC3E}">
+        <p14:creationId xmlns:p14="http://schemas.microsoft.com/office/powerpoint/2010/main" val="2036265535"/>
+      </p:ext>
+    </p:extLst>
+  </p:cSld>
+  <p:clrMapOvr>
+    <a:masterClrMapping/>
+  </p:clrMapOvr>
+</p:notes>
+</file>
+
 <file path=ppt/slideLayouts/slideLayout1.xml><?xml version="1.0" encoding="utf-8"?>
 <p:sldLayout xmlns:a="http://schemas.openxmlformats.org/drawingml/2006/main" xmlns:r="http://schemas.openxmlformats.org/officeDocument/2006/relationships" xmlns:p="http://schemas.openxmlformats.org/presentationml/2006/main" type="title" preserve="1">
   <p:cSld name="標題投影片">
@@ -8196,7 +8286,7 @@
           <p:cNvPr id="2" name="標題 1">
             <a:extLst>
               <a:ext uri="{FF2B5EF4-FFF2-40B4-BE49-F238E27FC236}">
-                <a16:creationId xmlns:a16="http://schemas.microsoft.com/office/drawing/2014/main" id="{DFDA35A7-0110-45F9-829D-2D3E44FA9E65}"/>
+                <a16:creationId xmlns:a16="http://schemas.microsoft.com/office/drawing/2014/main" id="{ED8376C0-4F8E-49C0-A8E3-C68F46552FDF}"/>
               </a:ext>
             </a:extLst>
           </p:cNvPr>
@@ -8209,176 +8299,69 @@
         </p:nvSpPr>
         <p:spPr>
           <a:xfrm>
-            <a:off x="765464" y="188479"/>
+            <a:off x="1025236" y="1902980"/>
             <a:ext cx="10515600" cy="1325563"/>
           </a:xfrm>
         </p:spPr>
         <p:txBody>
-          <a:bodyPr/>
+          <a:bodyPr>
+            <a:noAutofit/>
+          </a:bodyPr>
           <a:lstStyle/>
           <a:p>
             <a:pPr algn="ctr"/>
             <a:r>
-              <a:rPr lang="en-US" altLang="zh-TW" b="1" dirty="0">
-                <a:latin typeface="Arial" panose="020B0604020202020204" pitchFamily="34" charset="0"/>
-                <a:cs typeface="Arial" panose="020B0604020202020204" pitchFamily="34" charset="0"/>
-              </a:rPr>
-              <a:t>AT&amp;T</a:t>
-            </a:r>
-            <a:endParaRPr lang="zh-TW" altLang="en-US" b="1" dirty="0">
-              <a:latin typeface="Arial" panose="020B0604020202020204" pitchFamily="34" charset="0"/>
-              <a:cs typeface="Arial" panose="020B0604020202020204" pitchFamily="34" charset="0"/>
-            </a:endParaRPr>
+              <a:rPr lang="en-US" altLang="zh-TW" sz="9600" b="1" dirty="0"/>
+              <a:t>100%</a:t>
+            </a:r>
+            <a:endParaRPr lang="zh-TW" altLang="en-US" sz="9600" b="1" dirty="0"/>
           </a:p>
         </p:txBody>
       </p:sp>
-      <p:pic>
-        <p:nvPicPr>
-          <p:cNvPr id="5" name="內容版面配置區 4">
+      <p:sp>
+        <p:nvSpPr>
+          <p:cNvPr id="4" name="矩形 3">
             <a:extLst>
               <a:ext uri="{FF2B5EF4-FFF2-40B4-BE49-F238E27FC236}">
-                <a16:creationId xmlns:a16="http://schemas.microsoft.com/office/drawing/2014/main" id="{C4E3735E-B1FE-48E1-A4B0-ED7B881035FE}"/>
+                <a16:creationId xmlns:a16="http://schemas.microsoft.com/office/drawing/2014/main" id="{D71E1505-B60B-4D2F-A38D-0BBCF1EF2159}"/>
               </a:ext>
             </a:extLst>
           </p:cNvPr>
-          <p:cNvPicPr>
-            <a:picLocks noGrp="1" noChangeAspect="1"/>
-          </p:cNvPicPr>
-          <p:nvPr>
-            <p:ph idx="1"/>
-          </p:nvPr>
-        </p:nvPicPr>
-        <p:blipFill>
-          <a:blip r:embed="rId2">
-            <a:extLst>
-              <a:ext uri="{28A0092B-C50C-407E-A947-70E740481C1C}">
-                <a14:useLocalDpi xmlns:a14="http://schemas.microsoft.com/office/drawing/2010/main" val="0"/>
-              </a:ext>
-            </a:extLst>
-          </a:blip>
-          <a:stretch>
-            <a:fillRect/>
-          </a:stretch>
-        </p:blipFill>
+          <p:cNvSpPr/>
+          <p:nvPr/>
+        </p:nvSpPr>
         <p:spPr>
           <a:xfrm>
-            <a:off x="5066002" y="1313369"/>
-            <a:ext cx="1914524" cy="1914524"/>
-          </a:xfrm>
-        </p:spPr>
-      </p:pic>
-      <p:pic>
-        <p:nvPicPr>
-          <p:cNvPr id="6" name="內容版面配置區 4">
-            <a:extLst>
-              <a:ext uri="{FF2B5EF4-FFF2-40B4-BE49-F238E27FC236}">
-                <a16:creationId xmlns:a16="http://schemas.microsoft.com/office/drawing/2014/main" id="{9FEF8D00-1D65-4D61-9EEF-B19755E9701D}"/>
-              </a:ext>
-            </a:extLst>
-          </p:cNvPr>
-          <p:cNvPicPr>
-            <a:picLocks noChangeAspect="1"/>
-          </p:cNvPicPr>
-          <p:nvPr/>
-        </p:nvPicPr>
-        <p:blipFill>
-          <a:blip r:embed="rId2">
-            <a:extLst>
-              <a:ext uri="{28A0092B-C50C-407E-A947-70E740481C1C}">
-                <a14:useLocalDpi xmlns:a14="http://schemas.microsoft.com/office/drawing/2010/main" val="0"/>
-              </a:ext>
-            </a:extLst>
-          </a:blip>
-          <a:stretch>
-            <a:fillRect/>
-          </a:stretch>
-        </p:blipFill>
-        <p:spPr>
-          <a:xfrm>
-            <a:off x="1931087" y="3035874"/>
-            <a:ext cx="1924916" cy="1924916"/>
+            <a:off x="5029200" y="3244334"/>
+            <a:ext cx="3361658" cy="1569660"/>
           </a:xfrm>
           <a:prstGeom prst="rect">
             <a:avLst/>
           </a:prstGeom>
         </p:spPr>
-      </p:pic>
-      <p:pic>
-        <p:nvPicPr>
-          <p:cNvPr id="7" name="內容版面配置區 4">
-            <a:extLst>
-              <a:ext uri="{FF2B5EF4-FFF2-40B4-BE49-F238E27FC236}">
-                <a16:creationId xmlns:a16="http://schemas.microsoft.com/office/drawing/2014/main" id="{D0ED835D-C091-41D1-9DB8-586725675928}"/>
-              </a:ext>
-            </a:extLst>
-          </p:cNvPr>
-          <p:cNvPicPr>
-            <a:picLocks noChangeAspect="1"/>
-          </p:cNvPicPr>
-          <p:nvPr/>
-        </p:nvPicPr>
-        <p:blipFill>
-          <a:blip r:embed="rId2">
-            <a:extLst>
-              <a:ext uri="{28A0092B-C50C-407E-A947-70E740481C1C}">
-                <a14:useLocalDpi xmlns:a14="http://schemas.microsoft.com/office/drawing/2010/main" val="0"/>
-              </a:ext>
-            </a:extLst>
-          </a:blip>
-          <a:stretch>
-            <a:fillRect/>
-          </a:stretch>
-        </p:blipFill>
-        <p:spPr>
-          <a:xfrm>
-            <a:off x="7885186" y="3027219"/>
-            <a:ext cx="1933571" cy="1933571"/>
-          </a:xfrm>
-          <a:prstGeom prst="rect">
-            <a:avLst/>
-          </a:prstGeom>
-        </p:spPr>
-      </p:pic>
-      <p:pic>
-        <p:nvPicPr>
-          <p:cNvPr id="8" name="內容版面配置區 4">
-            <a:extLst>
-              <a:ext uri="{FF2B5EF4-FFF2-40B4-BE49-F238E27FC236}">
-                <a16:creationId xmlns:a16="http://schemas.microsoft.com/office/drawing/2014/main" id="{4BD2AB90-2F32-4AB1-A2B5-F6C69B084121}"/>
-              </a:ext>
-            </a:extLst>
-          </p:cNvPr>
-          <p:cNvPicPr>
-            <a:picLocks noChangeAspect="1"/>
-          </p:cNvPicPr>
-          <p:nvPr/>
-        </p:nvPicPr>
-        <p:blipFill>
-          <a:blip r:embed="rId2">
-            <a:extLst>
-              <a:ext uri="{28A0092B-C50C-407E-A947-70E740481C1C}">
-                <a14:useLocalDpi xmlns:a14="http://schemas.microsoft.com/office/drawing/2010/main" val="0"/>
-              </a:ext>
-            </a:extLst>
-          </a:blip>
-          <a:stretch>
-            <a:fillRect/>
-          </a:stretch>
-        </p:blipFill>
-        <p:spPr>
-          <a:xfrm>
-            <a:off x="5043814" y="4639327"/>
-            <a:ext cx="1958900" cy="1958900"/>
-          </a:xfrm>
-          <a:prstGeom prst="rect">
-            <a:avLst/>
-          </a:prstGeom>
-        </p:spPr>
-      </p:pic>
+        <p:txBody>
+          <a:bodyPr wrap="square">
+            <a:spAutoFit/>
+          </a:bodyPr>
+          <a:lstStyle/>
+          <a:p>
+            <a:r>
+              <a:rPr lang="zh-TW" altLang="en-US" sz="9600" dirty="0">
+                <a:solidFill>
+                  <a:srgbClr val="FF0000"/>
+                </a:solidFill>
+                <a:latin typeface="標楷體" panose="03000509000000000000" pitchFamily="65" charset="-120"/>
+                <a:ea typeface="標楷體" panose="03000509000000000000" pitchFamily="65" charset="-120"/>
+              </a:rPr>
+              <a:t>違法</a:t>
+            </a:r>
+          </a:p>
+        </p:txBody>
+      </p:sp>
     </p:spTree>
     <p:extLst>
       <p:ext uri="{BB962C8B-B14F-4D97-AF65-F5344CB8AC3E}">
-        <p14:creationId xmlns:p14="http://schemas.microsoft.com/office/powerpoint/2010/main" val="1681358231"/>
+        <p14:creationId xmlns:p14="http://schemas.microsoft.com/office/powerpoint/2010/main" val="3759931890"/>
       </p:ext>
     </p:extLst>
   </p:cSld>
@@ -8410,7 +8393,7 @@
           <p:cNvPr id="2" name="標題 1">
             <a:extLst>
               <a:ext uri="{FF2B5EF4-FFF2-40B4-BE49-F238E27FC236}">
-                <a16:creationId xmlns:a16="http://schemas.microsoft.com/office/drawing/2014/main" id="{5ADB5648-933C-4CF4-B99B-0FD8F3F773EB}"/>
+                <a16:creationId xmlns:a16="http://schemas.microsoft.com/office/drawing/2014/main" id="{DFDA35A7-0110-45F9-829D-2D3E44FA9E65}"/>
               </a:ext>
             </a:extLst>
           </p:cNvPr>
@@ -8421,6 +8404,257 @@
             <p:ph type="title"/>
           </p:nvPr>
         </p:nvSpPr>
+        <p:spPr>
+          <a:xfrm>
+            <a:off x="1055592" y="-51619"/>
+            <a:ext cx="10515600" cy="1325563"/>
+          </a:xfrm>
+        </p:spPr>
+        <p:txBody>
+          <a:bodyPr/>
+          <a:lstStyle/>
+          <a:p>
+            <a:pPr algn="ctr"/>
+            <a:r>
+              <a:rPr lang="en-US" altLang="zh-TW" b="1" dirty="0">
+                <a:latin typeface="Arial" panose="020B0604020202020204" pitchFamily="34" charset="0"/>
+                <a:cs typeface="Arial" panose="020B0604020202020204" pitchFamily="34" charset="0"/>
+              </a:rPr>
+              <a:t>AT&amp;T</a:t>
+            </a:r>
+            <a:endParaRPr lang="zh-TW" altLang="en-US" b="1" dirty="0">
+              <a:latin typeface="Arial" panose="020B0604020202020204" pitchFamily="34" charset="0"/>
+              <a:cs typeface="Arial" panose="020B0604020202020204" pitchFamily="34" charset="0"/>
+            </a:endParaRPr>
+          </a:p>
+        </p:txBody>
+      </p:sp>
+      <p:pic>
+        <p:nvPicPr>
+          <p:cNvPr id="6" name="內容版面配置區 4">
+            <a:extLst>
+              <a:ext uri="{FF2B5EF4-FFF2-40B4-BE49-F238E27FC236}">
+                <a16:creationId xmlns:a16="http://schemas.microsoft.com/office/drawing/2014/main" id="{9FEF8D00-1D65-4D61-9EEF-B19755E9701D}"/>
+              </a:ext>
+            </a:extLst>
+          </p:cNvPr>
+          <p:cNvPicPr>
+            <a:picLocks noChangeAspect="1"/>
+          </p:cNvPicPr>
+          <p:nvPr/>
+        </p:nvPicPr>
+        <p:blipFill>
+          <a:blip r:embed="rId2">
+            <a:extLst>
+              <a:ext uri="{28A0092B-C50C-407E-A947-70E740481C1C}">
+                <a14:useLocalDpi xmlns:a14="http://schemas.microsoft.com/office/drawing/2010/main" val="0"/>
+              </a:ext>
+            </a:extLst>
+          </a:blip>
+          <a:stretch>
+            <a:fillRect/>
+          </a:stretch>
+        </p:blipFill>
+        <p:spPr>
+          <a:xfrm>
+            <a:off x="3426558" y="3027219"/>
+            <a:ext cx="1603453" cy="1603453"/>
+          </a:xfrm>
+          <a:prstGeom prst="rect">
+            <a:avLst/>
+          </a:prstGeom>
+        </p:spPr>
+      </p:pic>
+      <p:pic>
+        <p:nvPicPr>
+          <p:cNvPr id="9" name="內容版面配置區 4">
+            <a:extLst>
+              <a:ext uri="{FF2B5EF4-FFF2-40B4-BE49-F238E27FC236}">
+                <a16:creationId xmlns:a16="http://schemas.microsoft.com/office/drawing/2014/main" id="{58B32EB6-8A27-44E3-8295-8F14061ABA82}"/>
+              </a:ext>
+            </a:extLst>
+          </p:cNvPr>
+          <p:cNvPicPr>
+            <a:picLocks noChangeAspect="1"/>
+          </p:cNvPicPr>
+          <p:nvPr/>
+        </p:nvPicPr>
+        <p:blipFill>
+          <a:blip r:embed="rId2">
+            <a:extLst>
+              <a:ext uri="{28A0092B-C50C-407E-A947-70E740481C1C}">
+                <a14:useLocalDpi xmlns:a14="http://schemas.microsoft.com/office/drawing/2010/main" val="0"/>
+              </a:ext>
+            </a:extLst>
+          </a:blip>
+          <a:stretch>
+            <a:fillRect/>
+          </a:stretch>
+        </p:blipFill>
+        <p:spPr>
+          <a:xfrm>
+            <a:off x="5511668" y="5018810"/>
+            <a:ext cx="1603453" cy="1603453"/>
+          </a:xfrm>
+          <a:prstGeom prst="rect">
+            <a:avLst/>
+          </a:prstGeom>
+        </p:spPr>
+      </p:pic>
+      <p:pic>
+        <p:nvPicPr>
+          <p:cNvPr id="10" name="內容版面配置區 4">
+            <a:extLst>
+              <a:ext uri="{FF2B5EF4-FFF2-40B4-BE49-F238E27FC236}">
+                <a16:creationId xmlns:a16="http://schemas.microsoft.com/office/drawing/2014/main" id="{48D4A34A-F9AE-472E-8D3B-1E0CE09AFEB0}"/>
+              </a:ext>
+            </a:extLst>
+          </p:cNvPr>
+          <p:cNvPicPr>
+            <a:picLocks noChangeAspect="1"/>
+          </p:cNvPicPr>
+          <p:nvPr/>
+        </p:nvPicPr>
+        <p:blipFill>
+          <a:blip r:embed="rId2">
+            <a:extLst>
+              <a:ext uri="{28A0092B-C50C-407E-A947-70E740481C1C}">
+                <a14:useLocalDpi xmlns:a14="http://schemas.microsoft.com/office/drawing/2010/main" val="0"/>
+              </a:ext>
+            </a:extLst>
+          </a:blip>
+          <a:stretch>
+            <a:fillRect/>
+          </a:stretch>
+        </p:blipFill>
+        <p:spPr>
+          <a:xfrm>
+            <a:off x="5511667" y="3027219"/>
+            <a:ext cx="1603453" cy="1603453"/>
+          </a:xfrm>
+          <a:prstGeom prst="rect">
+            <a:avLst/>
+          </a:prstGeom>
+        </p:spPr>
+      </p:pic>
+      <p:pic>
+        <p:nvPicPr>
+          <p:cNvPr id="11" name="內容版面配置區 4">
+            <a:extLst>
+              <a:ext uri="{FF2B5EF4-FFF2-40B4-BE49-F238E27FC236}">
+                <a16:creationId xmlns:a16="http://schemas.microsoft.com/office/drawing/2014/main" id="{B52CCFC6-F94C-425B-8FFC-649A8019574B}"/>
+              </a:ext>
+            </a:extLst>
+          </p:cNvPr>
+          <p:cNvPicPr>
+            <a:picLocks noChangeAspect="1"/>
+          </p:cNvPicPr>
+          <p:nvPr/>
+        </p:nvPicPr>
+        <p:blipFill>
+          <a:blip r:embed="rId2">
+            <a:extLst>
+              <a:ext uri="{28A0092B-C50C-407E-A947-70E740481C1C}">
+                <a14:useLocalDpi xmlns:a14="http://schemas.microsoft.com/office/drawing/2010/main" val="0"/>
+              </a:ext>
+            </a:extLst>
+          </a:blip>
+          <a:stretch>
+            <a:fillRect/>
+          </a:stretch>
+        </p:blipFill>
+        <p:spPr>
+          <a:xfrm>
+            <a:off x="7596776" y="3027219"/>
+            <a:ext cx="1603453" cy="1603453"/>
+          </a:xfrm>
+          <a:prstGeom prst="rect">
+            <a:avLst/>
+          </a:prstGeom>
+        </p:spPr>
+      </p:pic>
+      <p:pic>
+        <p:nvPicPr>
+          <p:cNvPr id="12" name="內容版面配置區 4">
+            <a:extLst>
+              <a:ext uri="{FF2B5EF4-FFF2-40B4-BE49-F238E27FC236}">
+                <a16:creationId xmlns:a16="http://schemas.microsoft.com/office/drawing/2014/main" id="{4C419E2F-173E-46BE-AE8F-C417F6016399}"/>
+              </a:ext>
+            </a:extLst>
+          </p:cNvPr>
+          <p:cNvPicPr>
+            <a:picLocks noChangeAspect="1"/>
+          </p:cNvPicPr>
+          <p:nvPr/>
+        </p:nvPicPr>
+        <p:blipFill>
+          <a:blip r:embed="rId2">
+            <a:extLst>
+              <a:ext uri="{28A0092B-C50C-407E-A947-70E740481C1C}">
+                <a14:useLocalDpi xmlns:a14="http://schemas.microsoft.com/office/drawing/2010/main" val="0"/>
+              </a:ext>
+            </a:extLst>
+          </a:blip>
+          <a:stretch>
+            <a:fillRect/>
+          </a:stretch>
+        </p:blipFill>
+        <p:spPr>
+          <a:xfrm>
+            <a:off x="5511666" y="1100453"/>
+            <a:ext cx="1603453" cy="1603453"/>
+          </a:xfrm>
+          <a:prstGeom prst="rect">
+            <a:avLst/>
+          </a:prstGeom>
+        </p:spPr>
+      </p:pic>
+    </p:spTree>
+    <p:extLst>
+      <p:ext uri="{BB962C8B-B14F-4D97-AF65-F5344CB8AC3E}">
+        <p14:creationId xmlns:p14="http://schemas.microsoft.com/office/powerpoint/2010/main" val="1681358231"/>
+      </p:ext>
+    </p:extLst>
+  </p:cSld>
+  <p:clrMapOvr>
+    <a:masterClrMapping/>
+  </p:clrMapOvr>
+</p:sld>
+</file>
+
+<file path=ppt/slides/slide12.xml><?xml version="1.0" encoding="utf-8"?>
+<p:sld xmlns:a="http://schemas.openxmlformats.org/drawingml/2006/main" xmlns:r="http://schemas.openxmlformats.org/officeDocument/2006/relationships" xmlns:p="http://schemas.openxmlformats.org/presentationml/2006/main">
+  <p:cSld>
+    <p:spTree>
+      <p:nvGrpSpPr>
+        <p:cNvPr id="1" name=""/>
+        <p:cNvGrpSpPr/>
+        <p:nvPr/>
+      </p:nvGrpSpPr>
+      <p:grpSpPr>
+        <a:xfrm>
+          <a:off x="0" y="0"/>
+          <a:ext cx="0" cy="0"/>
+          <a:chOff x="0" y="0"/>
+          <a:chExt cx="0" cy="0"/>
+        </a:xfrm>
+      </p:grpSpPr>
+      <p:sp>
+        <p:nvSpPr>
+          <p:cNvPr id="2" name="標題 1">
+            <a:extLst>
+              <a:ext uri="{FF2B5EF4-FFF2-40B4-BE49-F238E27FC236}">
+                <a16:creationId xmlns:a16="http://schemas.microsoft.com/office/drawing/2014/main" id="{5ADB5648-933C-4CF4-B99B-0FD8F3F773EB}"/>
+              </a:ext>
+            </a:extLst>
+          </p:cNvPr>
+          <p:cNvSpPr>
+            <a:spLocks noGrp="1"/>
+          </p:cNvSpPr>
+          <p:nvPr>
+            <p:ph type="title"/>
+          </p:nvPr>
+        </p:nvSpPr>
         <p:spPr/>
         <p:txBody>
           <a:bodyPr/>
@@ -8430,12 +8664,77 @@
           </a:p>
         </p:txBody>
       </p:sp>
-      <p:sp>
-        <p:nvSpPr>
-          <p:cNvPr id="3" name="內容版面配置區 2">
+      <p:pic>
+        <p:nvPicPr>
+          <p:cNvPr id="5" name="內容版面配置區 4">
             <a:extLst>
               <a:ext uri="{FF2B5EF4-FFF2-40B4-BE49-F238E27FC236}">
-                <a16:creationId xmlns:a16="http://schemas.microsoft.com/office/drawing/2014/main" id="{6EAB655C-E507-4820-8F20-E3C3CCF484B6}"/>
+                <a16:creationId xmlns:a16="http://schemas.microsoft.com/office/drawing/2014/main" id="{9CC3B8D0-5770-47EC-A40F-F96D0BAF90C8}"/>
+              </a:ext>
+            </a:extLst>
+          </p:cNvPr>
+          <p:cNvPicPr>
+            <a:picLocks noGrp="1" noChangeAspect="1"/>
+          </p:cNvPicPr>
+          <p:nvPr>
+            <p:ph idx="1"/>
+          </p:nvPr>
+        </p:nvPicPr>
+        <p:blipFill>
+          <a:blip r:embed="rId3">
+            <a:extLst>
+              <a:ext uri="{28A0092B-C50C-407E-A947-70E740481C1C}">
+                <a14:useLocalDpi xmlns:a14="http://schemas.microsoft.com/office/drawing/2010/main" val="0"/>
+              </a:ext>
+            </a:extLst>
+          </a:blip>
+          <a:stretch>
+            <a:fillRect/>
+          </a:stretch>
+        </p:blipFill>
+        <p:spPr>
+          <a:xfrm>
+            <a:off x="0" y="-34420"/>
+            <a:ext cx="12192000" cy="6892420"/>
+          </a:xfrm>
+        </p:spPr>
+      </p:pic>
+    </p:spTree>
+    <p:extLst>
+      <p:ext uri="{BB962C8B-B14F-4D97-AF65-F5344CB8AC3E}">
+        <p14:creationId xmlns:p14="http://schemas.microsoft.com/office/powerpoint/2010/main" val="1654616024"/>
+      </p:ext>
+    </p:extLst>
+  </p:cSld>
+  <p:clrMapOvr>
+    <a:masterClrMapping/>
+  </p:clrMapOvr>
+</p:sld>
+</file>
+
+<file path=ppt/slides/slide13.xml><?xml version="1.0" encoding="utf-8"?>
+<p:sld xmlns:a="http://schemas.openxmlformats.org/drawingml/2006/main" xmlns:r="http://schemas.openxmlformats.org/officeDocument/2006/relationships" xmlns:p="http://schemas.openxmlformats.org/presentationml/2006/main">
+  <p:cSld>
+    <p:spTree>
+      <p:nvGrpSpPr>
+        <p:cNvPr id="1" name=""/>
+        <p:cNvGrpSpPr/>
+        <p:nvPr/>
+      </p:nvGrpSpPr>
+      <p:grpSpPr>
+        <a:xfrm>
+          <a:off x="0" y="0"/>
+          <a:ext cx="0" cy="0"/>
+          <a:chOff x="0" y="0"/>
+          <a:chExt cx="0" cy="0"/>
+        </a:xfrm>
+      </p:grpSpPr>
+      <p:sp>
+        <p:nvSpPr>
+          <p:cNvPr id="2" name="標題 1">
+            <a:extLst>
+              <a:ext uri="{FF2B5EF4-FFF2-40B4-BE49-F238E27FC236}">
+                <a16:creationId xmlns:a16="http://schemas.microsoft.com/office/drawing/2014/main" id="{E54FA505-9420-43A2-8A7E-67B0C7ACB624}"/>
               </a:ext>
             </a:extLst>
           </p:cNvPr>
@@ -8443,7 +8742,7 @@
             <a:spLocks noGrp="1"/>
           </p:cNvSpPr>
           <p:nvPr>
-            <p:ph idx="1"/>
+            <p:ph type="title"/>
           </p:nvPr>
         </p:nvSpPr>
         <p:spPr/>
@@ -8455,10 +8754,533 @@
           </a:p>
         </p:txBody>
       </p:sp>
+      <p:pic>
+        <p:nvPicPr>
+          <p:cNvPr id="5" name="內容版面配置區 4">
+            <a:extLst>
+              <a:ext uri="{FF2B5EF4-FFF2-40B4-BE49-F238E27FC236}">
+                <a16:creationId xmlns:a16="http://schemas.microsoft.com/office/drawing/2014/main" id="{D66BCB02-611B-4452-9DE4-566D5175B5CC}"/>
+              </a:ext>
+            </a:extLst>
+          </p:cNvPr>
+          <p:cNvPicPr>
+            <a:picLocks noGrp="1" noChangeAspect="1"/>
+          </p:cNvPicPr>
+          <p:nvPr>
+            <p:ph idx="1"/>
+          </p:nvPr>
+        </p:nvPicPr>
+        <p:blipFill>
+          <a:blip r:embed="rId2">
+            <a:extLst>
+              <a:ext uri="{28A0092B-C50C-407E-A947-70E740481C1C}">
+                <a14:useLocalDpi xmlns:a14="http://schemas.microsoft.com/office/drawing/2010/main" val="0"/>
+              </a:ext>
+            </a:extLst>
+          </a:blip>
+          <a:stretch>
+            <a:fillRect/>
+          </a:stretch>
+        </p:blipFill>
+        <p:spPr>
+          <a:xfrm>
+            <a:off x="0" y="0"/>
+            <a:ext cx="12192000" cy="6858000"/>
+          </a:xfrm>
+        </p:spPr>
+      </p:pic>
     </p:spTree>
     <p:extLst>
       <p:ext uri="{BB962C8B-B14F-4D97-AF65-F5344CB8AC3E}">
-        <p14:creationId xmlns:p14="http://schemas.microsoft.com/office/powerpoint/2010/main" val="1654616024"/>
+        <p14:creationId xmlns:p14="http://schemas.microsoft.com/office/powerpoint/2010/main" val="3252891155"/>
+      </p:ext>
+    </p:extLst>
+  </p:cSld>
+  <p:clrMapOvr>
+    <a:masterClrMapping/>
+  </p:clrMapOvr>
+</p:sld>
+</file>
+
+<file path=ppt/slides/slide14.xml><?xml version="1.0" encoding="utf-8"?>
+<p:sld xmlns:a="http://schemas.openxmlformats.org/drawingml/2006/main" xmlns:r="http://schemas.openxmlformats.org/officeDocument/2006/relationships" xmlns:p="http://schemas.openxmlformats.org/presentationml/2006/main">
+  <p:cSld>
+    <p:spTree>
+      <p:nvGrpSpPr>
+        <p:cNvPr id="1" name=""/>
+        <p:cNvGrpSpPr/>
+        <p:nvPr/>
+      </p:nvGrpSpPr>
+      <p:grpSpPr>
+        <a:xfrm>
+          <a:off x="0" y="0"/>
+          <a:ext cx="0" cy="0"/>
+          <a:chOff x="0" y="0"/>
+          <a:chExt cx="0" cy="0"/>
+        </a:xfrm>
+      </p:grpSpPr>
+      <p:sp>
+        <p:nvSpPr>
+          <p:cNvPr id="2" name="標題 1">
+            <a:extLst>
+              <a:ext uri="{FF2B5EF4-FFF2-40B4-BE49-F238E27FC236}">
+                <a16:creationId xmlns:a16="http://schemas.microsoft.com/office/drawing/2014/main" id="{C48CCF53-CD1B-4814-A386-55856516D21F}"/>
+              </a:ext>
+            </a:extLst>
+          </p:cNvPr>
+          <p:cNvSpPr>
+            <a:spLocks noGrp="1"/>
+          </p:cNvSpPr>
+          <p:nvPr>
+            <p:ph type="title"/>
+          </p:nvPr>
+        </p:nvSpPr>
+        <p:spPr/>
+        <p:txBody>
+          <a:bodyPr/>
+          <a:lstStyle/>
+          <a:p>
+            <a:r>
+              <a:rPr lang="en-US" altLang="zh-TW" b="1" dirty="0"/>
+              <a:t>WINDOWS</a:t>
+            </a:r>
+            <a:endParaRPr lang="zh-TW" altLang="en-US" b="1" dirty="0"/>
+          </a:p>
+        </p:txBody>
+      </p:sp>
+      <p:pic>
+        <p:nvPicPr>
+          <p:cNvPr id="5" name="內容版面配置區 4">
+            <a:extLst>
+              <a:ext uri="{FF2B5EF4-FFF2-40B4-BE49-F238E27FC236}">
+                <a16:creationId xmlns:a16="http://schemas.microsoft.com/office/drawing/2014/main" id="{9075CBDC-E0F3-424A-9BB4-CEB68FD26BD3}"/>
+              </a:ext>
+            </a:extLst>
+          </p:cNvPr>
+          <p:cNvPicPr>
+            <a:picLocks noGrp="1" noChangeAspect="1"/>
+          </p:cNvPicPr>
+          <p:nvPr>
+            <p:ph idx="1"/>
+          </p:nvPr>
+        </p:nvPicPr>
+        <p:blipFill>
+          <a:blip r:embed="rId2">
+            <a:extLst>
+              <a:ext uri="{28A0092B-C50C-407E-A947-70E740481C1C}">
+                <a14:useLocalDpi xmlns:a14="http://schemas.microsoft.com/office/drawing/2010/main" val="0"/>
+              </a:ext>
+            </a:extLst>
+          </a:blip>
+          <a:stretch>
+            <a:fillRect/>
+          </a:stretch>
+        </p:blipFill>
+        <p:spPr>
+          <a:xfrm>
+            <a:off x="4793666" y="875468"/>
+            <a:ext cx="2604665" cy="1835105"/>
+          </a:xfrm>
+        </p:spPr>
+      </p:pic>
+      <p:pic>
+        <p:nvPicPr>
+          <p:cNvPr id="6" name="內容版面配置區 4">
+            <a:extLst>
+              <a:ext uri="{FF2B5EF4-FFF2-40B4-BE49-F238E27FC236}">
+                <a16:creationId xmlns:a16="http://schemas.microsoft.com/office/drawing/2014/main" id="{14761A03-81CD-4857-95A6-DED4CBFB42DB}"/>
+              </a:ext>
+            </a:extLst>
+          </p:cNvPr>
+          <p:cNvPicPr>
+            <a:picLocks noChangeAspect="1"/>
+          </p:cNvPicPr>
+          <p:nvPr/>
+        </p:nvPicPr>
+        <p:blipFill>
+          <a:blip r:embed="rId2">
+            <a:extLst>
+              <a:ext uri="{28A0092B-C50C-407E-A947-70E740481C1C}">
+                <a14:useLocalDpi xmlns:a14="http://schemas.microsoft.com/office/drawing/2010/main" val="0"/>
+              </a:ext>
+            </a:extLst>
+          </a:blip>
+          <a:stretch>
+            <a:fillRect/>
+          </a:stretch>
+        </p:blipFill>
+        <p:spPr>
+          <a:xfrm>
+            <a:off x="2017558" y="2801864"/>
+            <a:ext cx="2604665" cy="1835105"/>
+          </a:xfrm>
+          <a:prstGeom prst="rect">
+            <a:avLst/>
+          </a:prstGeom>
+        </p:spPr>
+      </p:pic>
+      <p:pic>
+        <p:nvPicPr>
+          <p:cNvPr id="7" name="內容版面配置區 4">
+            <a:extLst>
+              <a:ext uri="{FF2B5EF4-FFF2-40B4-BE49-F238E27FC236}">
+                <a16:creationId xmlns:a16="http://schemas.microsoft.com/office/drawing/2014/main" id="{969FCF7B-0013-48E6-B636-4B77BBB36E2F}"/>
+              </a:ext>
+            </a:extLst>
+          </p:cNvPr>
+          <p:cNvPicPr>
+            <a:picLocks noChangeAspect="1"/>
+          </p:cNvPicPr>
+          <p:nvPr/>
+        </p:nvPicPr>
+        <p:blipFill>
+          <a:blip r:embed="rId2">
+            <a:extLst>
+              <a:ext uri="{28A0092B-C50C-407E-A947-70E740481C1C}">
+                <a14:useLocalDpi xmlns:a14="http://schemas.microsoft.com/office/drawing/2010/main" val="0"/>
+              </a:ext>
+            </a:extLst>
+          </a:blip>
+          <a:stretch>
+            <a:fillRect/>
+          </a:stretch>
+        </p:blipFill>
+        <p:spPr>
+          <a:xfrm>
+            <a:off x="7569774" y="2801864"/>
+            <a:ext cx="2604665" cy="1835105"/>
+          </a:xfrm>
+          <a:prstGeom prst="rect">
+            <a:avLst/>
+          </a:prstGeom>
+        </p:spPr>
+      </p:pic>
+      <p:pic>
+        <p:nvPicPr>
+          <p:cNvPr id="8" name="內容版面配置區 4">
+            <a:extLst>
+              <a:ext uri="{FF2B5EF4-FFF2-40B4-BE49-F238E27FC236}">
+                <a16:creationId xmlns:a16="http://schemas.microsoft.com/office/drawing/2014/main" id="{0AD66056-689E-4995-A853-E5A6C40AE93C}"/>
+              </a:ext>
+            </a:extLst>
+          </p:cNvPr>
+          <p:cNvPicPr>
+            <a:picLocks noChangeAspect="1"/>
+          </p:cNvPicPr>
+          <p:nvPr/>
+        </p:nvPicPr>
+        <p:blipFill>
+          <a:blip r:embed="rId2">
+            <a:extLst>
+              <a:ext uri="{28A0092B-C50C-407E-A947-70E740481C1C}">
+                <a14:useLocalDpi xmlns:a14="http://schemas.microsoft.com/office/drawing/2010/main" val="0"/>
+              </a:ext>
+            </a:extLst>
+          </a:blip>
+          <a:stretch>
+            <a:fillRect/>
+          </a:stretch>
+        </p:blipFill>
+        <p:spPr>
+          <a:xfrm>
+            <a:off x="4793667" y="4759037"/>
+            <a:ext cx="2604665" cy="1835105"/>
+          </a:xfrm>
+          <a:prstGeom prst="rect">
+            <a:avLst/>
+          </a:prstGeom>
+        </p:spPr>
+      </p:pic>
+      <p:pic>
+        <p:nvPicPr>
+          <p:cNvPr id="9" name="內容版面配置區 4">
+            <a:extLst>
+              <a:ext uri="{FF2B5EF4-FFF2-40B4-BE49-F238E27FC236}">
+                <a16:creationId xmlns:a16="http://schemas.microsoft.com/office/drawing/2014/main" id="{4485B456-D440-4C51-9DBA-5692B177DD9D}"/>
+              </a:ext>
+            </a:extLst>
+          </p:cNvPr>
+          <p:cNvPicPr>
+            <a:picLocks noChangeAspect="1"/>
+          </p:cNvPicPr>
+          <p:nvPr/>
+        </p:nvPicPr>
+        <p:blipFill>
+          <a:blip r:embed="rId2">
+            <a:extLst>
+              <a:ext uri="{28A0092B-C50C-407E-A947-70E740481C1C}">
+                <a14:useLocalDpi xmlns:a14="http://schemas.microsoft.com/office/drawing/2010/main" val="0"/>
+              </a:ext>
+            </a:extLst>
+          </a:blip>
+          <a:stretch>
+            <a:fillRect/>
+          </a:stretch>
+        </p:blipFill>
+        <p:spPr>
+          <a:xfrm>
+            <a:off x="4793666" y="2801864"/>
+            <a:ext cx="2604665" cy="1835105"/>
+          </a:xfrm>
+          <a:prstGeom prst="rect">
+            <a:avLst/>
+          </a:prstGeom>
+        </p:spPr>
+      </p:pic>
+    </p:spTree>
+    <p:extLst>
+      <p:ext uri="{BB962C8B-B14F-4D97-AF65-F5344CB8AC3E}">
+        <p14:creationId xmlns:p14="http://schemas.microsoft.com/office/powerpoint/2010/main" val="3154484849"/>
+      </p:ext>
+    </p:extLst>
+  </p:cSld>
+  <p:clrMapOvr>
+    <a:masterClrMapping/>
+  </p:clrMapOvr>
+</p:sld>
+</file>
+
+<file path=ppt/slides/slide15.xml><?xml version="1.0" encoding="utf-8"?>
+<p:sld xmlns:a="http://schemas.openxmlformats.org/drawingml/2006/main" xmlns:r="http://schemas.openxmlformats.org/officeDocument/2006/relationships" xmlns:p="http://schemas.openxmlformats.org/presentationml/2006/main">
+  <p:cSld>
+    <p:spTree>
+      <p:nvGrpSpPr>
+        <p:cNvPr id="1" name=""/>
+        <p:cNvGrpSpPr/>
+        <p:nvPr/>
+      </p:nvGrpSpPr>
+      <p:grpSpPr>
+        <a:xfrm>
+          <a:off x="0" y="0"/>
+          <a:ext cx="0" cy="0"/>
+          <a:chOff x="0" y="0"/>
+          <a:chExt cx="0" cy="0"/>
+        </a:xfrm>
+      </p:grpSpPr>
+      <p:sp>
+        <p:nvSpPr>
+          <p:cNvPr id="2" name="標題 1">
+            <a:extLst>
+              <a:ext uri="{FF2B5EF4-FFF2-40B4-BE49-F238E27FC236}">
+                <a16:creationId xmlns:a16="http://schemas.microsoft.com/office/drawing/2014/main" id="{FD6C79F4-A7B7-4481-BC7A-24C0934954DB}"/>
+              </a:ext>
+            </a:extLst>
+          </p:cNvPr>
+          <p:cNvSpPr>
+            <a:spLocks noGrp="1"/>
+          </p:cNvSpPr>
+          <p:nvPr>
+            <p:ph type="title"/>
+          </p:nvPr>
+        </p:nvSpPr>
+        <p:spPr>
+          <a:xfrm>
+            <a:off x="1333500" y="2670464"/>
+            <a:ext cx="10515600" cy="1462088"/>
+          </a:xfrm>
+        </p:spPr>
+        <p:txBody>
+          <a:bodyPr>
+            <a:noAutofit/>
+          </a:bodyPr>
+          <a:lstStyle/>
+          <a:p>
+            <a:r>
+              <a:rPr lang="en-US" altLang="zh-TW" sz="7200" b="1" dirty="0"/>
+              <a:t>Let the APPLE survived.</a:t>
+            </a:r>
+            <a:endParaRPr lang="zh-TW" altLang="en-US" sz="7200" b="1" dirty="0"/>
+          </a:p>
+        </p:txBody>
+      </p:sp>
+    </p:spTree>
+    <p:extLst>
+      <p:ext uri="{BB962C8B-B14F-4D97-AF65-F5344CB8AC3E}">
+        <p14:creationId xmlns:p14="http://schemas.microsoft.com/office/powerpoint/2010/main" val="3313365816"/>
+      </p:ext>
+    </p:extLst>
+  </p:cSld>
+  <p:clrMapOvr>
+    <a:masterClrMapping/>
+  </p:clrMapOvr>
+</p:sld>
+</file>
+
+<file path=ppt/slides/slide16.xml><?xml version="1.0" encoding="utf-8"?>
+<p:sld xmlns:a="http://schemas.openxmlformats.org/drawingml/2006/main" xmlns:r="http://schemas.openxmlformats.org/officeDocument/2006/relationships" xmlns:p="http://schemas.openxmlformats.org/presentationml/2006/main">
+  <p:cSld>
+    <p:spTree>
+      <p:nvGrpSpPr>
+        <p:cNvPr id="1" name=""/>
+        <p:cNvGrpSpPr/>
+        <p:nvPr/>
+      </p:nvGrpSpPr>
+      <p:grpSpPr>
+        <a:xfrm>
+          <a:off x="0" y="0"/>
+          <a:ext cx="0" cy="0"/>
+          <a:chOff x="0" y="0"/>
+          <a:chExt cx="0" cy="0"/>
+        </a:xfrm>
+      </p:grpSpPr>
+      <p:sp>
+        <p:nvSpPr>
+          <p:cNvPr id="2" name="標題 1">
+            <a:extLst>
+              <a:ext uri="{FF2B5EF4-FFF2-40B4-BE49-F238E27FC236}">
+                <a16:creationId xmlns:a16="http://schemas.microsoft.com/office/drawing/2014/main" id="{316B7504-138B-4EFA-BA98-B9FBFBC9944D}"/>
+              </a:ext>
+            </a:extLst>
+          </p:cNvPr>
+          <p:cNvSpPr>
+            <a:spLocks noGrp="1"/>
+          </p:cNvSpPr>
+          <p:nvPr>
+            <p:ph type="title"/>
+          </p:nvPr>
+        </p:nvSpPr>
+        <p:spPr>
+          <a:xfrm>
+            <a:off x="0" y="5300807"/>
+            <a:ext cx="12192000" cy="1325563"/>
+          </a:xfrm>
+        </p:spPr>
+        <p:txBody>
+          <a:bodyPr>
+            <a:normAutofit/>
+          </a:bodyPr>
+          <a:lstStyle/>
+          <a:p>
+            <a:pPr algn="ctr"/>
+            <a:r>
+              <a:rPr lang="zh-TW" altLang="en-US" sz="7200" dirty="0">
+                <a:latin typeface="標楷體" panose="03000509000000000000" pitchFamily="65" charset="-120"/>
+                <a:ea typeface="標楷體" panose="03000509000000000000" pitchFamily="65" charset="-120"/>
+              </a:rPr>
+              <a:t>真是他媽的天才！</a:t>
+            </a:r>
+          </a:p>
+        </p:txBody>
+      </p:sp>
+      <p:pic>
+        <p:nvPicPr>
+          <p:cNvPr id="5" name="內容版面配置區 4">
+            <a:extLst>
+              <a:ext uri="{FF2B5EF4-FFF2-40B4-BE49-F238E27FC236}">
+                <a16:creationId xmlns:a16="http://schemas.microsoft.com/office/drawing/2014/main" id="{1DE641A6-ACD3-4BA6-B790-91F87F2C63C3}"/>
+              </a:ext>
+            </a:extLst>
+          </p:cNvPr>
+          <p:cNvPicPr>
+            <a:picLocks noGrp="1" noChangeAspect="1"/>
+          </p:cNvPicPr>
+          <p:nvPr>
+            <p:ph idx="1"/>
+          </p:nvPr>
+        </p:nvPicPr>
+        <p:blipFill>
+          <a:blip r:embed="rId2">
+            <a:extLst>
+              <a:ext uri="{28A0092B-C50C-407E-A947-70E740481C1C}">
+                <a14:useLocalDpi xmlns:a14="http://schemas.microsoft.com/office/drawing/2010/main" val="0"/>
+              </a:ext>
+            </a:extLst>
+          </a:blip>
+          <a:stretch>
+            <a:fillRect/>
+          </a:stretch>
+        </p:blipFill>
+        <p:spPr>
+          <a:xfrm>
+            <a:off x="2493819" y="72737"/>
+            <a:ext cx="6586201" cy="4992399"/>
+          </a:xfrm>
+        </p:spPr>
+      </p:pic>
+    </p:spTree>
+    <p:extLst>
+      <p:ext uri="{BB962C8B-B14F-4D97-AF65-F5344CB8AC3E}">
+        <p14:creationId xmlns:p14="http://schemas.microsoft.com/office/powerpoint/2010/main" val="3817405871"/>
+      </p:ext>
+    </p:extLst>
+  </p:cSld>
+  <p:clrMapOvr>
+    <a:masterClrMapping/>
+  </p:clrMapOvr>
+</p:sld>
+</file>
+
+<file path=ppt/slides/slide17.xml><?xml version="1.0" encoding="utf-8"?>
+<p:sld xmlns:a="http://schemas.openxmlformats.org/drawingml/2006/main" xmlns:r="http://schemas.openxmlformats.org/officeDocument/2006/relationships" xmlns:p="http://schemas.openxmlformats.org/presentationml/2006/main">
+  <p:cSld>
+    <p:spTree>
+      <p:nvGrpSpPr>
+        <p:cNvPr id="1" name=""/>
+        <p:cNvGrpSpPr/>
+        <p:nvPr/>
+      </p:nvGrpSpPr>
+      <p:grpSpPr>
+        <a:xfrm>
+          <a:off x="0" y="0"/>
+          <a:ext cx="0" cy="0"/>
+          <a:chOff x="0" y="0"/>
+          <a:chExt cx="0" cy="0"/>
+        </a:xfrm>
+      </p:grpSpPr>
+      <p:sp>
+        <p:nvSpPr>
+          <p:cNvPr id="2" name="標題 1">
+            <a:extLst>
+              <a:ext uri="{FF2B5EF4-FFF2-40B4-BE49-F238E27FC236}">
+                <a16:creationId xmlns:a16="http://schemas.microsoft.com/office/drawing/2014/main" id="{0BF7AA59-309B-40C1-9168-C940E2371362}"/>
+              </a:ext>
+            </a:extLst>
+          </p:cNvPr>
+          <p:cNvSpPr>
+            <a:spLocks noGrp="1"/>
+          </p:cNvSpPr>
+          <p:nvPr>
+            <p:ph type="title"/>
+          </p:nvPr>
+        </p:nvSpPr>
+        <p:spPr/>
+        <p:txBody>
+          <a:bodyPr/>
+          <a:lstStyle/>
+          <a:p>
+            <a:endParaRPr lang="zh-TW" altLang="en-US"/>
+          </a:p>
+        </p:txBody>
+      </p:sp>
+      <p:sp>
+        <p:nvSpPr>
+          <p:cNvPr id="3" name="內容版面配置區 2">
+            <a:extLst>
+              <a:ext uri="{FF2B5EF4-FFF2-40B4-BE49-F238E27FC236}">
+                <a16:creationId xmlns:a16="http://schemas.microsoft.com/office/drawing/2014/main" id="{A3EDDEED-D844-4C03-93A3-A84B8CDDFC55}"/>
+              </a:ext>
+            </a:extLst>
+          </p:cNvPr>
+          <p:cNvSpPr>
+            <a:spLocks noGrp="1"/>
+          </p:cNvSpPr>
+          <p:nvPr>
+            <p:ph idx="1"/>
+          </p:nvPr>
+        </p:nvSpPr>
+        <p:spPr/>
+        <p:txBody>
+          <a:bodyPr/>
+          <a:lstStyle/>
+          <a:p>
+            <a:endParaRPr lang="zh-TW" altLang="en-US"/>
+          </a:p>
+        </p:txBody>
+      </p:sp>
+    </p:spTree>
+    <p:extLst>
+      <p:ext uri="{BB962C8B-B14F-4D97-AF65-F5344CB8AC3E}">
+        <p14:creationId xmlns:p14="http://schemas.microsoft.com/office/powerpoint/2010/main" val="574065216"/>
       </p:ext>
     </p:extLst>
   </p:cSld>

--- a/政府產業政策簡報.pptx
+++ b/政府產業政策簡報.pptx
@@ -5,7 +5,7 @@
     <p:sldMasterId id="2147483648" r:id="rId1"/>
   </p:sldMasterIdLst>
   <p:notesMasterIdLst>
-    <p:notesMasterId r:id="rId19"/>
+    <p:notesMasterId r:id="rId20"/>
   </p:notesMasterIdLst>
   <p:sldIdLst>
     <p:sldId id="256" r:id="rId2"/>
@@ -25,6 +25,7 @@
     <p:sldId id="270" r:id="rId16"/>
     <p:sldId id="271" r:id="rId17"/>
     <p:sldId id="272" r:id="rId18"/>
+    <p:sldId id="273" r:id="rId19"/>
   </p:sldIdLst>
   <p:sldSz cx="12192000" cy="6858000"/>
   <p:notesSz cx="6858000" cy="9144000"/>
@@ -4751,6 +4752,90 @@
 </p:notes>
 </file>
 
+<file path=ppt/notesSlides/notesSlide7.xml><?xml version="1.0" encoding="utf-8"?>
+<p:notes xmlns:a="http://schemas.openxmlformats.org/drawingml/2006/main" xmlns:r="http://schemas.openxmlformats.org/officeDocument/2006/relationships" xmlns:p="http://schemas.openxmlformats.org/presentationml/2006/main">
+  <p:cSld>
+    <p:spTree>
+      <p:nvGrpSpPr>
+        <p:cNvPr id="1" name=""/>
+        <p:cNvGrpSpPr/>
+        <p:nvPr/>
+      </p:nvGrpSpPr>
+      <p:grpSpPr>
+        <a:xfrm>
+          <a:off x="0" y="0"/>
+          <a:ext cx="0" cy="0"/>
+          <a:chOff x="0" y="0"/>
+          <a:chExt cx="0" cy="0"/>
+        </a:xfrm>
+      </p:grpSpPr>
+      <p:sp>
+        <p:nvSpPr>
+          <p:cNvPr id="2" name="投影片影像版面配置區 1"/>
+          <p:cNvSpPr>
+            <a:spLocks noGrp="1" noRot="1" noChangeAspect="1"/>
+          </p:cNvSpPr>
+          <p:nvPr>
+            <p:ph type="sldImg"/>
+          </p:nvPr>
+        </p:nvSpPr>
+        <p:spPr/>
+      </p:sp>
+      <p:sp>
+        <p:nvSpPr>
+          <p:cNvPr id="3" name="備忘稿版面配置區 2"/>
+          <p:cNvSpPr>
+            <a:spLocks noGrp="1"/>
+          </p:cNvSpPr>
+          <p:nvPr>
+            <p:ph type="body" idx="1"/>
+          </p:nvPr>
+        </p:nvSpPr>
+        <p:spPr/>
+        <p:txBody>
+          <a:bodyPr/>
+          <a:lstStyle/>
+          <a:p>
+            <a:endParaRPr lang="zh-TW" altLang="en-US" dirty="0"/>
+          </a:p>
+        </p:txBody>
+      </p:sp>
+      <p:sp>
+        <p:nvSpPr>
+          <p:cNvPr id="4" name="投影片編號版面配置區 3"/>
+          <p:cNvSpPr>
+            <a:spLocks noGrp="1"/>
+          </p:cNvSpPr>
+          <p:nvPr>
+            <p:ph type="sldNum" sz="quarter" idx="10"/>
+          </p:nvPr>
+        </p:nvSpPr>
+        <p:spPr/>
+        <p:txBody>
+          <a:bodyPr/>
+          <a:lstStyle/>
+          <a:p>
+            <a:fld id="{0236D9B0-CA5C-45AB-BF9A-C0BCA89437F0}" type="slidenum">
+              <a:rPr lang="zh-TW" altLang="en-US" smtClean="0"/>
+              <a:t>18</a:t>
+            </a:fld>
+            <a:endParaRPr lang="zh-TW" altLang="en-US"/>
+          </a:p>
+        </p:txBody>
+      </p:sp>
+    </p:spTree>
+    <p:extLst>
+      <p:ext uri="{BB962C8B-B14F-4D97-AF65-F5344CB8AC3E}">
+        <p14:creationId xmlns:p14="http://schemas.microsoft.com/office/powerpoint/2010/main" val="1953546570"/>
+      </p:ext>
+    </p:extLst>
+  </p:cSld>
+  <p:clrMapOvr>
+    <a:masterClrMapping/>
+  </p:clrMapOvr>
+</p:notes>
+</file>
+
 <file path=ppt/slideLayouts/slideLayout1.xml><?xml version="1.0" encoding="utf-8"?>
 <p:sldLayout xmlns:a="http://schemas.openxmlformats.org/drawingml/2006/main" xmlns:r="http://schemas.openxmlformats.org/officeDocument/2006/relationships" xmlns:p="http://schemas.openxmlformats.org/presentationml/2006/main" type="title" preserve="1">
   <p:cSld name="標題投影片">
@@ -9243,44 +9328,422 @@
             <p:ph type="title"/>
           </p:nvPr>
         </p:nvSpPr>
+        <p:spPr>
+          <a:xfrm>
+            <a:off x="923057" y="2913667"/>
+            <a:ext cx="10515600" cy="751171"/>
+          </a:xfrm>
+        </p:spPr>
+        <p:txBody>
+          <a:bodyPr>
+            <a:normAutofit/>
+          </a:bodyPr>
+          <a:lstStyle/>
+          <a:p>
+            <a:r>
+              <a:rPr lang="zh-TW" altLang="en-US" sz="3600" b="1" dirty="0">
+                <a:latin typeface="標楷體" panose="03000509000000000000" pitchFamily="65" charset="-120"/>
+                <a:ea typeface="標楷體" panose="03000509000000000000" pitchFamily="65" charset="-120"/>
+              </a:rPr>
+              <a:t>瀕臨破產的公司</a:t>
+            </a:r>
+          </a:p>
+        </p:txBody>
+      </p:sp>
+      <p:sp>
+        <p:nvSpPr>
+          <p:cNvPr id="3" name="內容版面配置區 2">
+            <a:extLst>
+              <a:ext uri="{FF2B5EF4-FFF2-40B4-BE49-F238E27FC236}">
+                <a16:creationId xmlns:a16="http://schemas.microsoft.com/office/drawing/2014/main" id="{A3EDDEED-D844-4C03-93A3-A84B8CDDFC55}"/>
+              </a:ext>
+            </a:extLst>
+          </p:cNvPr>
+          <p:cNvSpPr>
+            <a:spLocks noGrp="1"/>
+          </p:cNvSpPr>
+          <p:nvPr>
+            <p:ph idx="1"/>
+          </p:nvPr>
+        </p:nvSpPr>
+        <p:spPr>
+          <a:xfrm>
+            <a:off x="923057" y="2131173"/>
+            <a:ext cx="10515600" cy="782494"/>
+          </a:xfrm>
+        </p:spPr>
+        <p:txBody>
+          <a:bodyPr>
+            <a:normAutofit/>
+          </a:bodyPr>
+          <a:lstStyle/>
+          <a:p>
+            <a:pPr marL="0" indent="0">
+              <a:buNone/>
+            </a:pPr>
+            <a:r>
+              <a:rPr lang="zh-TW" altLang="en-US" sz="3600" b="1" dirty="0">
+                <a:latin typeface="標楷體" panose="03000509000000000000" pitchFamily="65" charset="-120"/>
+                <a:ea typeface="標楷體" panose="03000509000000000000" pitchFamily="65" charset="-120"/>
+              </a:rPr>
+              <a:t>如何從死對頭身上拿錢</a:t>
+            </a:r>
+          </a:p>
+        </p:txBody>
+      </p:sp>
+      <p:sp>
+        <p:nvSpPr>
+          <p:cNvPr id="5" name="標題 1">
+            <a:extLst>
+              <a:ext uri="{FF2B5EF4-FFF2-40B4-BE49-F238E27FC236}">
+                <a16:creationId xmlns:a16="http://schemas.microsoft.com/office/drawing/2014/main" id="{1D9C539A-B46D-49B0-98DA-3499E8965397}"/>
+              </a:ext>
+            </a:extLst>
+          </p:cNvPr>
+          <p:cNvSpPr txBox="1">
+            <a:spLocks/>
+          </p:cNvSpPr>
+          <p:nvPr/>
+        </p:nvSpPr>
+        <p:spPr>
+          <a:xfrm>
+            <a:off x="2944090" y="3926309"/>
+            <a:ext cx="10515600" cy="751171"/>
+          </a:xfrm>
+          <a:prstGeom prst="rect">
+            <a:avLst/>
+          </a:prstGeom>
+        </p:spPr>
+        <p:txBody>
+          <a:bodyPr vert="horz" lIns="91440" tIns="45720" rIns="91440" bIns="45720" rtlCol="0" anchor="ctr">
+            <a:normAutofit/>
+          </a:bodyPr>
+          <a:lstStyle>
+            <a:lvl1pPr algn="l" defTabSz="914400" rtl="0" eaLnBrk="1" latinLnBrk="0" hangingPunct="1">
+              <a:lnSpc>
+                <a:spcPct val="90000"/>
+              </a:lnSpc>
+              <a:spcBef>
+                <a:spcPct val="0"/>
+              </a:spcBef>
+              <a:buNone/>
+              <a:defRPr sz="4400" kern="1200">
+                <a:solidFill>
+                  <a:schemeClr val="tx1"/>
+                </a:solidFill>
+                <a:latin typeface="+mj-lt"/>
+                <a:ea typeface="+mj-ea"/>
+                <a:cs typeface="+mj-cs"/>
+              </a:defRPr>
+            </a:lvl1pPr>
+          </a:lstStyle>
+          <a:p>
+            <a:endParaRPr lang="zh-TW" altLang="en-US" sz="3600" b="1" dirty="0">
+              <a:latin typeface="標楷體" panose="03000509000000000000" pitchFamily="65" charset="-120"/>
+              <a:ea typeface="標楷體" panose="03000509000000000000" pitchFamily="65" charset="-120"/>
+            </a:endParaRPr>
+          </a:p>
+        </p:txBody>
+      </p:sp>
+      <p:sp>
+        <p:nvSpPr>
+          <p:cNvPr id="6" name="標題 1">
+            <a:extLst>
+              <a:ext uri="{FF2B5EF4-FFF2-40B4-BE49-F238E27FC236}">
+                <a16:creationId xmlns:a16="http://schemas.microsoft.com/office/drawing/2014/main" id="{0542B79D-C78C-4EEA-8683-D54421565269}"/>
+              </a:ext>
+            </a:extLst>
+          </p:cNvPr>
+          <p:cNvSpPr txBox="1">
+            <a:spLocks/>
+          </p:cNvSpPr>
+          <p:nvPr/>
+        </p:nvSpPr>
+        <p:spPr>
+          <a:xfrm>
+            <a:off x="923057" y="142329"/>
+            <a:ext cx="4083630" cy="1325563"/>
+          </a:xfrm>
+          <a:prstGeom prst="rect">
+            <a:avLst/>
+          </a:prstGeom>
+        </p:spPr>
+        <p:txBody>
+          <a:bodyPr vert="horz" lIns="91440" tIns="45720" rIns="91440" bIns="45720" rtlCol="0" anchor="ctr">
+            <a:normAutofit/>
+          </a:bodyPr>
+          <a:lstStyle>
+            <a:lvl1pPr algn="l" defTabSz="914400" rtl="0" eaLnBrk="1" latinLnBrk="0" hangingPunct="1">
+              <a:lnSpc>
+                <a:spcPct val="90000"/>
+              </a:lnSpc>
+              <a:spcBef>
+                <a:spcPct val="0"/>
+              </a:spcBef>
+              <a:buNone/>
+              <a:defRPr sz="4400" kern="1200">
+                <a:solidFill>
+                  <a:schemeClr val="tx1"/>
+                </a:solidFill>
+                <a:latin typeface="+mj-lt"/>
+                <a:ea typeface="+mj-ea"/>
+                <a:cs typeface="+mj-cs"/>
+              </a:defRPr>
+            </a:lvl1pPr>
+          </a:lstStyle>
+          <a:p>
+            <a:r>
+              <a:rPr lang="zh-TW" altLang="en-US" sz="7200" b="1" dirty="0">
+                <a:latin typeface="標楷體" panose="03000509000000000000" pitchFamily="65" charset="-120"/>
+                <a:ea typeface="標楷體" panose="03000509000000000000" pitchFamily="65" charset="-120"/>
+              </a:rPr>
+              <a:t>如何</a:t>
+            </a:r>
+          </a:p>
+        </p:txBody>
+      </p:sp>
+      <p:sp>
+        <p:nvSpPr>
+          <p:cNvPr id="7" name="標題 1">
+            <a:extLst>
+              <a:ext uri="{FF2B5EF4-FFF2-40B4-BE49-F238E27FC236}">
+                <a16:creationId xmlns:a16="http://schemas.microsoft.com/office/drawing/2014/main" id="{7B817212-6472-4EA7-803E-98F1678BEE75}"/>
+              </a:ext>
+            </a:extLst>
+          </p:cNvPr>
+          <p:cNvSpPr txBox="1">
+            <a:spLocks/>
+          </p:cNvSpPr>
+          <p:nvPr/>
+        </p:nvSpPr>
+        <p:spPr>
+          <a:xfrm>
+            <a:off x="923057" y="3798593"/>
+            <a:ext cx="10515600" cy="751171"/>
+          </a:xfrm>
+          <a:prstGeom prst="rect">
+            <a:avLst/>
+          </a:prstGeom>
+        </p:spPr>
+        <p:txBody>
+          <a:bodyPr vert="horz" lIns="91440" tIns="45720" rIns="91440" bIns="45720" rtlCol="0" anchor="ctr">
+            <a:normAutofit/>
+          </a:bodyPr>
+          <a:lstStyle>
+            <a:lvl1pPr algn="l" defTabSz="914400" rtl="0" eaLnBrk="1" latinLnBrk="0" hangingPunct="1">
+              <a:lnSpc>
+                <a:spcPct val="90000"/>
+              </a:lnSpc>
+              <a:spcBef>
+                <a:spcPct val="0"/>
+              </a:spcBef>
+              <a:buNone/>
+              <a:defRPr sz="4400" kern="1200">
+                <a:solidFill>
+                  <a:schemeClr val="tx1"/>
+                </a:solidFill>
+                <a:latin typeface="+mj-lt"/>
+                <a:ea typeface="+mj-ea"/>
+                <a:cs typeface="+mj-cs"/>
+              </a:defRPr>
+            </a:lvl1pPr>
+          </a:lstStyle>
+          <a:p>
+            <a:r>
+              <a:rPr lang="zh-TW" altLang="en-US" sz="3600" b="1" dirty="0">
+                <a:latin typeface="標楷體" panose="03000509000000000000" pitchFamily="65" charset="-120"/>
+                <a:ea typeface="標楷體" panose="03000509000000000000" pitchFamily="65" charset="-120"/>
+              </a:rPr>
+              <a:t>不費吹灰之力取得資源</a:t>
+            </a:r>
+            <a:endParaRPr lang="en-US" altLang="zh-TW" sz="3600" b="1" dirty="0">
+              <a:latin typeface="標楷體" panose="03000509000000000000" pitchFamily="65" charset="-120"/>
+              <a:ea typeface="標楷體" panose="03000509000000000000" pitchFamily="65" charset="-120"/>
+            </a:endParaRPr>
+          </a:p>
+        </p:txBody>
+      </p:sp>
+      <p:sp>
+        <p:nvSpPr>
+          <p:cNvPr id="8" name="標題 1">
+            <a:extLst>
+              <a:ext uri="{FF2B5EF4-FFF2-40B4-BE49-F238E27FC236}">
+                <a16:creationId xmlns:a16="http://schemas.microsoft.com/office/drawing/2014/main" id="{A03EEC53-C62D-46F5-A8D2-501CA6D55B0F}"/>
+              </a:ext>
+            </a:extLst>
+          </p:cNvPr>
+          <p:cNvSpPr txBox="1">
+            <a:spLocks/>
+          </p:cNvSpPr>
+          <p:nvPr/>
+        </p:nvSpPr>
+        <p:spPr>
+          <a:xfrm>
+            <a:off x="6726382" y="5562406"/>
+            <a:ext cx="3300120" cy="751171"/>
+          </a:xfrm>
+          <a:prstGeom prst="rect">
+            <a:avLst/>
+          </a:prstGeom>
+        </p:spPr>
+        <p:txBody>
+          <a:bodyPr vert="horz" lIns="91440" tIns="45720" rIns="91440" bIns="45720" rtlCol="0" anchor="ctr">
+            <a:normAutofit/>
+          </a:bodyPr>
+          <a:lstStyle>
+            <a:lvl1pPr algn="l" defTabSz="914400" rtl="0" eaLnBrk="1" latinLnBrk="0" hangingPunct="1">
+              <a:lnSpc>
+                <a:spcPct val="90000"/>
+              </a:lnSpc>
+              <a:spcBef>
+                <a:spcPct val="0"/>
+              </a:spcBef>
+              <a:buNone/>
+              <a:defRPr sz="4400" kern="1200">
+                <a:solidFill>
+                  <a:schemeClr val="tx1"/>
+                </a:solidFill>
+                <a:latin typeface="+mj-lt"/>
+                <a:ea typeface="+mj-ea"/>
+                <a:cs typeface="+mj-cs"/>
+              </a:defRPr>
+            </a:lvl1pPr>
+          </a:lstStyle>
+          <a:p>
+            <a:r>
+              <a:rPr lang="zh-TW" altLang="en-US" sz="3600" b="1" dirty="0">
+                <a:latin typeface="標楷體" panose="03000509000000000000" pitchFamily="65" charset="-120"/>
+                <a:ea typeface="標楷體" panose="03000509000000000000" pitchFamily="65" charset="-120"/>
+              </a:rPr>
+              <a:t>作者</a:t>
+            </a:r>
+            <a:r>
+              <a:rPr lang="en-US" altLang="zh-TW" sz="3600" b="1" dirty="0">
+                <a:latin typeface="標楷體" panose="03000509000000000000" pitchFamily="65" charset="-120"/>
+                <a:ea typeface="標楷體" panose="03000509000000000000" pitchFamily="65" charset="-120"/>
+              </a:rPr>
+              <a:t>-</a:t>
+            </a:r>
+            <a:r>
+              <a:rPr lang="zh-TW" altLang="en-US" sz="3600" b="1" dirty="0">
+                <a:latin typeface="標楷體" panose="03000509000000000000" pitchFamily="65" charset="-120"/>
+                <a:ea typeface="標楷體" panose="03000509000000000000" pitchFamily="65" charset="-120"/>
+              </a:rPr>
+              <a:t>賈伯斯</a:t>
+            </a:r>
+            <a:endParaRPr lang="en-US" altLang="zh-TW" sz="3600" b="1" dirty="0">
+              <a:latin typeface="標楷體" panose="03000509000000000000" pitchFamily="65" charset="-120"/>
+              <a:ea typeface="標楷體" panose="03000509000000000000" pitchFamily="65" charset="-120"/>
+            </a:endParaRPr>
+          </a:p>
+        </p:txBody>
+      </p:sp>
+    </p:spTree>
+    <p:extLst>
+      <p:ext uri="{BB962C8B-B14F-4D97-AF65-F5344CB8AC3E}">
+        <p14:creationId xmlns:p14="http://schemas.microsoft.com/office/powerpoint/2010/main" val="574065216"/>
+      </p:ext>
+    </p:extLst>
+  </p:cSld>
+  <p:clrMapOvr>
+    <a:masterClrMapping/>
+  </p:clrMapOvr>
+</p:sld>
+</file>
+
+<file path=ppt/slides/slide18.xml><?xml version="1.0" encoding="utf-8"?>
+<p:sld xmlns:a="http://schemas.openxmlformats.org/drawingml/2006/main" xmlns:r="http://schemas.openxmlformats.org/officeDocument/2006/relationships" xmlns:p="http://schemas.openxmlformats.org/presentationml/2006/main">
+  <p:cSld>
+    <p:spTree>
+      <p:nvGrpSpPr>
+        <p:cNvPr id="1" name=""/>
+        <p:cNvGrpSpPr/>
+        <p:nvPr/>
+      </p:nvGrpSpPr>
+      <p:grpSpPr>
+        <a:xfrm>
+          <a:off x="0" y="0"/>
+          <a:ext cx="0" cy="0"/>
+          <a:chOff x="0" y="0"/>
+          <a:chExt cx="0" cy="0"/>
+        </a:xfrm>
+      </p:grpSpPr>
+      <p:sp>
+        <p:nvSpPr>
+          <p:cNvPr id="2" name="標題 1">
+            <a:extLst>
+              <a:ext uri="{FF2B5EF4-FFF2-40B4-BE49-F238E27FC236}">
+                <a16:creationId xmlns:a16="http://schemas.microsoft.com/office/drawing/2014/main" id="{9F77D16B-C3C0-4B9D-951B-74FE7FC79517}"/>
+              </a:ext>
+            </a:extLst>
+          </p:cNvPr>
+          <p:cNvSpPr>
+            <a:spLocks noGrp="1"/>
+          </p:cNvSpPr>
+          <p:nvPr>
+            <p:ph type="title"/>
+          </p:nvPr>
+        </p:nvSpPr>
         <p:spPr/>
         <p:txBody>
           <a:bodyPr/>
           <a:lstStyle/>
           <a:p>
-            <a:endParaRPr lang="zh-TW" altLang="en-US"/>
+            <a:pPr algn="ctr"/>
+            <a:r>
+              <a:rPr lang="zh-TW" altLang="en-US" b="1" dirty="0"/>
+              <a:t>感謝</a:t>
+            </a:r>
+            <a:r>
+              <a:rPr lang="en-US" altLang="zh-TW" b="1" dirty="0"/>
+              <a:t>seafood</a:t>
+            </a:r>
+            <a:r>
+              <a:rPr lang="zh-TW" altLang="en-US" b="1" dirty="0"/>
+              <a:t>，感謝大家！</a:t>
+            </a:r>
           </a:p>
         </p:txBody>
       </p:sp>
-      <p:sp>
-        <p:nvSpPr>
-          <p:cNvPr id="3" name="內容版面配置區 2">
+      <p:pic>
+        <p:nvPicPr>
+          <p:cNvPr id="5" name="內容版面配置區 4">
             <a:extLst>
               <a:ext uri="{FF2B5EF4-FFF2-40B4-BE49-F238E27FC236}">
-                <a16:creationId xmlns:a16="http://schemas.microsoft.com/office/drawing/2014/main" id="{A3EDDEED-D844-4C03-93A3-A84B8CDDFC55}"/>
+                <a16:creationId xmlns:a16="http://schemas.microsoft.com/office/drawing/2014/main" id="{81DC49D2-F97F-45C5-89CE-45B7B78CD2E7}"/>
               </a:ext>
             </a:extLst>
           </p:cNvPr>
-          <p:cNvSpPr>
-            <a:spLocks noGrp="1"/>
-          </p:cNvSpPr>
+          <p:cNvPicPr>
+            <a:picLocks noGrp="1" noChangeAspect="1"/>
+          </p:cNvPicPr>
           <p:nvPr>
             <p:ph idx="1"/>
           </p:nvPr>
-        </p:nvSpPr>
-        <p:spPr/>
-        <p:txBody>
-          <a:bodyPr/>
-          <a:lstStyle/>
-          <a:p>
-            <a:endParaRPr lang="zh-TW" altLang="en-US"/>
-          </a:p>
-        </p:txBody>
-      </p:sp>
+        </p:nvPicPr>
+        <p:blipFill>
+          <a:blip r:embed="rId3">
+            <a:extLst>
+              <a:ext uri="{28A0092B-C50C-407E-A947-70E740481C1C}">
+                <a14:useLocalDpi xmlns:a14="http://schemas.microsoft.com/office/drawing/2010/main" val="0"/>
+              </a:ext>
+            </a:extLst>
+          </a:blip>
+          <a:stretch>
+            <a:fillRect/>
+          </a:stretch>
+        </p:blipFill>
+        <p:spPr>
+          <a:xfrm>
+            <a:off x="2018606" y="1690688"/>
+            <a:ext cx="7748848" cy="5129519"/>
+          </a:xfrm>
+        </p:spPr>
+      </p:pic>
     </p:spTree>
     <p:extLst>
       <p:ext uri="{BB962C8B-B14F-4D97-AF65-F5344CB8AC3E}">
-        <p14:creationId xmlns:p14="http://schemas.microsoft.com/office/powerpoint/2010/main" val="574065216"/>
+        <p14:creationId xmlns:p14="http://schemas.microsoft.com/office/powerpoint/2010/main" val="1819204267"/>
       </p:ext>
     </p:extLst>
   </p:cSld>

--- a/政府產業政策簡報.pptx
+++ b/政府產業政策簡報.pptx
@@ -8221,121 +8221,6 @@
           </a:p>
         </p:txBody>
       </p:sp>
-      <p:sp>
-        <p:nvSpPr>
-          <p:cNvPr id="4" name="矩形 3">
-            <a:extLst>
-              <a:ext uri="{FF2B5EF4-FFF2-40B4-BE49-F238E27FC236}">
-                <a16:creationId xmlns:a16="http://schemas.microsoft.com/office/drawing/2014/main" id="{07D07BDD-2F6C-431A-B600-55BAFEA7E7A9}"/>
-              </a:ext>
-            </a:extLst>
-          </p:cNvPr>
-          <p:cNvSpPr/>
-          <p:nvPr/>
-        </p:nvSpPr>
-        <p:spPr>
-          <a:xfrm>
-            <a:off x="9121929" y="6488668"/>
-            <a:ext cx="2749471" cy="338554"/>
-          </a:xfrm>
-          <a:prstGeom prst="rect">
-            <a:avLst/>
-          </a:prstGeom>
-        </p:spPr>
-        <p:txBody>
-          <a:bodyPr wrap="none">
-            <a:spAutoFit/>
-          </a:bodyPr>
-          <a:lstStyle/>
-          <a:p>
-            <a:r>
-              <a:rPr lang="en-US" altLang="zh-TW" sz="1600" dirty="0">
-                <a:solidFill>
-                  <a:schemeClr val="tx2">
-                    <a:lumMod val="50000"/>
-                  </a:schemeClr>
-                </a:solidFill>
-                <a:effectLst>
-                  <a:outerShdw blurRad="38100" dist="38100" dir="2700000" algn="tl">
-                    <a:srgbClr val="000000">
-                      <a:alpha val="43137"/>
-                    </a:srgbClr>
-                  </a:outerShdw>
-                </a:effectLst>
-                <a:latin typeface="標楷體" panose="03000509000000000000" pitchFamily="65" charset="-120"/>
-                <a:ea typeface="標楷體" panose="03000509000000000000" pitchFamily="65" charset="-120"/>
-              </a:rPr>
-              <a:t>2310602031</a:t>
-            </a:r>
-            <a:r>
-              <a:rPr lang="zh-TW" altLang="en-US" sz="1600" dirty="0">
-                <a:solidFill>
-                  <a:schemeClr val="tx2">
-                    <a:lumMod val="50000"/>
-                  </a:schemeClr>
-                </a:solidFill>
-                <a:effectLst>
-                  <a:outerShdw blurRad="38100" dist="38100" dir="2700000" algn="tl">
-                    <a:srgbClr val="000000">
-                      <a:alpha val="43137"/>
-                    </a:srgbClr>
-                  </a:outerShdw>
-                </a:effectLst>
-                <a:latin typeface="標楷體" panose="03000509000000000000" pitchFamily="65" charset="-120"/>
-                <a:ea typeface="標楷體" panose="03000509000000000000" pitchFamily="65" charset="-120"/>
-              </a:rPr>
-              <a:t> 會資三</a:t>
-            </a:r>
-            <a:r>
-              <a:rPr lang="en-US" altLang="zh-TW" sz="1600" dirty="0">
-                <a:solidFill>
-                  <a:schemeClr val="tx2">
-                    <a:lumMod val="50000"/>
-                  </a:schemeClr>
-                </a:solidFill>
-                <a:effectLst>
-                  <a:outerShdw blurRad="38100" dist="38100" dir="2700000" algn="tl">
-                    <a:srgbClr val="000000">
-                      <a:alpha val="43137"/>
-                    </a:srgbClr>
-                  </a:outerShdw>
-                </a:effectLst>
-                <a:latin typeface="標楷體" panose="03000509000000000000" pitchFamily="65" charset="-120"/>
-                <a:ea typeface="標楷體" panose="03000509000000000000" pitchFamily="65" charset="-120"/>
-              </a:rPr>
-              <a:t>A</a:t>
-            </a:r>
-            <a:r>
-              <a:rPr lang="zh-TW" altLang="en-US" sz="1600" dirty="0">
-                <a:solidFill>
-                  <a:schemeClr val="tx2">
-                    <a:lumMod val="50000"/>
-                  </a:schemeClr>
-                </a:solidFill>
-                <a:effectLst>
-                  <a:outerShdw blurRad="38100" dist="38100" dir="2700000" algn="tl">
-                    <a:srgbClr val="000000">
-                      <a:alpha val="43137"/>
-                    </a:srgbClr>
-                  </a:outerShdw>
-                </a:effectLst>
-                <a:latin typeface="標楷體" panose="03000509000000000000" pitchFamily="65" charset="-120"/>
-                <a:ea typeface="標楷體" panose="03000509000000000000" pitchFamily="65" charset="-120"/>
-              </a:rPr>
-              <a:t> 謝嘉瑋</a:t>
-            </a:r>
-            <a:endParaRPr lang="zh-TW" altLang="en-US" sz="1600" dirty="0">
-              <a:effectLst>
-                <a:outerShdw blurRad="38100" dist="38100" dir="2700000" algn="tl">
-                  <a:srgbClr val="000000">
-                    <a:alpha val="43137"/>
-                  </a:srgbClr>
-                </a:outerShdw>
-              </a:effectLst>
-            </a:endParaRPr>
-          </a:p>
-        </p:txBody>
-      </p:sp>
     </p:spTree>
     <p:extLst>
       <p:ext uri="{BB962C8B-B14F-4D97-AF65-F5344CB8AC3E}">
